--- a/Lesson 04 - Testing Code/Lesson 04 - Testing Code.pptx
+++ b/Lesson 04 - Testing Code/Lesson 04 - Testing Code.pptx
@@ -5,10 +5,20 @@
     <p:sldMasterId id="2147483764" r:id="rId1"/>
   </p:sldMasterIdLst>
   <p:notesMasterIdLst>
-    <p:notesMasterId r:id="rId3"/>
+    <p:notesMasterId r:id="rId13"/>
   </p:notesMasterIdLst>
   <p:sldIdLst>
     <p:sldId id="256" r:id="rId2"/>
+    <p:sldId id="286" r:id="rId3"/>
+    <p:sldId id="287" r:id="rId4"/>
+    <p:sldId id="288" r:id="rId5"/>
+    <p:sldId id="289" r:id="rId6"/>
+    <p:sldId id="290" r:id="rId7"/>
+    <p:sldId id="291" r:id="rId8"/>
+    <p:sldId id="292" r:id="rId9"/>
+    <p:sldId id="293" r:id="rId10"/>
+    <p:sldId id="294" r:id="rId11"/>
+    <p:sldId id="295" r:id="rId12"/>
   </p:sldIdLst>
   <p:sldSz cx="12192000" cy="6858000"/>
   <p:notesSz cx="6858000" cy="9144000"/>
@@ -113,6 +123,14 @@
     </p:ext>
   </p:extLst>
 </p:presentation>
+</file>
+
+<file path=ppt/revisionInfo.xml><?xml version="1.0" encoding="utf-8"?>
+<p1510:revInfo xmlns:a="http://schemas.openxmlformats.org/drawingml/2006/main" xmlns:r="http://schemas.openxmlformats.org/officeDocument/2006/relationships" xmlns:p1510="http://schemas.microsoft.com/office/powerpoint/2015/10/main">
+  <p1510:revLst>
+    <p1510:client id="{41B687E6-807F-40FD-BA76-A268EBCDC77C}" v="13" dt="2023-08-28T12:28:13.231"/>
+  </p1510:revLst>
+</p1510:revInfo>
 </file>
 
 <file path=ppt/changesInfos/changesInfo1.xml><?xml version="1.0" encoding="utf-8"?>
@@ -221,7 +239,3254 @@
       </pc:sldChg>
     </pc:docChg>
   </pc:docChgLst>
+  <pc:docChgLst>
+    <pc:chgData name="Jim Finn" userId="fcf7da85b79b963a" providerId="LiveId" clId="{41B687E6-807F-40FD-BA76-A268EBCDC77C}"/>
+    <pc:docChg chg="undo custSel addSld modSld">
+      <pc:chgData name="Jim Finn" userId="fcf7da85b79b963a" providerId="LiveId" clId="{41B687E6-807F-40FD-BA76-A268EBCDC77C}" dt="2023-08-28T12:28:25.886" v="132" actId="26606"/>
+      <pc:docMkLst>
+        <pc:docMk/>
+      </pc:docMkLst>
+      <pc:sldChg chg="modSp add mod">
+        <pc:chgData name="Jim Finn" userId="fcf7da85b79b963a" providerId="LiveId" clId="{41B687E6-807F-40FD-BA76-A268EBCDC77C}" dt="2023-08-28T12:21:27.064" v="1" actId="27636"/>
+        <pc:sldMkLst>
+          <pc:docMk/>
+          <pc:sldMk cId="0" sldId="286"/>
+        </pc:sldMkLst>
+        <pc:spChg chg="mod">
+          <ac:chgData name="Jim Finn" userId="fcf7da85b79b963a" providerId="LiveId" clId="{41B687E6-807F-40FD-BA76-A268EBCDC77C}" dt="2023-08-28T12:21:27.064" v="1" actId="27636"/>
+          <ac:spMkLst>
+            <pc:docMk/>
+            <pc:sldMk cId="0" sldId="286"/>
+            <ac:spMk id="462" creationId="{00000000-0000-0000-0000-000000000000}"/>
+          </ac:spMkLst>
+        </pc:spChg>
+      </pc:sldChg>
+      <pc:sldChg chg="addSp delSp modSp add mod setBg modNotes">
+        <pc:chgData name="Jim Finn" userId="fcf7da85b79b963a" providerId="LiveId" clId="{41B687E6-807F-40FD-BA76-A268EBCDC77C}" dt="2023-08-28T12:22:12.161" v="18" actId="207"/>
+        <pc:sldMkLst>
+          <pc:docMk/>
+          <pc:sldMk cId="0" sldId="287"/>
+        </pc:sldMkLst>
+        <pc:spChg chg="add del mod">
+          <ac:chgData name="Jim Finn" userId="fcf7da85b79b963a" providerId="LiveId" clId="{41B687E6-807F-40FD-BA76-A268EBCDC77C}" dt="2023-08-28T12:22:12.161" v="18" actId="207"/>
+          <ac:spMkLst>
+            <pc:docMk/>
+            <pc:sldMk cId="0" sldId="287"/>
+            <ac:spMk id="475" creationId="{00000000-0000-0000-0000-000000000000}"/>
+          </ac:spMkLst>
+        </pc:spChg>
+        <pc:graphicFrameChg chg="add del">
+          <ac:chgData name="Jim Finn" userId="fcf7da85b79b963a" providerId="LiveId" clId="{41B687E6-807F-40FD-BA76-A268EBCDC77C}" dt="2023-08-28T12:21:57.461" v="9" actId="26606"/>
+          <ac:graphicFrameMkLst>
+            <pc:docMk/>
+            <pc:sldMk cId="0" sldId="287"/>
+            <ac:graphicFrameMk id="478" creationId="{1D3B6717-9CF3-CC85-BBEF-0393D8F050C2}"/>
+          </ac:graphicFrameMkLst>
+        </pc:graphicFrameChg>
+      </pc:sldChg>
+      <pc:sldChg chg="modSp add mod setBg modNotes">
+        <pc:chgData name="Jim Finn" userId="fcf7da85b79b963a" providerId="LiveId" clId="{41B687E6-807F-40FD-BA76-A268EBCDC77C}" dt="2023-08-28T12:22:36.511" v="24" actId="27636"/>
+        <pc:sldMkLst>
+          <pc:docMk/>
+          <pc:sldMk cId="0" sldId="288"/>
+        </pc:sldMkLst>
+        <pc:spChg chg="mod">
+          <ac:chgData name="Jim Finn" userId="fcf7da85b79b963a" providerId="LiveId" clId="{41B687E6-807F-40FD-BA76-A268EBCDC77C}" dt="2023-08-28T12:22:36.511" v="24" actId="27636"/>
+          <ac:spMkLst>
+            <pc:docMk/>
+            <pc:sldMk cId="0" sldId="288"/>
+            <ac:spMk id="485" creationId="{00000000-0000-0000-0000-000000000000}"/>
+          </ac:spMkLst>
+        </pc:spChg>
+      </pc:sldChg>
+      <pc:sldChg chg="addSp delSp modSp add mod setBg">
+        <pc:chgData name="Jim Finn" userId="fcf7da85b79b963a" providerId="LiveId" clId="{41B687E6-807F-40FD-BA76-A268EBCDC77C}" dt="2023-08-28T12:24:12.496" v="65" actId="20577"/>
+        <pc:sldMkLst>
+          <pc:docMk/>
+          <pc:sldMk cId="0" sldId="289"/>
+        </pc:sldMkLst>
+        <pc:spChg chg="mod ord">
+          <ac:chgData name="Jim Finn" userId="fcf7da85b79b963a" providerId="LiveId" clId="{41B687E6-807F-40FD-BA76-A268EBCDC77C}" dt="2023-08-28T12:23:55.971" v="57" actId="26606"/>
+          <ac:spMkLst>
+            <pc:docMk/>
+            <pc:sldMk cId="0" sldId="289"/>
+            <ac:spMk id="492" creationId="{00000000-0000-0000-0000-000000000000}"/>
+          </ac:spMkLst>
+        </pc:spChg>
+        <pc:spChg chg="ord">
+          <ac:chgData name="Jim Finn" userId="fcf7da85b79b963a" providerId="LiveId" clId="{41B687E6-807F-40FD-BA76-A268EBCDC77C}" dt="2023-08-28T12:23:13.107" v="27" actId="26606"/>
+          <ac:spMkLst>
+            <pc:docMk/>
+            <pc:sldMk cId="0" sldId="289"/>
+            <ac:spMk id="493" creationId="{00000000-0000-0000-0000-000000000000}"/>
+          </ac:spMkLst>
+        </pc:spChg>
+        <pc:spChg chg="mod">
+          <ac:chgData name="Jim Finn" userId="fcf7da85b79b963a" providerId="LiveId" clId="{41B687E6-807F-40FD-BA76-A268EBCDC77C}" dt="2023-08-28T12:24:12.496" v="65" actId="20577"/>
+          <ac:spMkLst>
+            <pc:docMk/>
+            <pc:sldMk cId="0" sldId="289"/>
+            <ac:spMk id="494" creationId="{00000000-0000-0000-0000-000000000000}"/>
+          </ac:spMkLst>
+        </pc:spChg>
+        <pc:spChg chg="add del">
+          <ac:chgData name="Jim Finn" userId="fcf7da85b79b963a" providerId="LiveId" clId="{41B687E6-807F-40FD-BA76-A268EBCDC77C}" dt="2023-08-28T12:23:32.536" v="43" actId="26606"/>
+          <ac:spMkLst>
+            <pc:docMk/>
+            <pc:sldMk cId="0" sldId="289"/>
+            <ac:spMk id="507" creationId="{0A22D114-11B7-46ED-94A9-18DC1C977BF4}"/>
+          </ac:spMkLst>
+        </pc:spChg>
+        <pc:picChg chg="mod ord">
+          <ac:chgData name="Jim Finn" userId="fcf7da85b79b963a" providerId="LiveId" clId="{41B687E6-807F-40FD-BA76-A268EBCDC77C}" dt="2023-08-28T12:23:55.971" v="57" actId="26606"/>
+          <ac:picMkLst>
+            <pc:docMk/>
+            <pc:sldMk cId="0" sldId="289"/>
+            <ac:picMk id="490" creationId="{00000000-0000-0000-0000-000000000000}"/>
+          </ac:picMkLst>
+        </pc:picChg>
+        <pc:picChg chg="del mod">
+          <ac:chgData name="Jim Finn" userId="fcf7da85b79b963a" providerId="LiveId" clId="{41B687E6-807F-40FD-BA76-A268EBCDC77C}" dt="2023-08-28T12:23:15.606" v="29" actId="478"/>
+          <ac:picMkLst>
+            <pc:docMk/>
+            <pc:sldMk cId="0" sldId="289"/>
+            <ac:picMk id="491" creationId="{00000000-0000-0000-0000-000000000000}"/>
+          </ac:picMkLst>
+        </pc:picChg>
+        <pc:picChg chg="add del">
+          <ac:chgData name="Jim Finn" userId="fcf7da85b79b963a" providerId="LiveId" clId="{41B687E6-807F-40FD-BA76-A268EBCDC77C}" dt="2023-08-28T12:23:32.542" v="44" actId="26606"/>
+          <ac:picMkLst>
+            <pc:docMk/>
+            <pc:sldMk cId="0" sldId="289"/>
+            <ac:picMk id="499" creationId="{0D78F8DF-3E28-42C3-B1C8-5A591036A6EE}"/>
+          </ac:picMkLst>
+        </pc:picChg>
+        <pc:picChg chg="add del">
+          <ac:chgData name="Jim Finn" userId="fcf7da85b79b963a" providerId="LiveId" clId="{41B687E6-807F-40FD-BA76-A268EBCDC77C}" dt="2023-08-28T12:23:27.802" v="37" actId="26606"/>
+          <ac:picMkLst>
+            <pc:docMk/>
+            <pc:sldMk cId="0" sldId="289"/>
+            <ac:picMk id="501" creationId="{5405F23C-C82E-4181-95EA-321F3D891A40}"/>
+          </ac:picMkLst>
+        </pc:picChg>
+        <pc:picChg chg="add del">
+          <ac:chgData name="Jim Finn" userId="fcf7da85b79b963a" providerId="LiveId" clId="{41B687E6-807F-40FD-BA76-A268EBCDC77C}" dt="2023-08-28T12:23:28.899" v="39" actId="26606"/>
+          <ac:picMkLst>
+            <pc:docMk/>
+            <pc:sldMk cId="0" sldId="289"/>
+            <ac:picMk id="503" creationId="{B536FA4E-0152-4E27-91DA-0FC22D1846BB}"/>
+          </ac:picMkLst>
+        </pc:picChg>
+        <pc:picChg chg="add del">
+          <ac:chgData name="Jim Finn" userId="fcf7da85b79b963a" providerId="LiveId" clId="{41B687E6-807F-40FD-BA76-A268EBCDC77C}" dt="2023-08-28T12:23:22" v="32" actId="26606"/>
+          <ac:picMkLst>
+            <pc:docMk/>
+            <pc:sldMk cId="0" sldId="289"/>
+            <ac:picMk id="504" creationId="{559DF61F-9058-49C9-8F75-DC501F983B0E}"/>
+          </ac:picMkLst>
+        </pc:picChg>
+        <pc:picChg chg="add del">
+          <ac:chgData name="Jim Finn" userId="fcf7da85b79b963a" providerId="LiveId" clId="{41B687E6-807F-40FD-BA76-A268EBCDC77C}" dt="2023-08-28T12:23:30.482" v="41" actId="26606"/>
+          <ac:picMkLst>
+            <pc:docMk/>
+            <pc:sldMk cId="0" sldId="289"/>
+            <ac:picMk id="505" creationId="{B536FA4E-0152-4E27-91DA-0FC22D1846BB}"/>
+          </ac:picMkLst>
+        </pc:picChg>
+        <pc:picChg chg="add del">
+          <ac:chgData name="Jim Finn" userId="fcf7da85b79b963a" providerId="LiveId" clId="{41B687E6-807F-40FD-BA76-A268EBCDC77C}" dt="2023-08-28T12:23:55.971" v="57" actId="26606"/>
+          <ac:picMkLst>
+            <pc:docMk/>
+            <pc:sldMk cId="0" sldId="289"/>
+            <ac:picMk id="509" creationId="{559DF61F-9058-49C9-8F75-DC501F983B0E}"/>
+          </ac:picMkLst>
+        </pc:picChg>
+        <pc:picChg chg="add del">
+          <ac:chgData name="Jim Finn" userId="fcf7da85b79b963a" providerId="LiveId" clId="{41B687E6-807F-40FD-BA76-A268EBCDC77C}" dt="2023-08-28T12:23:54.004" v="54" actId="26606"/>
+          <ac:picMkLst>
+            <pc:docMk/>
+            <pc:sldMk cId="0" sldId="289"/>
+            <ac:picMk id="514" creationId="{1CF706DA-13E8-4A4F-9260-551FB8127BDD}"/>
+          </ac:picMkLst>
+        </pc:picChg>
+        <pc:picChg chg="add del">
+          <ac:chgData name="Jim Finn" userId="fcf7da85b79b963a" providerId="LiveId" clId="{41B687E6-807F-40FD-BA76-A268EBCDC77C}" dt="2023-08-28T12:23:55.951" v="56" actId="26606"/>
+          <ac:picMkLst>
+            <pc:docMk/>
+            <pc:sldMk cId="0" sldId="289"/>
+            <ac:picMk id="516" creationId="{559DF61F-9058-49C9-8F75-DC501F983B0E}"/>
+          </ac:picMkLst>
+        </pc:picChg>
+      </pc:sldChg>
+      <pc:sldChg chg="modSp add mod">
+        <pc:chgData name="Jim Finn" userId="fcf7da85b79b963a" providerId="LiveId" clId="{41B687E6-807F-40FD-BA76-A268EBCDC77C}" dt="2023-08-28T12:25:08.642" v="79" actId="20577"/>
+        <pc:sldMkLst>
+          <pc:docMk/>
+          <pc:sldMk cId="0" sldId="290"/>
+        </pc:sldMkLst>
+        <pc:spChg chg="mod">
+          <ac:chgData name="Jim Finn" userId="fcf7da85b79b963a" providerId="LiveId" clId="{41B687E6-807F-40FD-BA76-A268EBCDC77C}" dt="2023-08-28T12:25:08.642" v="79" actId="20577"/>
+          <ac:spMkLst>
+            <pc:docMk/>
+            <pc:sldMk cId="0" sldId="290"/>
+            <ac:spMk id="502" creationId="{00000000-0000-0000-0000-000000000000}"/>
+          </ac:spMkLst>
+        </pc:spChg>
+      </pc:sldChg>
+      <pc:sldChg chg="add modNotes">
+        <pc:chgData name="Jim Finn" userId="fcf7da85b79b963a" providerId="LiveId" clId="{41B687E6-807F-40FD-BA76-A268EBCDC77C}" dt="2023-08-28T12:26:33.762" v="104" actId="16037"/>
+        <pc:sldMkLst>
+          <pc:docMk/>
+          <pc:sldMk cId="0" sldId="291"/>
+        </pc:sldMkLst>
+      </pc:sldChg>
+      <pc:sldChg chg="modSp add mod setBg modNotes">
+        <pc:chgData name="Jim Finn" userId="fcf7da85b79b963a" providerId="LiveId" clId="{41B687E6-807F-40FD-BA76-A268EBCDC77C}" dt="2023-08-28T12:25:53.273" v="99" actId="15"/>
+        <pc:sldMkLst>
+          <pc:docMk/>
+          <pc:sldMk cId="0" sldId="292"/>
+        </pc:sldMkLst>
+        <pc:spChg chg="mod">
+          <ac:chgData name="Jim Finn" userId="fcf7da85b79b963a" providerId="LiveId" clId="{41B687E6-807F-40FD-BA76-A268EBCDC77C}" dt="2023-08-28T12:25:53.273" v="99" actId="15"/>
+          <ac:spMkLst>
+            <pc:docMk/>
+            <pc:sldMk cId="0" sldId="292"/>
+            <ac:spMk id="522" creationId="{00000000-0000-0000-0000-000000000000}"/>
+          </ac:spMkLst>
+        </pc:spChg>
+      </pc:sldChg>
+      <pc:sldChg chg="addSp delSp modSp add mod setBg setClrOvrMap">
+        <pc:chgData name="Jim Finn" userId="fcf7da85b79b963a" providerId="LiveId" clId="{41B687E6-807F-40FD-BA76-A268EBCDC77C}" dt="2023-08-28T12:27:30.521" v="116" actId="27636"/>
+        <pc:sldMkLst>
+          <pc:docMk/>
+          <pc:sldMk cId="0" sldId="293"/>
+        </pc:sldMkLst>
+        <pc:spChg chg="mod">
+          <ac:chgData name="Jim Finn" userId="fcf7da85b79b963a" providerId="LiveId" clId="{41B687E6-807F-40FD-BA76-A268EBCDC77C}" dt="2023-08-28T12:26:10.771" v="102" actId="26606"/>
+          <ac:spMkLst>
+            <pc:docMk/>
+            <pc:sldMk cId="0" sldId="293"/>
+            <ac:spMk id="527" creationId="{00000000-0000-0000-0000-000000000000}"/>
+          </ac:spMkLst>
+        </pc:spChg>
+        <pc:spChg chg="mod">
+          <ac:chgData name="Jim Finn" userId="fcf7da85b79b963a" providerId="LiveId" clId="{41B687E6-807F-40FD-BA76-A268EBCDC77C}" dt="2023-08-28T12:27:30.521" v="116" actId="27636"/>
+          <ac:spMkLst>
+            <pc:docMk/>
+            <pc:sldMk cId="0" sldId="293"/>
+            <ac:spMk id="528" creationId="{00000000-0000-0000-0000-000000000000}"/>
+          </ac:spMkLst>
+        </pc:spChg>
+        <pc:spChg chg="add del">
+          <ac:chgData name="Jim Finn" userId="fcf7da85b79b963a" providerId="LiveId" clId="{41B687E6-807F-40FD-BA76-A268EBCDC77C}" dt="2023-08-28T12:26:10.771" v="102" actId="26606"/>
+          <ac:spMkLst>
+            <pc:docMk/>
+            <pc:sldMk cId="0" sldId="293"/>
+            <ac:spMk id="535" creationId="{95CB840F-8E41-4CA5-B79B-25CC80AD234A}"/>
+          </ac:spMkLst>
+        </pc:spChg>
+        <pc:spChg chg="add del">
+          <ac:chgData name="Jim Finn" userId="fcf7da85b79b963a" providerId="LiveId" clId="{41B687E6-807F-40FD-BA76-A268EBCDC77C}" dt="2023-08-28T12:26:10.771" v="102" actId="26606"/>
+          <ac:spMkLst>
+            <pc:docMk/>
+            <pc:sldMk cId="0" sldId="293"/>
+            <ac:spMk id="537" creationId="{BEF75C5D-2BA1-43DF-A7EA-02C7DEC122DF}"/>
+          </ac:spMkLst>
+        </pc:spChg>
+        <pc:graphicFrameChg chg="add mod">
+          <ac:chgData name="Jim Finn" userId="fcf7da85b79b963a" providerId="LiveId" clId="{41B687E6-807F-40FD-BA76-A268EBCDC77C}" dt="2023-08-28T12:26:10.771" v="102" actId="26606"/>
+          <ac:graphicFrameMkLst>
+            <pc:docMk/>
+            <pc:sldMk cId="0" sldId="293"/>
+            <ac:graphicFrameMk id="530" creationId="{00000000-0000-0000-0000-000000000000}"/>
+          </ac:graphicFrameMkLst>
+        </pc:graphicFrameChg>
+        <pc:picChg chg="mod">
+          <ac:chgData name="Jim Finn" userId="fcf7da85b79b963a" providerId="LiveId" clId="{41B687E6-807F-40FD-BA76-A268EBCDC77C}" dt="2023-08-28T12:26:33.762" v="104" actId="16037"/>
+          <ac:picMkLst>
+            <pc:docMk/>
+            <pc:sldMk cId="0" sldId="293"/>
+            <ac:picMk id="529" creationId="{00000000-0000-0000-0000-000000000000}"/>
+          </ac:picMkLst>
+        </pc:picChg>
+      </pc:sldChg>
+      <pc:sldChg chg="modSp add mod modNotes">
+        <pc:chgData name="Jim Finn" userId="fcf7da85b79b963a" providerId="LiveId" clId="{41B687E6-807F-40FD-BA76-A268EBCDC77C}" dt="2023-08-28T12:27:52.315" v="123" actId="27636"/>
+        <pc:sldMkLst>
+          <pc:docMk/>
+          <pc:sldMk cId="0" sldId="294"/>
+        </pc:sldMkLst>
+        <pc:spChg chg="mod">
+          <ac:chgData name="Jim Finn" userId="fcf7da85b79b963a" providerId="LiveId" clId="{41B687E6-807F-40FD-BA76-A268EBCDC77C}" dt="2023-08-28T12:27:52.315" v="123" actId="27636"/>
+          <ac:spMkLst>
+            <pc:docMk/>
+            <pc:sldMk cId="0" sldId="294"/>
+            <ac:spMk id="536" creationId="{00000000-0000-0000-0000-000000000000}"/>
+          </ac:spMkLst>
+        </pc:spChg>
+      </pc:sldChg>
+      <pc:sldChg chg="addSp delSp modSp add mod setBg">
+        <pc:chgData name="Jim Finn" userId="fcf7da85b79b963a" providerId="LiveId" clId="{41B687E6-807F-40FD-BA76-A268EBCDC77C}" dt="2023-08-28T12:28:25.886" v="132" actId="26606"/>
+        <pc:sldMkLst>
+          <pc:docMk/>
+          <pc:sldMk cId="0" sldId="295"/>
+        </pc:sldMkLst>
+        <pc:spChg chg="mod">
+          <ac:chgData name="Jim Finn" userId="fcf7da85b79b963a" providerId="LiveId" clId="{41B687E6-807F-40FD-BA76-A268EBCDC77C}" dt="2023-08-28T12:28:25.886" v="132" actId="26606"/>
+          <ac:spMkLst>
+            <pc:docMk/>
+            <pc:sldMk cId="0" sldId="295"/>
+            <ac:spMk id="546" creationId="{00000000-0000-0000-0000-000000000000}"/>
+          </ac:spMkLst>
+        </pc:spChg>
+        <pc:spChg chg="del mod">
+          <ac:chgData name="Jim Finn" userId="fcf7da85b79b963a" providerId="LiveId" clId="{41B687E6-807F-40FD-BA76-A268EBCDC77C}" dt="2023-08-28T12:28:25.886" v="132" actId="26606"/>
+          <ac:spMkLst>
+            <pc:docMk/>
+            <pc:sldMk cId="0" sldId="295"/>
+            <ac:spMk id="547" creationId="{00000000-0000-0000-0000-000000000000}"/>
+          </ac:spMkLst>
+        </pc:spChg>
+        <pc:graphicFrameChg chg="add">
+          <ac:chgData name="Jim Finn" userId="fcf7da85b79b963a" providerId="LiveId" clId="{41B687E6-807F-40FD-BA76-A268EBCDC77C}" dt="2023-08-28T12:28:25.886" v="132" actId="26606"/>
+          <ac:graphicFrameMkLst>
+            <pc:docMk/>
+            <pc:sldMk cId="0" sldId="295"/>
+            <ac:graphicFrameMk id="558" creationId="{B9150182-6A3E-7DDF-E0EF-04888F5AB3F7}"/>
+          </ac:graphicFrameMkLst>
+        </pc:graphicFrameChg>
+        <pc:picChg chg="add del">
+          <ac:chgData name="Jim Finn" userId="fcf7da85b79b963a" providerId="LiveId" clId="{41B687E6-807F-40FD-BA76-A268EBCDC77C}" dt="2023-08-28T12:28:22.109" v="129" actId="26606"/>
+          <ac:picMkLst>
+            <pc:docMk/>
+            <pc:sldMk cId="0" sldId="295"/>
+            <ac:picMk id="549" creationId="{83A488F6-E9EF-C2D4-614D-D5888E889BAD}"/>
+          </ac:picMkLst>
+        </pc:picChg>
+        <pc:picChg chg="add del">
+          <ac:chgData name="Jim Finn" userId="fcf7da85b79b963a" providerId="LiveId" clId="{41B687E6-807F-40FD-BA76-A268EBCDC77C}" dt="2023-08-28T12:28:22.109" v="129" actId="26606"/>
+          <ac:picMkLst>
+            <pc:docMk/>
+            <pc:sldMk cId="0" sldId="295"/>
+            <ac:picMk id="553" creationId="{E0BE7827-5B1A-4F37-BF70-19F7C5C6BDEB}"/>
+          </ac:picMkLst>
+        </pc:picChg>
+        <pc:picChg chg="add del">
+          <ac:chgData name="Jim Finn" userId="fcf7da85b79b963a" providerId="LiveId" clId="{41B687E6-807F-40FD-BA76-A268EBCDC77C}" dt="2023-08-28T12:28:25.791" v="131" actId="26606"/>
+          <ac:picMkLst>
+            <pc:docMk/>
+            <pc:sldMk cId="0" sldId="295"/>
+            <ac:picMk id="555" creationId="{4718AFDD-528B-D255-73CF-89DCF6172ED6}"/>
+          </ac:picMkLst>
+        </pc:picChg>
+        <pc:picChg chg="add del">
+          <ac:chgData name="Jim Finn" userId="fcf7da85b79b963a" providerId="LiveId" clId="{41B687E6-807F-40FD-BA76-A268EBCDC77C}" dt="2023-08-28T12:28:25.791" v="131" actId="26606"/>
+          <ac:picMkLst>
+            <pc:docMk/>
+            <pc:sldMk cId="0" sldId="295"/>
+            <ac:picMk id="556" creationId="{559DF61F-9058-49C9-8F75-DC501F983B0E}"/>
+          </ac:picMkLst>
+        </pc:picChg>
+      </pc:sldChg>
+    </pc:docChg>
+  </pc:docChgLst>
 </pc:chgInfo>
+</file>
+
+<file path=ppt/diagrams/colors1.xml><?xml version="1.0" encoding="utf-8"?>
+<dgm:colorsDef xmlns:dgm="http://schemas.openxmlformats.org/drawingml/2006/diagram" xmlns:a="http://schemas.openxmlformats.org/drawingml/2006/main" uniqueId="urn:microsoft.com/office/officeart/2005/8/colors/colorful2">
+  <dgm:title val=""/>
+  <dgm:desc val=""/>
+  <dgm:catLst>
+    <dgm:cat type="colorful" pri="10200"/>
+  </dgm:catLst>
+  <dgm:styleLbl name="node0">
+    <dgm:fillClrLst meth="repeat">
+      <a:schemeClr val="accent1"/>
+    </dgm:fillClrLst>
+    <dgm:linClrLst meth="repeat">
+      <a:schemeClr val="lt1"/>
+    </dgm:linClrLst>
+    <dgm:effectClrLst/>
+    <dgm:txLinClrLst/>
+    <dgm:txFillClrLst/>
+    <dgm:txEffectClrLst/>
+  </dgm:styleLbl>
+  <dgm:styleLbl name="node1">
+    <dgm:fillClrLst>
+      <a:schemeClr val="accent2"/>
+      <a:schemeClr val="accent3"/>
+    </dgm:fillClrLst>
+    <dgm:linClrLst meth="repeat">
+      <a:schemeClr val="lt1"/>
+    </dgm:linClrLst>
+    <dgm:effectClrLst/>
+    <dgm:txLinClrLst/>
+    <dgm:txFillClrLst/>
+    <dgm:txEffectClrLst/>
+  </dgm:styleLbl>
+  <dgm:styleLbl name="alignNode1">
+    <dgm:fillClrLst>
+      <a:schemeClr val="accent2"/>
+      <a:schemeClr val="accent3"/>
+    </dgm:fillClrLst>
+    <dgm:linClrLst>
+      <a:schemeClr val="accent2"/>
+      <a:schemeClr val="accent3"/>
+    </dgm:linClrLst>
+    <dgm:effectClrLst/>
+    <dgm:txLinClrLst/>
+    <dgm:txFillClrLst/>
+    <dgm:txEffectClrLst/>
+  </dgm:styleLbl>
+  <dgm:styleLbl name="lnNode1">
+    <dgm:fillClrLst>
+      <a:schemeClr val="accent2"/>
+      <a:schemeClr val="accent3"/>
+    </dgm:fillClrLst>
+    <dgm:linClrLst meth="repeat">
+      <a:schemeClr val="lt1"/>
+    </dgm:linClrLst>
+    <dgm:effectClrLst/>
+    <dgm:txLinClrLst/>
+    <dgm:txFillClrLst/>
+    <dgm:txEffectClrLst/>
+  </dgm:styleLbl>
+  <dgm:styleLbl name="vennNode1">
+    <dgm:fillClrLst>
+      <a:schemeClr val="accent2">
+        <a:alpha val="50000"/>
+      </a:schemeClr>
+      <a:schemeClr val="accent3">
+        <a:alpha val="50000"/>
+      </a:schemeClr>
+    </dgm:fillClrLst>
+    <dgm:linClrLst meth="repeat">
+      <a:schemeClr val="lt1"/>
+    </dgm:linClrLst>
+    <dgm:effectClrLst/>
+    <dgm:txLinClrLst/>
+    <dgm:txFillClrLst/>
+    <dgm:txEffectClrLst/>
+  </dgm:styleLbl>
+  <dgm:styleLbl name="node2">
+    <dgm:fillClrLst>
+      <a:schemeClr val="accent3"/>
+    </dgm:fillClrLst>
+    <dgm:linClrLst meth="repeat">
+      <a:schemeClr val="lt1"/>
+    </dgm:linClrLst>
+    <dgm:effectClrLst/>
+    <dgm:txLinClrLst/>
+    <dgm:txFillClrLst/>
+    <dgm:txEffectClrLst/>
+  </dgm:styleLbl>
+  <dgm:styleLbl name="node3">
+    <dgm:fillClrLst>
+      <a:schemeClr val="accent4"/>
+    </dgm:fillClrLst>
+    <dgm:linClrLst meth="repeat">
+      <a:schemeClr val="lt1"/>
+    </dgm:linClrLst>
+    <dgm:effectClrLst/>
+    <dgm:txLinClrLst/>
+    <dgm:txFillClrLst/>
+    <dgm:txEffectClrLst/>
+  </dgm:styleLbl>
+  <dgm:styleLbl name="node4">
+    <dgm:fillClrLst>
+      <a:schemeClr val="accent5"/>
+    </dgm:fillClrLst>
+    <dgm:linClrLst meth="repeat">
+      <a:schemeClr val="lt1"/>
+    </dgm:linClrLst>
+    <dgm:effectClrLst/>
+    <dgm:txLinClrLst/>
+    <dgm:txFillClrLst/>
+    <dgm:txEffectClrLst/>
+  </dgm:styleLbl>
+  <dgm:styleLbl name="fgImgPlace1">
+    <dgm:fillClrLst>
+      <a:schemeClr val="accent2">
+        <a:tint val="50000"/>
+      </a:schemeClr>
+      <a:schemeClr val="accent3">
+        <a:tint val="50000"/>
+      </a:schemeClr>
+    </dgm:fillClrLst>
+    <dgm:linClrLst meth="repeat">
+      <a:schemeClr val="lt1"/>
+    </dgm:linClrLst>
+    <dgm:effectClrLst/>
+    <dgm:txLinClrLst/>
+    <dgm:txFillClrLst meth="repeat">
+      <a:schemeClr val="lt1"/>
+    </dgm:txFillClrLst>
+    <dgm:txEffectClrLst/>
+  </dgm:styleLbl>
+  <dgm:styleLbl name="alignImgPlace1">
+    <dgm:fillClrLst>
+      <a:schemeClr val="accent2">
+        <a:tint val="50000"/>
+      </a:schemeClr>
+      <a:schemeClr val="accent3">
+        <a:tint val="20000"/>
+      </a:schemeClr>
+    </dgm:fillClrLst>
+    <dgm:linClrLst meth="repeat">
+      <a:schemeClr val="lt1"/>
+    </dgm:linClrLst>
+    <dgm:effectClrLst/>
+    <dgm:txLinClrLst/>
+    <dgm:txFillClrLst meth="repeat">
+      <a:schemeClr val="lt1"/>
+    </dgm:txFillClrLst>
+    <dgm:txEffectClrLst/>
+  </dgm:styleLbl>
+  <dgm:styleLbl name="bgImgPlace1">
+    <dgm:fillClrLst>
+      <a:schemeClr val="accent2">
+        <a:tint val="50000"/>
+      </a:schemeClr>
+      <a:schemeClr val="accent3">
+        <a:tint val="20000"/>
+      </a:schemeClr>
+    </dgm:fillClrLst>
+    <dgm:linClrLst meth="repeat">
+      <a:schemeClr val="lt1"/>
+    </dgm:linClrLst>
+    <dgm:effectClrLst/>
+    <dgm:txLinClrLst/>
+    <dgm:txFillClrLst meth="repeat">
+      <a:schemeClr val="lt1"/>
+    </dgm:txFillClrLst>
+    <dgm:txEffectClrLst/>
+  </dgm:styleLbl>
+  <dgm:styleLbl name="sibTrans2D1">
+    <dgm:fillClrLst>
+      <a:schemeClr val="accent2"/>
+      <a:schemeClr val="accent3"/>
+    </dgm:fillClrLst>
+    <dgm:linClrLst meth="repeat">
+      <a:schemeClr val="lt1"/>
+    </dgm:linClrLst>
+    <dgm:effectClrLst/>
+    <dgm:txLinClrLst/>
+    <dgm:txFillClrLst/>
+    <dgm:txEffectClrLst/>
+  </dgm:styleLbl>
+  <dgm:styleLbl name="fgSibTrans2D1">
+    <dgm:fillClrLst>
+      <a:schemeClr val="accent2"/>
+      <a:schemeClr val="accent3"/>
+    </dgm:fillClrLst>
+    <dgm:linClrLst meth="repeat">
+      <a:schemeClr val="lt1"/>
+    </dgm:linClrLst>
+    <dgm:effectClrLst/>
+    <dgm:txLinClrLst/>
+    <dgm:txFillClrLst meth="repeat">
+      <a:schemeClr val="lt1"/>
+    </dgm:txFillClrLst>
+    <dgm:txEffectClrLst/>
+  </dgm:styleLbl>
+  <dgm:styleLbl name="bgSibTrans2D1">
+    <dgm:fillClrLst>
+      <a:schemeClr val="accent2"/>
+      <a:schemeClr val="accent3"/>
+    </dgm:fillClrLst>
+    <dgm:linClrLst meth="repeat">
+      <a:schemeClr val="lt1"/>
+    </dgm:linClrLst>
+    <dgm:effectClrLst/>
+    <dgm:txLinClrLst/>
+    <dgm:txFillClrLst meth="repeat">
+      <a:schemeClr val="lt1"/>
+    </dgm:txFillClrLst>
+    <dgm:txEffectClrLst/>
+  </dgm:styleLbl>
+  <dgm:styleLbl name="sibTrans1D1">
+    <dgm:fillClrLst/>
+    <dgm:linClrLst>
+      <a:schemeClr val="accent2"/>
+      <a:schemeClr val="accent3"/>
+    </dgm:linClrLst>
+    <dgm:effectClrLst/>
+    <dgm:txLinClrLst/>
+    <dgm:txFillClrLst meth="repeat">
+      <a:schemeClr val="tx1"/>
+    </dgm:txFillClrLst>
+    <dgm:txEffectClrLst/>
+  </dgm:styleLbl>
+  <dgm:styleLbl name="callout">
+    <dgm:fillClrLst meth="repeat">
+      <a:schemeClr val="accent2"/>
+    </dgm:fillClrLst>
+    <dgm:linClrLst meth="repeat">
+      <a:schemeClr val="accent2">
+        <a:tint val="50000"/>
+      </a:schemeClr>
+    </dgm:linClrLst>
+    <dgm:effectClrLst/>
+    <dgm:txLinClrLst/>
+    <dgm:txFillClrLst meth="repeat">
+      <a:schemeClr val="tx1"/>
+    </dgm:txFillClrLst>
+    <dgm:txEffectClrLst/>
+  </dgm:styleLbl>
+  <dgm:styleLbl name="asst0">
+    <dgm:fillClrLst meth="repeat">
+      <a:schemeClr val="accent2"/>
+    </dgm:fillClrLst>
+    <dgm:linClrLst meth="repeat">
+      <a:schemeClr val="lt1">
+        <a:shade val="80000"/>
+      </a:schemeClr>
+    </dgm:linClrLst>
+    <dgm:effectClrLst/>
+    <dgm:txLinClrLst/>
+    <dgm:txFillClrLst/>
+    <dgm:txEffectClrLst/>
+  </dgm:styleLbl>
+  <dgm:styleLbl name="asst1">
+    <dgm:fillClrLst meth="repeat">
+      <a:schemeClr val="accent3"/>
+    </dgm:fillClrLst>
+    <dgm:linClrLst meth="repeat">
+      <a:schemeClr val="lt1">
+        <a:shade val="80000"/>
+      </a:schemeClr>
+    </dgm:linClrLst>
+    <dgm:effectClrLst/>
+    <dgm:txLinClrLst/>
+    <dgm:txFillClrLst/>
+    <dgm:txEffectClrLst/>
+  </dgm:styleLbl>
+  <dgm:styleLbl name="asst2">
+    <dgm:fillClrLst>
+      <a:schemeClr val="accent4"/>
+    </dgm:fillClrLst>
+    <dgm:linClrLst meth="repeat">
+      <a:schemeClr val="lt1"/>
+    </dgm:linClrLst>
+    <dgm:effectClrLst/>
+    <dgm:txLinClrLst/>
+    <dgm:txFillClrLst/>
+    <dgm:txEffectClrLst/>
+  </dgm:styleLbl>
+  <dgm:styleLbl name="asst3">
+    <dgm:fillClrLst>
+      <a:schemeClr val="accent5"/>
+    </dgm:fillClrLst>
+    <dgm:linClrLst meth="repeat">
+      <a:schemeClr val="lt1"/>
+    </dgm:linClrLst>
+    <dgm:effectClrLst/>
+    <dgm:txLinClrLst/>
+    <dgm:txFillClrLst/>
+    <dgm:txEffectClrLst/>
+  </dgm:styleLbl>
+  <dgm:styleLbl name="asst4">
+    <dgm:fillClrLst>
+      <a:schemeClr val="accent6"/>
+    </dgm:fillClrLst>
+    <dgm:linClrLst meth="repeat">
+      <a:schemeClr val="lt1"/>
+    </dgm:linClrLst>
+    <dgm:effectClrLst/>
+    <dgm:txLinClrLst/>
+    <dgm:txFillClrLst/>
+    <dgm:txEffectClrLst/>
+  </dgm:styleLbl>
+  <dgm:styleLbl name="parChTrans2D1">
+    <dgm:fillClrLst meth="repeat">
+      <a:schemeClr val="accent2"/>
+    </dgm:fillClrLst>
+    <dgm:linClrLst meth="repeat">
+      <a:schemeClr val="lt1"/>
+    </dgm:linClrLst>
+    <dgm:effectClrLst/>
+    <dgm:txLinClrLst/>
+    <dgm:txFillClrLst meth="repeat">
+      <a:schemeClr val="lt1"/>
+    </dgm:txFillClrLst>
+    <dgm:txEffectClrLst/>
+  </dgm:styleLbl>
+  <dgm:styleLbl name="parChTrans2D2">
+    <dgm:fillClrLst meth="repeat">
+      <a:schemeClr val="accent3"/>
+    </dgm:fillClrLst>
+    <dgm:linClrLst meth="repeat">
+      <a:schemeClr val="lt1"/>
+    </dgm:linClrLst>
+    <dgm:effectClrLst/>
+    <dgm:txLinClrLst/>
+    <dgm:txFillClrLst/>
+    <dgm:txEffectClrLst/>
+  </dgm:styleLbl>
+  <dgm:styleLbl name="parChTrans2D3">
+    <dgm:fillClrLst meth="repeat">
+      <a:schemeClr val="accent4"/>
+    </dgm:fillClrLst>
+    <dgm:linClrLst meth="repeat">
+      <a:schemeClr val="lt1"/>
+    </dgm:linClrLst>
+    <dgm:effectClrLst/>
+    <dgm:txLinClrLst/>
+    <dgm:txFillClrLst/>
+    <dgm:txEffectClrLst/>
+  </dgm:styleLbl>
+  <dgm:styleLbl name="parChTrans2D4">
+    <dgm:fillClrLst meth="repeat">
+      <a:schemeClr val="accent5"/>
+    </dgm:fillClrLst>
+    <dgm:linClrLst meth="repeat">
+      <a:schemeClr val="lt1"/>
+    </dgm:linClrLst>
+    <dgm:effectClrLst/>
+    <dgm:txLinClrLst/>
+    <dgm:txFillClrLst meth="repeat">
+      <a:schemeClr val="lt1"/>
+    </dgm:txFillClrLst>
+    <dgm:txEffectClrLst/>
+  </dgm:styleLbl>
+  <dgm:styleLbl name="parChTrans1D1">
+    <dgm:fillClrLst meth="repeat">
+      <a:schemeClr val="accent2"/>
+    </dgm:fillClrLst>
+    <dgm:linClrLst meth="repeat">
+      <a:schemeClr val="accent2"/>
+    </dgm:linClrLst>
+    <dgm:effectClrLst/>
+    <dgm:txLinClrLst/>
+    <dgm:txFillClrLst meth="repeat">
+      <a:schemeClr val="tx1"/>
+    </dgm:txFillClrLst>
+    <dgm:txEffectClrLst/>
+  </dgm:styleLbl>
+  <dgm:styleLbl name="parChTrans1D2">
+    <dgm:fillClrLst meth="repeat">
+      <a:schemeClr val="accent2">
+        <a:tint val="90000"/>
+      </a:schemeClr>
+    </dgm:fillClrLst>
+    <dgm:linClrLst meth="repeat">
+      <a:schemeClr val="accent3"/>
+    </dgm:linClrLst>
+    <dgm:effectClrLst/>
+    <dgm:txLinClrLst/>
+    <dgm:txFillClrLst meth="repeat">
+      <a:schemeClr val="tx1"/>
+    </dgm:txFillClrLst>
+    <dgm:txEffectClrLst/>
+  </dgm:styleLbl>
+  <dgm:styleLbl name="parChTrans1D3">
+    <dgm:fillClrLst meth="repeat">
+      <a:schemeClr val="accent2">
+        <a:tint val="70000"/>
+      </a:schemeClr>
+    </dgm:fillClrLst>
+    <dgm:linClrLst meth="repeat">
+      <a:schemeClr val="accent4"/>
+    </dgm:linClrLst>
+    <dgm:effectClrLst/>
+    <dgm:txLinClrLst/>
+    <dgm:txFillClrLst meth="repeat">
+      <a:schemeClr val="tx1"/>
+    </dgm:txFillClrLst>
+    <dgm:txEffectClrLst/>
+  </dgm:styleLbl>
+  <dgm:styleLbl name="parChTrans1D4">
+    <dgm:fillClrLst meth="repeat">
+      <a:schemeClr val="accent2">
+        <a:tint val="50000"/>
+      </a:schemeClr>
+    </dgm:fillClrLst>
+    <dgm:linClrLst meth="repeat">
+      <a:schemeClr val="accent5"/>
+    </dgm:linClrLst>
+    <dgm:effectClrLst/>
+    <dgm:txLinClrLst/>
+    <dgm:txFillClrLst meth="repeat">
+      <a:schemeClr val="tx1"/>
+    </dgm:txFillClrLst>
+    <dgm:txEffectClrLst/>
+  </dgm:styleLbl>
+  <dgm:styleLbl name="fgAcc1">
+    <dgm:fillClrLst meth="repeat">
+      <a:schemeClr val="lt1">
+        <a:alpha val="90000"/>
+      </a:schemeClr>
+    </dgm:fillClrLst>
+    <dgm:linClrLst>
+      <a:schemeClr val="accent2"/>
+      <a:schemeClr val="accent3"/>
+    </dgm:linClrLst>
+    <dgm:effectClrLst/>
+    <dgm:txLinClrLst/>
+    <dgm:txFillClrLst meth="repeat">
+      <a:schemeClr val="dk1"/>
+    </dgm:txFillClrLst>
+    <dgm:txEffectClrLst/>
+  </dgm:styleLbl>
+  <dgm:styleLbl name="conFgAcc1">
+    <dgm:fillClrLst meth="repeat">
+      <a:schemeClr val="lt1">
+        <a:alpha val="90000"/>
+      </a:schemeClr>
+    </dgm:fillClrLst>
+    <dgm:linClrLst>
+      <a:schemeClr val="accent2"/>
+      <a:schemeClr val="accent3"/>
+    </dgm:linClrLst>
+    <dgm:effectClrLst/>
+    <dgm:txLinClrLst/>
+    <dgm:txFillClrLst meth="repeat">
+      <a:schemeClr val="dk1"/>
+    </dgm:txFillClrLst>
+    <dgm:txEffectClrLst/>
+  </dgm:styleLbl>
+  <dgm:styleLbl name="alignAcc1">
+    <dgm:fillClrLst meth="repeat">
+      <a:schemeClr val="lt1">
+        <a:alpha val="90000"/>
+      </a:schemeClr>
+    </dgm:fillClrLst>
+    <dgm:linClrLst>
+      <a:schemeClr val="accent2"/>
+      <a:schemeClr val="accent3"/>
+    </dgm:linClrLst>
+    <dgm:effectClrLst/>
+    <dgm:txLinClrLst/>
+    <dgm:txFillClrLst meth="repeat">
+      <a:schemeClr val="dk1"/>
+    </dgm:txFillClrLst>
+    <dgm:txEffectClrLst/>
+  </dgm:styleLbl>
+  <dgm:styleLbl name="trAlignAcc1">
+    <dgm:fillClrLst meth="repeat">
+      <a:schemeClr val="lt1">
+        <a:alpha val="40000"/>
+      </a:schemeClr>
+    </dgm:fillClrLst>
+    <dgm:linClrLst meth="repeat">
+      <a:schemeClr val="accent2"/>
+    </dgm:linClrLst>
+    <dgm:effectClrLst/>
+    <dgm:txLinClrLst/>
+    <dgm:txFillClrLst meth="repeat">
+      <a:schemeClr val="dk1"/>
+    </dgm:txFillClrLst>
+    <dgm:txEffectClrLst/>
+  </dgm:styleLbl>
+  <dgm:styleLbl name="bgAcc1">
+    <dgm:fillClrLst meth="repeat">
+      <a:schemeClr val="lt1">
+        <a:alpha val="90000"/>
+      </a:schemeClr>
+    </dgm:fillClrLst>
+    <dgm:linClrLst>
+      <a:schemeClr val="accent2"/>
+      <a:schemeClr val="accent3"/>
+    </dgm:linClrLst>
+    <dgm:effectClrLst/>
+    <dgm:txLinClrLst/>
+    <dgm:txFillClrLst meth="repeat">
+      <a:schemeClr val="dk1"/>
+    </dgm:txFillClrLst>
+    <dgm:txEffectClrLst/>
+  </dgm:styleLbl>
+  <dgm:styleLbl name="solidFgAcc1">
+    <dgm:fillClrLst meth="repeat">
+      <a:schemeClr val="lt1"/>
+    </dgm:fillClrLst>
+    <dgm:linClrLst>
+      <a:schemeClr val="accent2"/>
+      <a:schemeClr val="accent3"/>
+    </dgm:linClrLst>
+    <dgm:effectClrLst/>
+    <dgm:txLinClrLst/>
+    <dgm:txFillClrLst meth="repeat">
+      <a:schemeClr val="dk1"/>
+    </dgm:txFillClrLst>
+    <dgm:txEffectClrLst/>
+  </dgm:styleLbl>
+  <dgm:styleLbl name="solidAlignAcc1">
+    <dgm:fillClrLst meth="repeat">
+      <a:schemeClr val="lt1"/>
+    </dgm:fillClrLst>
+    <dgm:linClrLst>
+      <a:schemeClr val="accent2"/>
+      <a:schemeClr val="accent3"/>
+    </dgm:linClrLst>
+    <dgm:effectClrLst/>
+    <dgm:txLinClrLst/>
+    <dgm:txFillClrLst meth="repeat">
+      <a:schemeClr val="dk1"/>
+    </dgm:txFillClrLst>
+    <dgm:txEffectClrLst/>
+  </dgm:styleLbl>
+  <dgm:styleLbl name="solidBgAcc1">
+    <dgm:fillClrLst meth="repeat">
+      <a:schemeClr val="lt1"/>
+    </dgm:fillClrLst>
+    <dgm:linClrLst>
+      <a:schemeClr val="accent2"/>
+      <a:schemeClr val="accent3"/>
+    </dgm:linClrLst>
+    <dgm:effectClrLst/>
+    <dgm:txLinClrLst/>
+    <dgm:txFillClrLst meth="repeat">
+      <a:schemeClr val="dk1"/>
+    </dgm:txFillClrLst>
+    <dgm:txEffectClrLst/>
+  </dgm:styleLbl>
+  <dgm:styleLbl name="fgAccFollowNode1">
+    <dgm:fillClrLst>
+      <a:schemeClr val="accent2">
+        <a:tint val="40000"/>
+        <a:alpha val="90000"/>
+      </a:schemeClr>
+      <a:schemeClr val="accent3">
+        <a:tint val="40000"/>
+        <a:alpha val="90000"/>
+      </a:schemeClr>
+    </dgm:fillClrLst>
+    <dgm:linClrLst>
+      <a:schemeClr val="accent2">
+        <a:tint val="40000"/>
+        <a:alpha val="90000"/>
+      </a:schemeClr>
+      <a:schemeClr val="accent3">
+        <a:tint val="40000"/>
+        <a:alpha val="90000"/>
+      </a:schemeClr>
+    </dgm:linClrLst>
+    <dgm:effectClrLst/>
+    <dgm:txLinClrLst/>
+    <dgm:txFillClrLst meth="repeat">
+      <a:schemeClr val="dk1"/>
+    </dgm:txFillClrLst>
+    <dgm:txEffectClrLst/>
+  </dgm:styleLbl>
+  <dgm:styleLbl name="alignAccFollowNode1">
+    <dgm:fillClrLst>
+      <a:schemeClr val="accent2">
+        <a:tint val="40000"/>
+        <a:alpha val="90000"/>
+      </a:schemeClr>
+      <a:schemeClr val="accent3">
+        <a:tint val="40000"/>
+        <a:alpha val="90000"/>
+      </a:schemeClr>
+    </dgm:fillClrLst>
+    <dgm:linClrLst>
+      <a:schemeClr val="accent2">
+        <a:tint val="40000"/>
+        <a:alpha val="90000"/>
+      </a:schemeClr>
+      <a:schemeClr val="accent3">
+        <a:tint val="40000"/>
+        <a:alpha val="90000"/>
+      </a:schemeClr>
+    </dgm:linClrLst>
+    <dgm:effectClrLst/>
+    <dgm:txLinClrLst/>
+    <dgm:txFillClrLst meth="repeat">
+      <a:schemeClr val="dk1"/>
+    </dgm:txFillClrLst>
+    <dgm:txEffectClrLst/>
+  </dgm:styleLbl>
+  <dgm:styleLbl name="bgAccFollowNode1">
+    <dgm:fillClrLst>
+      <a:schemeClr val="accent2">
+        <a:tint val="40000"/>
+        <a:alpha val="90000"/>
+      </a:schemeClr>
+      <a:schemeClr val="accent3">
+        <a:tint val="40000"/>
+        <a:alpha val="90000"/>
+      </a:schemeClr>
+    </dgm:fillClrLst>
+    <dgm:linClrLst>
+      <a:schemeClr val="accent2">
+        <a:tint val="40000"/>
+        <a:alpha val="90000"/>
+      </a:schemeClr>
+      <a:schemeClr val="accent3">
+        <a:tint val="40000"/>
+        <a:alpha val="90000"/>
+      </a:schemeClr>
+    </dgm:linClrLst>
+    <dgm:effectClrLst/>
+    <dgm:txLinClrLst/>
+    <dgm:txFillClrLst meth="repeat">
+      <a:schemeClr val="dk1"/>
+    </dgm:txFillClrLst>
+    <dgm:txEffectClrLst/>
+  </dgm:styleLbl>
+  <dgm:styleLbl name="fgAcc0">
+    <dgm:fillClrLst meth="repeat">
+      <a:schemeClr val="lt1">
+        <a:alpha val="90000"/>
+      </a:schemeClr>
+    </dgm:fillClrLst>
+    <dgm:linClrLst>
+      <a:schemeClr val="accent1"/>
+    </dgm:linClrLst>
+    <dgm:effectClrLst/>
+    <dgm:txLinClrLst/>
+    <dgm:txFillClrLst meth="repeat">
+      <a:schemeClr val="dk1"/>
+    </dgm:txFillClrLst>
+    <dgm:txEffectClrLst/>
+  </dgm:styleLbl>
+  <dgm:styleLbl name="fgAcc2">
+    <dgm:fillClrLst meth="repeat">
+      <a:schemeClr val="lt1">
+        <a:alpha val="90000"/>
+      </a:schemeClr>
+    </dgm:fillClrLst>
+    <dgm:linClrLst>
+      <a:schemeClr val="accent3"/>
+    </dgm:linClrLst>
+    <dgm:effectClrLst/>
+    <dgm:txLinClrLst/>
+    <dgm:txFillClrLst meth="repeat">
+      <a:schemeClr val="dk1"/>
+    </dgm:txFillClrLst>
+    <dgm:txEffectClrLst/>
+  </dgm:styleLbl>
+  <dgm:styleLbl name="fgAcc3">
+    <dgm:fillClrLst meth="repeat">
+      <a:schemeClr val="lt1">
+        <a:alpha val="90000"/>
+      </a:schemeClr>
+    </dgm:fillClrLst>
+    <dgm:linClrLst>
+      <a:schemeClr val="accent4"/>
+    </dgm:linClrLst>
+    <dgm:effectClrLst/>
+    <dgm:txLinClrLst/>
+    <dgm:txFillClrLst meth="repeat">
+      <a:schemeClr val="dk1"/>
+    </dgm:txFillClrLst>
+    <dgm:txEffectClrLst/>
+  </dgm:styleLbl>
+  <dgm:styleLbl name="fgAcc4">
+    <dgm:fillClrLst meth="repeat">
+      <a:schemeClr val="lt1">
+        <a:alpha val="90000"/>
+      </a:schemeClr>
+    </dgm:fillClrLst>
+    <dgm:linClrLst>
+      <a:schemeClr val="accent5"/>
+    </dgm:linClrLst>
+    <dgm:effectClrLst/>
+    <dgm:txLinClrLst/>
+    <dgm:txFillClrLst meth="repeat">
+      <a:schemeClr val="dk1"/>
+    </dgm:txFillClrLst>
+    <dgm:txEffectClrLst/>
+  </dgm:styleLbl>
+  <dgm:styleLbl name="bgShp">
+    <dgm:fillClrLst meth="repeat">
+      <a:schemeClr val="accent2">
+        <a:tint val="40000"/>
+      </a:schemeClr>
+    </dgm:fillClrLst>
+    <dgm:linClrLst meth="repeat">
+      <a:schemeClr val="dk1"/>
+    </dgm:linClrLst>
+    <dgm:effectClrLst/>
+    <dgm:txLinClrLst/>
+    <dgm:txFillClrLst meth="repeat">
+      <a:schemeClr val="dk1"/>
+    </dgm:txFillClrLst>
+    <dgm:txEffectClrLst/>
+  </dgm:styleLbl>
+  <dgm:styleLbl name="dkBgShp">
+    <dgm:fillClrLst meth="repeat">
+      <a:schemeClr val="accent2">
+        <a:shade val="90000"/>
+      </a:schemeClr>
+    </dgm:fillClrLst>
+    <dgm:linClrLst meth="repeat">
+      <a:schemeClr val="dk1"/>
+    </dgm:linClrLst>
+    <dgm:effectClrLst/>
+    <dgm:txLinClrLst/>
+    <dgm:txFillClrLst meth="repeat">
+      <a:schemeClr val="lt1"/>
+    </dgm:txFillClrLst>
+    <dgm:txEffectClrLst/>
+  </dgm:styleLbl>
+  <dgm:styleLbl name="trBgShp">
+    <dgm:fillClrLst meth="repeat">
+      <a:schemeClr val="accent2">
+        <a:tint val="50000"/>
+        <a:alpha val="40000"/>
+      </a:schemeClr>
+    </dgm:fillClrLst>
+    <dgm:linClrLst meth="repeat">
+      <a:schemeClr val="accent2"/>
+    </dgm:linClrLst>
+    <dgm:effectClrLst/>
+    <dgm:txLinClrLst/>
+    <dgm:txFillClrLst meth="repeat">
+      <a:schemeClr val="lt1"/>
+    </dgm:txFillClrLst>
+    <dgm:txEffectClrLst/>
+  </dgm:styleLbl>
+  <dgm:styleLbl name="fgShp">
+    <dgm:fillClrLst meth="repeat">
+      <a:schemeClr val="accent2">
+        <a:tint val="40000"/>
+      </a:schemeClr>
+    </dgm:fillClrLst>
+    <dgm:linClrLst meth="repeat">
+      <a:schemeClr val="lt1"/>
+    </dgm:linClrLst>
+    <dgm:effectClrLst/>
+    <dgm:txLinClrLst/>
+    <dgm:txFillClrLst meth="repeat">
+      <a:schemeClr val="dk1"/>
+    </dgm:txFillClrLst>
+    <dgm:txEffectClrLst/>
+  </dgm:styleLbl>
+  <dgm:styleLbl name="revTx">
+    <dgm:fillClrLst meth="repeat">
+      <a:schemeClr val="lt1">
+        <a:alpha val="0"/>
+      </a:schemeClr>
+    </dgm:fillClrLst>
+    <dgm:linClrLst meth="repeat">
+      <a:schemeClr val="dk1">
+        <a:alpha val="0"/>
+      </a:schemeClr>
+    </dgm:linClrLst>
+    <dgm:effectClrLst/>
+    <dgm:txLinClrLst/>
+    <dgm:txFillClrLst meth="repeat">
+      <a:schemeClr val="tx1"/>
+    </dgm:txFillClrLst>
+    <dgm:txEffectClrLst/>
+  </dgm:styleLbl>
+</dgm:colorsDef>
+</file>
+
+<file path=ppt/diagrams/data1.xml><?xml version="1.0" encoding="utf-8"?>
+<dgm:dataModel xmlns:dgm="http://schemas.openxmlformats.org/drawingml/2006/diagram" xmlns:a="http://schemas.openxmlformats.org/drawingml/2006/main">
+  <dgm:ptLst>
+    <dgm:pt modelId="{97311567-AA10-4B7F-A0D9-C85B3D215F0D}" type="doc">
+      <dgm:prSet loTypeId="urn:microsoft.com/office/officeart/2005/8/layout/list1" loCatId="list" qsTypeId="urn:microsoft.com/office/officeart/2005/8/quickstyle/simple4" qsCatId="simple" csTypeId="urn:microsoft.com/office/officeart/2005/8/colors/colorful2" csCatId="colorful"/>
+      <dgm:spPr/>
+      <dgm:t>
+        <a:bodyPr/>
+        <a:lstStyle/>
+        <a:p>
+          <a:endParaRPr lang="en-US"/>
+        </a:p>
+      </dgm:t>
+    </dgm:pt>
+    <dgm:pt modelId="{74A3D1A6-4B75-4DA3-932F-5ADE9F17B591}">
+      <dgm:prSet/>
+      <dgm:spPr/>
+      <dgm:t>
+        <a:bodyPr/>
+        <a:lstStyle/>
+        <a:p>
+          <a:r>
+            <a:rPr lang="en-GB" b="1"/>
+            <a:t>Today you learned about:</a:t>
+          </a:r>
+          <a:endParaRPr lang="en-US"/>
+        </a:p>
+      </dgm:t>
+    </dgm:pt>
+    <dgm:pt modelId="{10BC635F-AA87-4435-901E-D6614B537559}" type="parTrans" cxnId="{B7869D6B-4AD0-4906-8332-17EE10E2B752}">
+      <dgm:prSet/>
+      <dgm:spPr/>
+      <dgm:t>
+        <a:bodyPr/>
+        <a:lstStyle/>
+        <a:p>
+          <a:endParaRPr lang="en-US"/>
+        </a:p>
+      </dgm:t>
+    </dgm:pt>
+    <dgm:pt modelId="{A2A6DBDC-D0DC-4B20-B6F1-FCF055F4BF36}" type="sibTrans" cxnId="{B7869D6B-4AD0-4906-8332-17EE10E2B752}">
+      <dgm:prSet/>
+      <dgm:spPr/>
+      <dgm:t>
+        <a:bodyPr/>
+        <a:lstStyle/>
+        <a:p>
+          <a:endParaRPr lang="en-US"/>
+        </a:p>
+      </dgm:t>
+    </dgm:pt>
+    <dgm:pt modelId="{CAADA7A5-5EC7-443F-B7EB-3E688571F3E4}">
+      <dgm:prSet/>
+      <dgm:spPr/>
+      <dgm:t>
+        <a:bodyPr/>
+        <a:lstStyle/>
+        <a:p>
+          <a:r>
+            <a:rPr lang="en-GB"/>
+            <a:t>Why testing is important</a:t>
+          </a:r>
+          <a:endParaRPr lang="en-US"/>
+        </a:p>
+      </dgm:t>
+    </dgm:pt>
+    <dgm:pt modelId="{145FECB3-3936-490D-95C2-0D1CB0527CA1}" type="parTrans" cxnId="{1A93181A-5E68-4F90-B4A3-992F3719F93C}">
+      <dgm:prSet/>
+      <dgm:spPr/>
+      <dgm:t>
+        <a:bodyPr/>
+        <a:lstStyle/>
+        <a:p>
+          <a:endParaRPr lang="en-US"/>
+        </a:p>
+      </dgm:t>
+    </dgm:pt>
+    <dgm:pt modelId="{FA6F3C98-BF32-416C-9385-EF88C06ACB66}" type="sibTrans" cxnId="{1A93181A-5E68-4F90-B4A3-992F3719F93C}">
+      <dgm:prSet/>
+      <dgm:spPr/>
+      <dgm:t>
+        <a:bodyPr/>
+        <a:lstStyle/>
+        <a:p>
+          <a:endParaRPr lang="en-US"/>
+        </a:p>
+      </dgm:t>
+    </dgm:pt>
+    <dgm:pt modelId="{4B16410B-9E9E-46C4-8350-99A0C4FD4ED2}">
+      <dgm:prSet/>
+      <dgm:spPr/>
+      <dgm:t>
+        <a:bodyPr/>
+        <a:lstStyle/>
+        <a:p>
+          <a:r>
+            <a:rPr lang="en-GB"/>
+            <a:t>We need to test to make sure our code is safe, secure and works as intended.</a:t>
+          </a:r>
+          <a:endParaRPr lang="en-US"/>
+        </a:p>
+      </dgm:t>
+    </dgm:pt>
+    <dgm:pt modelId="{4A7BA3F0-D9F1-48D7-99C3-10694D1D447E}" type="parTrans" cxnId="{EC55DF61-CBFD-4E86-B68D-0CB9C6045693}">
+      <dgm:prSet/>
+      <dgm:spPr/>
+      <dgm:t>
+        <a:bodyPr/>
+        <a:lstStyle/>
+        <a:p>
+          <a:endParaRPr lang="en-US"/>
+        </a:p>
+      </dgm:t>
+    </dgm:pt>
+    <dgm:pt modelId="{4F673471-74F1-4800-AD93-BB64A76A20DE}" type="sibTrans" cxnId="{EC55DF61-CBFD-4E86-B68D-0CB9C6045693}">
+      <dgm:prSet/>
+      <dgm:spPr/>
+      <dgm:t>
+        <a:bodyPr/>
+        <a:lstStyle/>
+        <a:p>
+          <a:endParaRPr lang="en-US"/>
+        </a:p>
+      </dgm:t>
+    </dgm:pt>
+    <dgm:pt modelId="{5ABBDA43-1ECF-44E0-90BB-D50771319C45}">
+      <dgm:prSet/>
+      <dgm:spPr/>
+      <dgm:t>
+        <a:bodyPr/>
+        <a:lstStyle/>
+        <a:p>
+          <a:r>
+            <a:rPr lang="en-GB"/>
+            <a:t>What can happen if we do not test thoroughly</a:t>
+          </a:r>
+          <a:endParaRPr lang="en-US"/>
+        </a:p>
+      </dgm:t>
+    </dgm:pt>
+    <dgm:pt modelId="{26FD938B-73DB-4156-A70C-65D4F005A973}" type="parTrans" cxnId="{346B61DF-D604-409D-AE44-7A214CD84536}">
+      <dgm:prSet/>
+      <dgm:spPr/>
+      <dgm:t>
+        <a:bodyPr/>
+        <a:lstStyle/>
+        <a:p>
+          <a:endParaRPr lang="en-US"/>
+        </a:p>
+      </dgm:t>
+    </dgm:pt>
+    <dgm:pt modelId="{64353B80-752D-43FA-8EAD-0B88E83D892B}" type="sibTrans" cxnId="{346B61DF-D604-409D-AE44-7A214CD84536}">
+      <dgm:prSet/>
+      <dgm:spPr/>
+      <dgm:t>
+        <a:bodyPr/>
+        <a:lstStyle/>
+        <a:p>
+          <a:endParaRPr lang="en-US"/>
+        </a:p>
+      </dgm:t>
+    </dgm:pt>
+    <dgm:pt modelId="{33F85C6C-C321-4AEA-84A0-23F683282BE6}">
+      <dgm:prSet/>
+      <dgm:spPr/>
+      <dgm:t>
+        <a:bodyPr/>
+        <a:lstStyle/>
+        <a:p>
+          <a:r>
+            <a:rPr lang="en-GB"/>
+            <a:t>Malfunctioning machines.</a:t>
+          </a:r>
+          <a:endParaRPr lang="en-US"/>
+        </a:p>
+      </dgm:t>
+    </dgm:pt>
+    <dgm:pt modelId="{ADAAAFB1-1BEC-4137-89B4-2AE5AD547B09}" type="parTrans" cxnId="{33A96222-2621-41BF-8C1F-0ADCDED6B802}">
+      <dgm:prSet/>
+      <dgm:spPr/>
+      <dgm:t>
+        <a:bodyPr/>
+        <a:lstStyle/>
+        <a:p>
+          <a:endParaRPr lang="en-US"/>
+        </a:p>
+      </dgm:t>
+    </dgm:pt>
+    <dgm:pt modelId="{1315D7E4-B6A2-4271-8C7E-73CCB9CE813A}" type="sibTrans" cxnId="{33A96222-2621-41BF-8C1F-0ADCDED6B802}">
+      <dgm:prSet/>
+      <dgm:spPr/>
+      <dgm:t>
+        <a:bodyPr/>
+        <a:lstStyle/>
+        <a:p>
+          <a:endParaRPr lang="en-US"/>
+        </a:p>
+      </dgm:t>
+    </dgm:pt>
+    <dgm:pt modelId="{BD8ECC1C-559D-461B-BB14-81746F4DB80A}">
+      <dgm:prSet/>
+      <dgm:spPr/>
+      <dgm:t>
+        <a:bodyPr/>
+        <a:lstStyle/>
+        <a:p>
+          <a:r>
+            <a:rPr lang="en-GB"/>
+            <a:t>Injury.</a:t>
+          </a:r>
+          <a:endParaRPr lang="en-US"/>
+        </a:p>
+      </dgm:t>
+    </dgm:pt>
+    <dgm:pt modelId="{D5F1E8C2-333A-4827-A1CD-18D6678FFAE6}" type="parTrans" cxnId="{D58BCE9D-C2FB-4B96-8F49-CAED3BB24342}">
+      <dgm:prSet/>
+      <dgm:spPr/>
+      <dgm:t>
+        <a:bodyPr/>
+        <a:lstStyle/>
+        <a:p>
+          <a:endParaRPr lang="en-US"/>
+        </a:p>
+      </dgm:t>
+    </dgm:pt>
+    <dgm:pt modelId="{C594DF4A-4E1D-4D04-AB64-F4DFFD2DC534}" type="sibTrans" cxnId="{D58BCE9D-C2FB-4B96-8F49-CAED3BB24342}">
+      <dgm:prSet/>
+      <dgm:spPr/>
+      <dgm:t>
+        <a:bodyPr/>
+        <a:lstStyle/>
+        <a:p>
+          <a:endParaRPr lang="en-US"/>
+        </a:p>
+      </dgm:t>
+    </dgm:pt>
+    <dgm:pt modelId="{FC34E163-5C54-42F2-B0BD-0E43CF93F519}">
+      <dgm:prSet/>
+      <dgm:spPr/>
+      <dgm:t>
+        <a:bodyPr/>
+        <a:lstStyle/>
+        <a:p>
+          <a:r>
+            <a:rPr lang="en-GB"/>
+            <a:t>Loss of time and money.</a:t>
+          </a:r>
+          <a:endParaRPr lang="en-US"/>
+        </a:p>
+      </dgm:t>
+    </dgm:pt>
+    <dgm:pt modelId="{C72EF1C6-57E1-4A88-AF6A-DAFAE302B028}" type="parTrans" cxnId="{2882F388-AB57-4246-93F7-7C9C4AC3241C}">
+      <dgm:prSet/>
+      <dgm:spPr/>
+      <dgm:t>
+        <a:bodyPr/>
+        <a:lstStyle/>
+        <a:p>
+          <a:endParaRPr lang="en-US"/>
+        </a:p>
+      </dgm:t>
+    </dgm:pt>
+    <dgm:pt modelId="{6D7B3652-CE5A-45FB-ABD9-93712682F3F1}" type="sibTrans" cxnId="{2882F388-AB57-4246-93F7-7C9C4AC3241C}">
+      <dgm:prSet/>
+      <dgm:spPr/>
+      <dgm:t>
+        <a:bodyPr/>
+        <a:lstStyle/>
+        <a:p>
+          <a:endParaRPr lang="en-US"/>
+        </a:p>
+      </dgm:t>
+    </dgm:pt>
+    <dgm:pt modelId="{9C0BF996-FB7B-4E2F-AA28-3EB6C1CAB188}">
+      <dgm:prSet/>
+      <dgm:spPr/>
+      <dgm:t>
+        <a:bodyPr/>
+        <a:lstStyle/>
+        <a:p>
+          <a:r>
+            <a:rPr lang="en-GB"/>
+            <a:t>Test cases</a:t>
+          </a:r>
+          <a:endParaRPr lang="en-US"/>
+        </a:p>
+      </dgm:t>
+    </dgm:pt>
+    <dgm:pt modelId="{0378E483-047E-4567-95A6-1A468092AC00}" type="parTrans" cxnId="{C2FE685B-747F-4FDD-A283-AE0AA52D17AA}">
+      <dgm:prSet/>
+      <dgm:spPr/>
+      <dgm:t>
+        <a:bodyPr/>
+        <a:lstStyle/>
+        <a:p>
+          <a:endParaRPr lang="en-US"/>
+        </a:p>
+      </dgm:t>
+    </dgm:pt>
+    <dgm:pt modelId="{622A9B5E-CFC5-49BF-8CF6-4C0975513068}" type="sibTrans" cxnId="{C2FE685B-747F-4FDD-A283-AE0AA52D17AA}">
+      <dgm:prSet/>
+      <dgm:spPr/>
+      <dgm:t>
+        <a:bodyPr/>
+        <a:lstStyle/>
+        <a:p>
+          <a:endParaRPr lang="en-US"/>
+        </a:p>
+      </dgm:t>
+    </dgm:pt>
+    <dgm:pt modelId="{38FFCE63-1FDE-4E38-94DC-62266F490508}">
+      <dgm:prSet/>
+      <dgm:spPr/>
+      <dgm:t>
+        <a:bodyPr/>
+        <a:lstStyle/>
+        <a:p>
+          <a:r>
+            <a:rPr lang="en-GB"/>
+            <a:t>A test case is a template for running a test.</a:t>
+          </a:r>
+          <a:endParaRPr lang="en-US"/>
+        </a:p>
+      </dgm:t>
+    </dgm:pt>
+    <dgm:pt modelId="{C228BFD1-6BD6-4CAF-9674-605B8A31D33A}" type="parTrans" cxnId="{B6E990BC-E39C-4EA2-99D2-6F38F64ACF8F}">
+      <dgm:prSet/>
+      <dgm:spPr/>
+      <dgm:t>
+        <a:bodyPr/>
+        <a:lstStyle/>
+        <a:p>
+          <a:endParaRPr lang="en-US"/>
+        </a:p>
+      </dgm:t>
+    </dgm:pt>
+    <dgm:pt modelId="{5AF942D0-EC6A-4B2F-A881-390759CC5E64}" type="sibTrans" cxnId="{B6E990BC-E39C-4EA2-99D2-6F38F64ACF8F}">
+      <dgm:prSet/>
+      <dgm:spPr/>
+      <dgm:t>
+        <a:bodyPr/>
+        <a:lstStyle/>
+        <a:p>
+          <a:endParaRPr lang="en-US"/>
+        </a:p>
+      </dgm:t>
+    </dgm:pt>
+    <dgm:pt modelId="{614C5811-8F16-44B4-B6E0-5E2E824AE378}">
+      <dgm:prSet/>
+      <dgm:spPr/>
+      <dgm:t>
+        <a:bodyPr/>
+        <a:lstStyle/>
+        <a:p>
+          <a:r>
+            <a:rPr lang="en-GB"/>
+            <a:t>A test case describes the test, test steps and what result we think we should get.</a:t>
+          </a:r>
+          <a:endParaRPr lang="en-US"/>
+        </a:p>
+      </dgm:t>
+    </dgm:pt>
+    <dgm:pt modelId="{5FEDFD52-B927-4EC7-BCB4-905EEC60E18E}" type="parTrans" cxnId="{95CC14EB-B9FB-4A64-8232-3D7130FEB55D}">
+      <dgm:prSet/>
+      <dgm:spPr/>
+      <dgm:t>
+        <a:bodyPr/>
+        <a:lstStyle/>
+        <a:p>
+          <a:endParaRPr lang="en-US"/>
+        </a:p>
+      </dgm:t>
+    </dgm:pt>
+    <dgm:pt modelId="{CE797D21-B00D-41EC-BF39-A1E9D0877380}" type="sibTrans" cxnId="{95CC14EB-B9FB-4A64-8232-3D7130FEB55D}">
+      <dgm:prSet/>
+      <dgm:spPr/>
+      <dgm:t>
+        <a:bodyPr/>
+        <a:lstStyle/>
+        <a:p>
+          <a:endParaRPr lang="en-US"/>
+        </a:p>
+      </dgm:t>
+    </dgm:pt>
+    <dgm:pt modelId="{EFE0C7C4-222D-4947-ADD0-E6AA94846E2D}">
+      <dgm:prSet/>
+      <dgm:spPr/>
+      <dgm:t>
+        <a:bodyPr/>
+        <a:lstStyle/>
+        <a:p>
+          <a:r>
+            <a:rPr lang="en-GB"/>
+            <a:t>A failing test is not a bad thing, failing to test is a bad thing.</a:t>
+          </a:r>
+          <a:endParaRPr lang="en-US"/>
+        </a:p>
+      </dgm:t>
+    </dgm:pt>
+    <dgm:pt modelId="{BCE76C71-9708-4DA4-810F-B9B1BFE88007}" type="parTrans" cxnId="{73CE507A-4626-4B98-BE97-0636341734F5}">
+      <dgm:prSet/>
+      <dgm:spPr/>
+      <dgm:t>
+        <a:bodyPr/>
+        <a:lstStyle/>
+        <a:p>
+          <a:endParaRPr lang="en-US"/>
+        </a:p>
+      </dgm:t>
+    </dgm:pt>
+    <dgm:pt modelId="{D210D11B-BBFB-44DA-A3D5-D2BE2A7CD32F}" type="sibTrans" cxnId="{73CE507A-4626-4B98-BE97-0636341734F5}">
+      <dgm:prSet/>
+      <dgm:spPr/>
+      <dgm:t>
+        <a:bodyPr/>
+        <a:lstStyle/>
+        <a:p>
+          <a:endParaRPr lang="en-US"/>
+        </a:p>
+      </dgm:t>
+    </dgm:pt>
+    <dgm:pt modelId="{74D380B8-C5FC-4908-BD32-48820FFA1FD2}" type="pres">
+      <dgm:prSet presAssocID="{97311567-AA10-4B7F-A0D9-C85B3D215F0D}" presName="linear" presStyleCnt="0">
+        <dgm:presLayoutVars>
+          <dgm:dir/>
+          <dgm:animLvl val="lvl"/>
+          <dgm:resizeHandles val="exact"/>
+        </dgm:presLayoutVars>
+      </dgm:prSet>
+      <dgm:spPr/>
+    </dgm:pt>
+    <dgm:pt modelId="{E546A7B9-B990-4D1E-A6DA-E5AE83AF0905}" type="pres">
+      <dgm:prSet presAssocID="{74A3D1A6-4B75-4DA3-932F-5ADE9F17B591}" presName="parentLin" presStyleCnt="0"/>
+      <dgm:spPr/>
+    </dgm:pt>
+    <dgm:pt modelId="{CA50B826-8E78-4857-9220-2E8924A202FD}" type="pres">
+      <dgm:prSet presAssocID="{74A3D1A6-4B75-4DA3-932F-5ADE9F17B591}" presName="parentLeftMargin" presStyleLbl="node1" presStyleIdx="0" presStyleCnt="1"/>
+      <dgm:spPr/>
+    </dgm:pt>
+    <dgm:pt modelId="{EA26D4E4-3371-4B01-82B1-E011D42F9B69}" type="pres">
+      <dgm:prSet presAssocID="{74A3D1A6-4B75-4DA3-932F-5ADE9F17B591}" presName="parentText" presStyleLbl="node1" presStyleIdx="0" presStyleCnt="1">
+        <dgm:presLayoutVars>
+          <dgm:chMax val="0"/>
+          <dgm:bulletEnabled val="1"/>
+        </dgm:presLayoutVars>
+      </dgm:prSet>
+      <dgm:spPr/>
+    </dgm:pt>
+    <dgm:pt modelId="{4268E6FB-E1F4-4562-968F-E7D51D443855}" type="pres">
+      <dgm:prSet presAssocID="{74A3D1A6-4B75-4DA3-932F-5ADE9F17B591}" presName="negativeSpace" presStyleCnt="0"/>
+      <dgm:spPr/>
+    </dgm:pt>
+    <dgm:pt modelId="{6312F906-E9AE-4B5B-AED9-AC217911331D}" type="pres">
+      <dgm:prSet presAssocID="{74A3D1A6-4B75-4DA3-932F-5ADE9F17B591}" presName="childText" presStyleLbl="conFgAcc1" presStyleIdx="0" presStyleCnt="1">
+        <dgm:presLayoutVars>
+          <dgm:bulletEnabled val="1"/>
+        </dgm:presLayoutVars>
+      </dgm:prSet>
+      <dgm:spPr/>
+    </dgm:pt>
+  </dgm:ptLst>
+  <dgm:cxnLst>
+    <dgm:cxn modelId="{F1063C0D-3517-4C28-86D8-53CFFBB3AC61}" type="presOf" srcId="{38FFCE63-1FDE-4E38-94DC-62266F490508}" destId="{6312F906-E9AE-4B5B-AED9-AC217911331D}" srcOrd="0" destOrd="7" presId="urn:microsoft.com/office/officeart/2005/8/layout/list1"/>
+    <dgm:cxn modelId="{5D1CA812-C913-411E-8B10-FFE4C99C6963}" type="presOf" srcId="{614C5811-8F16-44B4-B6E0-5E2E824AE378}" destId="{6312F906-E9AE-4B5B-AED9-AC217911331D}" srcOrd="0" destOrd="8" presId="urn:microsoft.com/office/officeart/2005/8/layout/list1"/>
+    <dgm:cxn modelId="{1A93181A-5E68-4F90-B4A3-992F3719F93C}" srcId="{74A3D1A6-4B75-4DA3-932F-5ADE9F17B591}" destId="{CAADA7A5-5EC7-443F-B7EB-3E688571F3E4}" srcOrd="0" destOrd="0" parTransId="{145FECB3-3936-490D-95C2-0D1CB0527CA1}" sibTransId="{FA6F3C98-BF32-416C-9385-EF88C06ACB66}"/>
+    <dgm:cxn modelId="{33A96222-2621-41BF-8C1F-0ADCDED6B802}" srcId="{5ABBDA43-1ECF-44E0-90BB-D50771319C45}" destId="{33F85C6C-C321-4AEA-84A0-23F683282BE6}" srcOrd="0" destOrd="0" parTransId="{ADAAAFB1-1BEC-4137-89B4-2AE5AD547B09}" sibTransId="{1315D7E4-B6A2-4271-8C7E-73CCB9CE813A}"/>
+    <dgm:cxn modelId="{E7C1A822-80E5-4937-BD75-3E6AD9154B9F}" type="presOf" srcId="{9C0BF996-FB7B-4E2F-AA28-3EB6C1CAB188}" destId="{6312F906-E9AE-4B5B-AED9-AC217911331D}" srcOrd="0" destOrd="6" presId="urn:microsoft.com/office/officeart/2005/8/layout/list1"/>
+    <dgm:cxn modelId="{C2FE685B-747F-4FDD-A283-AE0AA52D17AA}" srcId="{74A3D1A6-4B75-4DA3-932F-5ADE9F17B591}" destId="{9C0BF996-FB7B-4E2F-AA28-3EB6C1CAB188}" srcOrd="2" destOrd="0" parTransId="{0378E483-047E-4567-95A6-1A468092AC00}" sibTransId="{622A9B5E-CFC5-49BF-8CF6-4C0975513068}"/>
+    <dgm:cxn modelId="{4F5F0A60-7FAD-4B35-BF6C-F09DDBCCE2AC}" type="presOf" srcId="{74A3D1A6-4B75-4DA3-932F-5ADE9F17B591}" destId="{CA50B826-8E78-4857-9220-2E8924A202FD}" srcOrd="0" destOrd="0" presId="urn:microsoft.com/office/officeart/2005/8/layout/list1"/>
+    <dgm:cxn modelId="{EC55DF61-CBFD-4E86-B68D-0CB9C6045693}" srcId="{CAADA7A5-5EC7-443F-B7EB-3E688571F3E4}" destId="{4B16410B-9E9E-46C4-8350-99A0C4FD4ED2}" srcOrd="0" destOrd="0" parTransId="{4A7BA3F0-D9F1-48D7-99C3-10694D1D447E}" sibTransId="{4F673471-74F1-4800-AD93-BB64A76A20DE}"/>
+    <dgm:cxn modelId="{689F8E65-B2D4-4397-8ED8-2EB3B2F175F3}" type="presOf" srcId="{74A3D1A6-4B75-4DA3-932F-5ADE9F17B591}" destId="{EA26D4E4-3371-4B01-82B1-E011D42F9B69}" srcOrd="1" destOrd="0" presId="urn:microsoft.com/office/officeart/2005/8/layout/list1"/>
+    <dgm:cxn modelId="{B7869D6B-4AD0-4906-8332-17EE10E2B752}" srcId="{97311567-AA10-4B7F-A0D9-C85B3D215F0D}" destId="{74A3D1A6-4B75-4DA3-932F-5ADE9F17B591}" srcOrd="0" destOrd="0" parTransId="{10BC635F-AA87-4435-901E-D6614B537559}" sibTransId="{A2A6DBDC-D0DC-4B20-B6F1-FCF055F4BF36}"/>
+    <dgm:cxn modelId="{32AC384D-4A01-4DBC-8275-A35C9EF5DB44}" type="presOf" srcId="{5ABBDA43-1ECF-44E0-90BB-D50771319C45}" destId="{6312F906-E9AE-4B5B-AED9-AC217911331D}" srcOrd="0" destOrd="2" presId="urn:microsoft.com/office/officeart/2005/8/layout/list1"/>
+    <dgm:cxn modelId="{73CE507A-4626-4B98-BE97-0636341734F5}" srcId="{9C0BF996-FB7B-4E2F-AA28-3EB6C1CAB188}" destId="{EFE0C7C4-222D-4947-ADD0-E6AA94846E2D}" srcOrd="2" destOrd="0" parTransId="{BCE76C71-9708-4DA4-810F-B9B1BFE88007}" sibTransId="{D210D11B-BBFB-44DA-A3D5-D2BE2A7CD32F}"/>
+    <dgm:cxn modelId="{2882F388-AB57-4246-93F7-7C9C4AC3241C}" srcId="{5ABBDA43-1ECF-44E0-90BB-D50771319C45}" destId="{FC34E163-5C54-42F2-B0BD-0E43CF93F519}" srcOrd="2" destOrd="0" parTransId="{C72EF1C6-57E1-4A88-AF6A-DAFAE302B028}" sibTransId="{6D7B3652-CE5A-45FB-ABD9-93712682F3F1}"/>
+    <dgm:cxn modelId="{D58BCE9D-C2FB-4B96-8F49-CAED3BB24342}" srcId="{5ABBDA43-1ECF-44E0-90BB-D50771319C45}" destId="{BD8ECC1C-559D-461B-BB14-81746F4DB80A}" srcOrd="1" destOrd="0" parTransId="{D5F1E8C2-333A-4827-A1CD-18D6678FFAE6}" sibTransId="{C594DF4A-4E1D-4D04-AB64-F4DFFD2DC534}"/>
+    <dgm:cxn modelId="{70CDA1A2-2AE5-4462-8142-7E38BB211FFA}" type="presOf" srcId="{33F85C6C-C321-4AEA-84A0-23F683282BE6}" destId="{6312F906-E9AE-4B5B-AED9-AC217911331D}" srcOrd="0" destOrd="3" presId="urn:microsoft.com/office/officeart/2005/8/layout/list1"/>
+    <dgm:cxn modelId="{C9D28EAE-A331-4324-89BB-7BC8EC5E9FCF}" type="presOf" srcId="{FC34E163-5C54-42F2-B0BD-0E43CF93F519}" destId="{6312F906-E9AE-4B5B-AED9-AC217911331D}" srcOrd="0" destOrd="5" presId="urn:microsoft.com/office/officeart/2005/8/layout/list1"/>
+    <dgm:cxn modelId="{B6E990BC-E39C-4EA2-99D2-6F38F64ACF8F}" srcId="{9C0BF996-FB7B-4E2F-AA28-3EB6C1CAB188}" destId="{38FFCE63-1FDE-4E38-94DC-62266F490508}" srcOrd="0" destOrd="0" parTransId="{C228BFD1-6BD6-4CAF-9674-605B8A31D33A}" sibTransId="{5AF942D0-EC6A-4B2F-A881-390759CC5E64}"/>
+    <dgm:cxn modelId="{2897EDC7-F5F1-4375-A172-8481DB0F62D1}" type="presOf" srcId="{4B16410B-9E9E-46C4-8350-99A0C4FD4ED2}" destId="{6312F906-E9AE-4B5B-AED9-AC217911331D}" srcOrd="0" destOrd="1" presId="urn:microsoft.com/office/officeart/2005/8/layout/list1"/>
+    <dgm:cxn modelId="{512C79CF-0F5E-4E9D-A342-50DBFE0D64DD}" type="presOf" srcId="{CAADA7A5-5EC7-443F-B7EB-3E688571F3E4}" destId="{6312F906-E9AE-4B5B-AED9-AC217911331D}" srcOrd="0" destOrd="0" presId="urn:microsoft.com/office/officeart/2005/8/layout/list1"/>
+    <dgm:cxn modelId="{346B61DF-D604-409D-AE44-7A214CD84536}" srcId="{74A3D1A6-4B75-4DA3-932F-5ADE9F17B591}" destId="{5ABBDA43-1ECF-44E0-90BB-D50771319C45}" srcOrd="1" destOrd="0" parTransId="{26FD938B-73DB-4156-A70C-65D4F005A973}" sibTransId="{64353B80-752D-43FA-8EAD-0B88E83D892B}"/>
+    <dgm:cxn modelId="{CB359CE9-0498-4050-9299-948E876C2C05}" type="presOf" srcId="{EFE0C7C4-222D-4947-ADD0-E6AA94846E2D}" destId="{6312F906-E9AE-4B5B-AED9-AC217911331D}" srcOrd="0" destOrd="9" presId="urn:microsoft.com/office/officeart/2005/8/layout/list1"/>
+    <dgm:cxn modelId="{95CC14EB-B9FB-4A64-8232-3D7130FEB55D}" srcId="{9C0BF996-FB7B-4E2F-AA28-3EB6C1CAB188}" destId="{614C5811-8F16-44B4-B6E0-5E2E824AE378}" srcOrd="1" destOrd="0" parTransId="{5FEDFD52-B927-4EC7-BCB4-905EEC60E18E}" sibTransId="{CE797D21-B00D-41EC-BF39-A1E9D0877380}"/>
+    <dgm:cxn modelId="{D1839AF5-B713-4364-8F92-A4AF2D221D47}" type="presOf" srcId="{97311567-AA10-4B7F-A0D9-C85B3D215F0D}" destId="{74D380B8-C5FC-4908-BD32-48820FFA1FD2}" srcOrd="0" destOrd="0" presId="urn:microsoft.com/office/officeart/2005/8/layout/list1"/>
+    <dgm:cxn modelId="{54196FFB-F81D-4502-9D12-443F0F8CA8BB}" type="presOf" srcId="{BD8ECC1C-559D-461B-BB14-81746F4DB80A}" destId="{6312F906-E9AE-4B5B-AED9-AC217911331D}" srcOrd="0" destOrd="4" presId="urn:microsoft.com/office/officeart/2005/8/layout/list1"/>
+    <dgm:cxn modelId="{4FD02B3F-2DC0-426D-935D-6DBFF1DAB70A}" type="presParOf" srcId="{74D380B8-C5FC-4908-BD32-48820FFA1FD2}" destId="{E546A7B9-B990-4D1E-A6DA-E5AE83AF0905}" srcOrd="0" destOrd="0" presId="urn:microsoft.com/office/officeart/2005/8/layout/list1"/>
+    <dgm:cxn modelId="{315055D1-2EA9-4F4D-A1A2-76C4F8558269}" type="presParOf" srcId="{E546A7B9-B990-4D1E-A6DA-E5AE83AF0905}" destId="{CA50B826-8E78-4857-9220-2E8924A202FD}" srcOrd="0" destOrd="0" presId="urn:microsoft.com/office/officeart/2005/8/layout/list1"/>
+    <dgm:cxn modelId="{0512CDE8-494E-466F-B56C-6DBFCEA34445}" type="presParOf" srcId="{E546A7B9-B990-4D1E-A6DA-E5AE83AF0905}" destId="{EA26D4E4-3371-4B01-82B1-E011D42F9B69}" srcOrd="1" destOrd="0" presId="urn:microsoft.com/office/officeart/2005/8/layout/list1"/>
+    <dgm:cxn modelId="{44152118-EAFD-4099-A1BC-2A819D715FEA}" type="presParOf" srcId="{74D380B8-C5FC-4908-BD32-48820FFA1FD2}" destId="{4268E6FB-E1F4-4562-968F-E7D51D443855}" srcOrd="1" destOrd="0" presId="urn:microsoft.com/office/officeart/2005/8/layout/list1"/>
+    <dgm:cxn modelId="{0560B19E-FF23-4257-86CD-3B2CABCADB77}" type="presParOf" srcId="{74D380B8-C5FC-4908-BD32-48820FFA1FD2}" destId="{6312F906-E9AE-4B5B-AED9-AC217911331D}" srcOrd="2" destOrd="0" presId="urn:microsoft.com/office/officeart/2005/8/layout/list1"/>
+  </dgm:cxnLst>
+  <dgm:bg/>
+  <dgm:whole/>
+  <dgm:extLst>
+    <a:ext uri="http://schemas.microsoft.com/office/drawing/2008/diagram">
+      <dsp:dataModelExt xmlns:dsp="http://schemas.microsoft.com/office/drawing/2008/diagram" relId="rId8" minVer="http://schemas.openxmlformats.org/drawingml/2006/diagram"/>
+    </a:ext>
+  </dgm:extLst>
+</dgm:dataModel>
+</file>
+
+<file path=ppt/diagrams/drawing1.xml><?xml version="1.0" encoding="utf-8"?>
+<dsp:drawing xmlns:dgm="http://schemas.openxmlformats.org/drawingml/2006/diagram" xmlns:dsp="http://schemas.microsoft.com/office/drawing/2008/diagram" xmlns:a="http://schemas.openxmlformats.org/drawingml/2006/main">
+  <dsp:spTree>
+    <dsp:nvGrpSpPr>
+      <dsp:cNvPr id="0" name=""/>
+      <dsp:cNvGrpSpPr/>
+    </dsp:nvGrpSpPr>
+    <dsp:grpSpPr/>
+    <dsp:sp modelId="{6312F906-E9AE-4B5B-AED9-AC217911331D}">
+      <dsp:nvSpPr>
+        <dsp:cNvPr id="0" name=""/>
+        <dsp:cNvSpPr/>
+      </dsp:nvSpPr>
+      <dsp:spPr>
+        <a:xfrm>
+          <a:off x="0" y="434188"/>
+          <a:ext cx="10353675" cy="3471300"/>
+        </a:xfrm>
+        <a:prstGeom prst="rect">
+          <a:avLst/>
+        </a:prstGeom>
+        <a:solidFill>
+          <a:schemeClr val="lt1">
+            <a:alpha val="90000"/>
+            <a:hueOff val="0"/>
+            <a:satOff val="0"/>
+            <a:lumOff val="0"/>
+            <a:alphaOff val="0"/>
+          </a:schemeClr>
+        </a:solidFill>
+        <a:ln w="9525" cap="rnd" cmpd="sng" algn="ctr">
+          <a:solidFill>
+            <a:schemeClr val="accent2">
+              <a:hueOff val="0"/>
+              <a:satOff val="0"/>
+              <a:lumOff val="0"/>
+              <a:alphaOff val="0"/>
+            </a:schemeClr>
+          </a:solidFill>
+          <a:prstDash val="solid"/>
+        </a:ln>
+        <a:effectLst/>
+      </dsp:spPr>
+      <dsp:style>
+        <a:lnRef idx="1">
+          <a:scrgbClr r="0" g="0" b="0"/>
+        </a:lnRef>
+        <a:fillRef idx="1">
+          <a:scrgbClr r="0" g="0" b="0"/>
+        </a:fillRef>
+        <a:effectRef idx="0">
+          <a:scrgbClr r="0" g="0" b="0"/>
+        </a:effectRef>
+        <a:fontRef idx="minor"/>
+      </dsp:style>
+      <dsp:txBody>
+        <a:bodyPr spcFirstLastPara="0" vert="horz" wrap="square" lIns="803560" tIns="395732" rIns="803560" bIns="135128" numCol="1" spcCol="1270" anchor="t" anchorCtr="0">
+          <a:noAutofit/>
+        </a:bodyPr>
+        <a:lstStyle/>
+        <a:p>
+          <a:pPr marL="171450" lvl="1" indent="-171450" algn="l" defTabSz="844550">
+            <a:lnSpc>
+              <a:spcPct val="90000"/>
+            </a:lnSpc>
+            <a:spcBef>
+              <a:spcPct val="0"/>
+            </a:spcBef>
+            <a:spcAft>
+              <a:spcPct val="15000"/>
+            </a:spcAft>
+            <a:buChar char="•"/>
+          </a:pPr>
+          <a:r>
+            <a:rPr lang="en-GB" sz="1900" kern="1200"/>
+            <a:t>Why testing is important</a:t>
+          </a:r>
+          <a:endParaRPr lang="en-US" sz="1900" kern="1200"/>
+        </a:p>
+        <a:p>
+          <a:pPr marL="342900" lvl="2" indent="-171450" algn="l" defTabSz="844550">
+            <a:lnSpc>
+              <a:spcPct val="90000"/>
+            </a:lnSpc>
+            <a:spcBef>
+              <a:spcPct val="0"/>
+            </a:spcBef>
+            <a:spcAft>
+              <a:spcPct val="15000"/>
+            </a:spcAft>
+            <a:buChar char="•"/>
+          </a:pPr>
+          <a:r>
+            <a:rPr lang="en-GB" sz="1900" kern="1200"/>
+            <a:t>We need to test to make sure our code is safe, secure and works as intended.</a:t>
+          </a:r>
+          <a:endParaRPr lang="en-US" sz="1900" kern="1200"/>
+        </a:p>
+        <a:p>
+          <a:pPr marL="171450" lvl="1" indent="-171450" algn="l" defTabSz="844550">
+            <a:lnSpc>
+              <a:spcPct val="90000"/>
+            </a:lnSpc>
+            <a:spcBef>
+              <a:spcPct val="0"/>
+            </a:spcBef>
+            <a:spcAft>
+              <a:spcPct val="15000"/>
+            </a:spcAft>
+            <a:buChar char="•"/>
+          </a:pPr>
+          <a:r>
+            <a:rPr lang="en-GB" sz="1900" kern="1200"/>
+            <a:t>What can happen if we do not test thoroughly</a:t>
+          </a:r>
+          <a:endParaRPr lang="en-US" sz="1900" kern="1200"/>
+        </a:p>
+        <a:p>
+          <a:pPr marL="342900" lvl="2" indent="-171450" algn="l" defTabSz="844550">
+            <a:lnSpc>
+              <a:spcPct val="90000"/>
+            </a:lnSpc>
+            <a:spcBef>
+              <a:spcPct val="0"/>
+            </a:spcBef>
+            <a:spcAft>
+              <a:spcPct val="15000"/>
+            </a:spcAft>
+            <a:buChar char="•"/>
+          </a:pPr>
+          <a:r>
+            <a:rPr lang="en-GB" sz="1900" kern="1200"/>
+            <a:t>Malfunctioning machines.</a:t>
+          </a:r>
+          <a:endParaRPr lang="en-US" sz="1900" kern="1200"/>
+        </a:p>
+        <a:p>
+          <a:pPr marL="342900" lvl="2" indent="-171450" algn="l" defTabSz="844550">
+            <a:lnSpc>
+              <a:spcPct val="90000"/>
+            </a:lnSpc>
+            <a:spcBef>
+              <a:spcPct val="0"/>
+            </a:spcBef>
+            <a:spcAft>
+              <a:spcPct val="15000"/>
+            </a:spcAft>
+            <a:buChar char="•"/>
+          </a:pPr>
+          <a:r>
+            <a:rPr lang="en-GB" sz="1900" kern="1200"/>
+            <a:t>Injury.</a:t>
+          </a:r>
+          <a:endParaRPr lang="en-US" sz="1900" kern="1200"/>
+        </a:p>
+        <a:p>
+          <a:pPr marL="342900" lvl="2" indent="-171450" algn="l" defTabSz="844550">
+            <a:lnSpc>
+              <a:spcPct val="90000"/>
+            </a:lnSpc>
+            <a:spcBef>
+              <a:spcPct val="0"/>
+            </a:spcBef>
+            <a:spcAft>
+              <a:spcPct val="15000"/>
+            </a:spcAft>
+            <a:buChar char="•"/>
+          </a:pPr>
+          <a:r>
+            <a:rPr lang="en-GB" sz="1900" kern="1200"/>
+            <a:t>Loss of time and money.</a:t>
+          </a:r>
+          <a:endParaRPr lang="en-US" sz="1900" kern="1200"/>
+        </a:p>
+        <a:p>
+          <a:pPr marL="171450" lvl="1" indent="-171450" algn="l" defTabSz="844550">
+            <a:lnSpc>
+              <a:spcPct val="90000"/>
+            </a:lnSpc>
+            <a:spcBef>
+              <a:spcPct val="0"/>
+            </a:spcBef>
+            <a:spcAft>
+              <a:spcPct val="15000"/>
+            </a:spcAft>
+            <a:buChar char="•"/>
+          </a:pPr>
+          <a:r>
+            <a:rPr lang="en-GB" sz="1900" kern="1200"/>
+            <a:t>Test cases</a:t>
+          </a:r>
+          <a:endParaRPr lang="en-US" sz="1900" kern="1200"/>
+        </a:p>
+        <a:p>
+          <a:pPr marL="342900" lvl="2" indent="-171450" algn="l" defTabSz="844550">
+            <a:lnSpc>
+              <a:spcPct val="90000"/>
+            </a:lnSpc>
+            <a:spcBef>
+              <a:spcPct val="0"/>
+            </a:spcBef>
+            <a:spcAft>
+              <a:spcPct val="15000"/>
+            </a:spcAft>
+            <a:buChar char="•"/>
+          </a:pPr>
+          <a:r>
+            <a:rPr lang="en-GB" sz="1900" kern="1200"/>
+            <a:t>A test case is a template for running a test.</a:t>
+          </a:r>
+          <a:endParaRPr lang="en-US" sz="1900" kern="1200"/>
+        </a:p>
+        <a:p>
+          <a:pPr marL="342900" lvl="2" indent="-171450" algn="l" defTabSz="844550">
+            <a:lnSpc>
+              <a:spcPct val="90000"/>
+            </a:lnSpc>
+            <a:spcBef>
+              <a:spcPct val="0"/>
+            </a:spcBef>
+            <a:spcAft>
+              <a:spcPct val="15000"/>
+            </a:spcAft>
+            <a:buChar char="•"/>
+          </a:pPr>
+          <a:r>
+            <a:rPr lang="en-GB" sz="1900" kern="1200"/>
+            <a:t>A test case describes the test, test steps and what result we think we should get.</a:t>
+          </a:r>
+          <a:endParaRPr lang="en-US" sz="1900" kern="1200"/>
+        </a:p>
+        <a:p>
+          <a:pPr marL="342900" lvl="2" indent="-171450" algn="l" defTabSz="844550">
+            <a:lnSpc>
+              <a:spcPct val="90000"/>
+            </a:lnSpc>
+            <a:spcBef>
+              <a:spcPct val="0"/>
+            </a:spcBef>
+            <a:spcAft>
+              <a:spcPct val="15000"/>
+            </a:spcAft>
+            <a:buChar char="•"/>
+          </a:pPr>
+          <a:r>
+            <a:rPr lang="en-GB" sz="1900" kern="1200"/>
+            <a:t>A failing test is not a bad thing, failing to test is a bad thing.</a:t>
+          </a:r>
+          <a:endParaRPr lang="en-US" sz="1900" kern="1200"/>
+        </a:p>
+      </dsp:txBody>
+      <dsp:txXfrm>
+        <a:off x="0" y="434188"/>
+        <a:ext cx="10353675" cy="3471300"/>
+      </dsp:txXfrm>
+    </dsp:sp>
+    <dsp:sp modelId="{EA26D4E4-3371-4B01-82B1-E011D42F9B69}">
+      <dsp:nvSpPr>
+        <dsp:cNvPr id="0" name=""/>
+        <dsp:cNvSpPr/>
+      </dsp:nvSpPr>
+      <dsp:spPr>
+        <a:xfrm>
+          <a:off x="517683" y="153748"/>
+          <a:ext cx="7247572" cy="560880"/>
+        </a:xfrm>
+        <a:prstGeom prst="roundRect">
+          <a:avLst/>
+        </a:prstGeom>
+        <a:gradFill rotWithShape="0">
+          <a:gsLst>
+            <a:gs pos="0">
+              <a:schemeClr val="accent2">
+                <a:hueOff val="0"/>
+                <a:satOff val="0"/>
+                <a:lumOff val="0"/>
+                <a:alphaOff val="0"/>
+                <a:tint val="96000"/>
+                <a:lumMod val="104000"/>
+              </a:schemeClr>
+            </a:gs>
+            <a:gs pos="100000">
+              <a:schemeClr val="accent2">
+                <a:hueOff val="0"/>
+                <a:satOff val="0"/>
+                <a:lumOff val="0"/>
+                <a:alphaOff val="0"/>
+                <a:shade val="90000"/>
+                <a:lumMod val="90000"/>
+              </a:schemeClr>
+            </a:gs>
+          </a:gsLst>
+          <a:lin ang="5400000" scaled="0"/>
+        </a:gradFill>
+        <a:ln>
+          <a:noFill/>
+        </a:ln>
+        <a:effectLst>
+          <a:outerShdw blurRad="63500" dist="25400" dir="5400000" rotWithShape="0">
+            <a:srgbClr val="000000">
+              <a:alpha val="60000"/>
+            </a:srgbClr>
+          </a:outerShdw>
+        </a:effectLst>
+      </dsp:spPr>
+      <dsp:style>
+        <a:lnRef idx="0">
+          <a:scrgbClr r="0" g="0" b="0"/>
+        </a:lnRef>
+        <a:fillRef idx="3">
+          <a:scrgbClr r="0" g="0" b="0"/>
+        </a:fillRef>
+        <a:effectRef idx="2">
+          <a:scrgbClr r="0" g="0" b="0"/>
+        </a:effectRef>
+        <a:fontRef idx="minor">
+          <a:schemeClr val="lt1"/>
+        </a:fontRef>
+      </dsp:style>
+      <dsp:txBody>
+        <a:bodyPr spcFirstLastPara="0" vert="horz" wrap="square" lIns="273941" tIns="0" rIns="273941" bIns="0" numCol="1" spcCol="1270" anchor="ctr" anchorCtr="0">
+          <a:noAutofit/>
+        </a:bodyPr>
+        <a:lstStyle/>
+        <a:p>
+          <a:pPr marL="0" lvl="0" indent="0" algn="l" defTabSz="844550">
+            <a:lnSpc>
+              <a:spcPct val="90000"/>
+            </a:lnSpc>
+            <a:spcBef>
+              <a:spcPct val="0"/>
+            </a:spcBef>
+            <a:spcAft>
+              <a:spcPct val="35000"/>
+            </a:spcAft>
+            <a:buNone/>
+          </a:pPr>
+          <a:r>
+            <a:rPr lang="en-GB" sz="1900" b="1" kern="1200"/>
+            <a:t>Today you learned about:</a:t>
+          </a:r>
+          <a:endParaRPr lang="en-US" sz="1900" kern="1200"/>
+        </a:p>
+      </dsp:txBody>
+      <dsp:txXfrm>
+        <a:off x="545063" y="181128"/>
+        <a:ext cx="7192812" cy="506120"/>
+      </dsp:txXfrm>
+    </dsp:sp>
+  </dsp:spTree>
+</dsp:drawing>
+</file>
+
+<file path=ppt/diagrams/layout1.xml><?xml version="1.0" encoding="utf-8"?>
+<dgm:layoutDef xmlns:dgm="http://schemas.openxmlformats.org/drawingml/2006/diagram" xmlns:a="http://schemas.openxmlformats.org/drawingml/2006/main" uniqueId="urn:microsoft.com/office/officeart/2005/8/layout/list1">
+  <dgm:title val=""/>
+  <dgm:desc val=""/>
+  <dgm:catLst>
+    <dgm:cat type="list" pri="4000"/>
+  </dgm:catLst>
+  <dgm:sampData>
+    <dgm:dataModel>
+      <dgm:ptLst>
+        <dgm:pt modelId="0" type="doc"/>
+        <dgm:pt modelId="1">
+          <dgm:prSet phldr="1"/>
+        </dgm:pt>
+        <dgm:pt modelId="2">
+          <dgm:prSet phldr="1"/>
+        </dgm:pt>
+        <dgm:pt modelId="3">
+          <dgm:prSet phldr="1"/>
+        </dgm:pt>
+      </dgm:ptLst>
+      <dgm:cxnLst>
+        <dgm:cxn modelId="4" srcId="0" destId="1" srcOrd="0" destOrd="0"/>
+        <dgm:cxn modelId="5" srcId="0" destId="2" srcOrd="1" destOrd="0"/>
+        <dgm:cxn modelId="6" srcId="0" destId="3" srcOrd="2" destOrd="0"/>
+      </dgm:cxnLst>
+      <dgm:bg/>
+      <dgm:whole/>
+    </dgm:dataModel>
+  </dgm:sampData>
+  <dgm:styleData>
+    <dgm:dataModel>
+      <dgm:ptLst>
+        <dgm:pt modelId="0" type="doc"/>
+        <dgm:pt modelId="1"/>
+        <dgm:pt modelId="2"/>
+      </dgm:ptLst>
+      <dgm:cxnLst>
+        <dgm:cxn modelId="4" srcId="0" destId="1" srcOrd="0" destOrd="0"/>
+        <dgm:cxn modelId="5" srcId="0" destId="2" srcOrd="1" destOrd="0"/>
+      </dgm:cxnLst>
+      <dgm:bg/>
+      <dgm:whole/>
+    </dgm:dataModel>
+  </dgm:styleData>
+  <dgm:clrData>
+    <dgm:dataModel>
+      <dgm:ptLst>
+        <dgm:pt modelId="0" type="doc"/>
+        <dgm:pt modelId="1"/>
+        <dgm:pt modelId="2"/>
+        <dgm:pt modelId="3"/>
+        <dgm:pt modelId="4"/>
+      </dgm:ptLst>
+      <dgm:cxnLst>
+        <dgm:cxn modelId="5" srcId="0" destId="1" srcOrd="0" destOrd="0"/>
+        <dgm:cxn modelId="6" srcId="0" destId="2" srcOrd="1" destOrd="0"/>
+        <dgm:cxn modelId="7" srcId="0" destId="3" srcOrd="2" destOrd="0"/>
+        <dgm:cxn modelId="8" srcId="0" destId="4" srcOrd="3" destOrd="0"/>
+      </dgm:cxnLst>
+      <dgm:bg/>
+      <dgm:whole/>
+    </dgm:dataModel>
+  </dgm:clrData>
+  <dgm:layoutNode name="linear">
+    <dgm:varLst>
+      <dgm:dir/>
+      <dgm:animLvl val="lvl"/>
+      <dgm:resizeHandles val="exact"/>
+    </dgm:varLst>
+    <dgm:choose name="Name0">
+      <dgm:if name="Name1" func="var" arg="dir" op="equ" val="norm">
+        <dgm:alg type="lin">
+          <dgm:param type="linDir" val="fromT"/>
+          <dgm:param type="vertAlign" val="mid"/>
+          <dgm:param type="horzAlign" val="l"/>
+          <dgm:param type="nodeHorzAlign" val="l"/>
+        </dgm:alg>
+      </dgm:if>
+      <dgm:else name="Name2">
+        <dgm:alg type="lin">
+          <dgm:param type="linDir" val="fromT"/>
+          <dgm:param type="vertAlign" val="mid"/>
+          <dgm:param type="horzAlign" val="r"/>
+          <dgm:param type="nodeHorzAlign" val="r"/>
+        </dgm:alg>
+      </dgm:else>
+    </dgm:choose>
+    <dgm:shape xmlns:r="http://schemas.openxmlformats.org/officeDocument/2006/relationships" r:blip="">
+      <dgm:adjLst/>
+    </dgm:shape>
+    <dgm:presOf/>
+    <dgm:constrLst>
+      <dgm:constr type="w" for="ch" forName="parentLin" refType="w"/>
+      <dgm:constr type="h" for="ch" forName="parentLin" val="INF"/>
+      <dgm:constr type="w" for="des" forName="parentLeftMargin" refType="w" fact="0.05"/>
+      <dgm:constr type="w" for="des" forName="parentText" refType="w" fact="0.7"/>
+      <dgm:constr type="h" for="des" forName="parentText" refType="primFontSz" refFor="des" refForName="parentText" fact="0.82"/>
+      <dgm:constr type="h" for="ch" forName="negativeSpace" refType="primFontSz" refFor="des" refForName="parentText" fact="-0.41"/>
+      <dgm:constr type="h" for="ch" forName="negativeSpace" refType="h" refFor="des" refForName="parentText" op="lte" fact="-0.82"/>
+      <dgm:constr type="h" for="ch" forName="negativeSpace" refType="h" refFor="des" refForName="parentText" op="gte" fact="-0.82"/>
+      <dgm:constr type="w" for="ch" forName="childText" refType="w"/>
+      <dgm:constr type="h" for="ch" forName="childText" refType="primFontSz" refFor="des" refForName="parentText" fact="0.7"/>
+      <dgm:constr type="primFontSz" for="des" forName="parentText" val="65"/>
+      <dgm:constr type="primFontSz" for="ch" forName="childText" refType="primFontSz" refFor="des" refForName="parentText"/>
+      <dgm:constr type="tMarg" for="ch" forName="childText" refType="primFontSz" refFor="des" refForName="parentText" fact="1.64"/>
+      <dgm:constr type="tMarg" for="ch" forName="childText" refType="h" refFor="des" refForName="parentText" op="lte" fact="3.28"/>
+      <dgm:constr type="tMarg" for="ch" forName="childText" refType="h" refFor="des" refForName="parentText" op="gte" fact="3.28"/>
+      <dgm:constr type="lMarg" for="ch" forName="childText" refType="w" fact="0.22"/>
+      <dgm:constr type="rMarg" for="ch" forName="childText" refType="lMarg" refFor="ch" refForName="childText"/>
+      <dgm:constr type="lMarg" for="des" forName="parentText" refType="w" fact="0.075"/>
+      <dgm:constr type="rMarg" for="des" forName="parentText" refType="lMarg" refFor="des" refForName="parentText"/>
+      <dgm:constr type="h" for="ch" forName="spaceBetweenRectangles" refType="primFontSz" refFor="des" refForName="parentText" fact="0.15"/>
+    </dgm:constrLst>
+    <dgm:ruleLst>
+      <dgm:rule type="primFontSz" for="des" forName="parentText" val="5" fact="NaN" max="NaN"/>
+    </dgm:ruleLst>
+    <dgm:forEach name="Name3" axis="ch" ptType="node">
+      <dgm:layoutNode name="parentLin">
+        <dgm:choose name="Name4">
+          <dgm:if name="Name5" func="var" arg="dir" op="equ" val="norm">
+            <dgm:alg type="lin">
+              <dgm:param type="linDir" val="fromL"/>
+              <dgm:param type="horzAlign" val="l"/>
+              <dgm:param type="nodeHorzAlign" val="l"/>
+            </dgm:alg>
+          </dgm:if>
+          <dgm:else name="Name6">
+            <dgm:alg type="lin">
+              <dgm:param type="linDir" val="fromR"/>
+              <dgm:param type="horzAlign" val="r"/>
+              <dgm:param type="nodeHorzAlign" val="r"/>
+            </dgm:alg>
+          </dgm:else>
+        </dgm:choose>
+        <dgm:shape xmlns:r="http://schemas.openxmlformats.org/officeDocument/2006/relationships" r:blip="">
+          <dgm:adjLst/>
+        </dgm:shape>
+        <dgm:presOf/>
+        <dgm:constrLst/>
+        <dgm:ruleLst/>
+        <dgm:layoutNode name="parentLeftMargin">
+          <dgm:alg type="sp"/>
+          <dgm:shape xmlns:r="http://schemas.openxmlformats.org/officeDocument/2006/relationships" type="rect" r:blip="" hideGeom="1">
+            <dgm:adjLst/>
+          </dgm:shape>
+          <dgm:presOf axis="self"/>
+          <dgm:constrLst>
+            <dgm:constr type="h"/>
+          </dgm:constrLst>
+          <dgm:ruleLst/>
+        </dgm:layoutNode>
+        <dgm:layoutNode name="parentText" styleLbl="node1">
+          <dgm:varLst>
+            <dgm:chMax val="0"/>
+            <dgm:bulletEnabled val="1"/>
+          </dgm:varLst>
+          <dgm:choose name="Name7">
+            <dgm:if name="Name8" func="var" arg="dir" op="equ" val="norm">
+              <dgm:alg type="tx">
+                <dgm:param type="parTxLTRAlign" val="l"/>
+                <dgm:param type="parTxRTLAlign" val="l"/>
+              </dgm:alg>
+            </dgm:if>
+            <dgm:else name="Name9">
+              <dgm:alg type="tx">
+                <dgm:param type="parTxLTRAlign" val="r"/>
+                <dgm:param type="parTxRTLAlign" val="r"/>
+              </dgm:alg>
+            </dgm:else>
+          </dgm:choose>
+          <dgm:shape xmlns:r="http://schemas.openxmlformats.org/officeDocument/2006/relationships" type="roundRect" r:blip="">
+            <dgm:adjLst/>
+          </dgm:shape>
+          <dgm:presOf axis="self" ptType="node"/>
+          <dgm:constrLst>
+            <dgm:constr type="tMarg"/>
+            <dgm:constr type="bMarg"/>
+          </dgm:constrLst>
+          <dgm:ruleLst/>
+        </dgm:layoutNode>
+      </dgm:layoutNode>
+      <dgm:layoutNode name="negativeSpace">
+        <dgm:alg type="sp"/>
+        <dgm:shape xmlns:r="http://schemas.openxmlformats.org/officeDocument/2006/relationships" r:blip="">
+          <dgm:adjLst/>
+        </dgm:shape>
+        <dgm:presOf/>
+        <dgm:constrLst/>
+        <dgm:ruleLst/>
+      </dgm:layoutNode>
+      <dgm:layoutNode name="childText" styleLbl="conFgAcc1">
+        <dgm:varLst>
+          <dgm:bulletEnabled val="1"/>
+        </dgm:varLst>
+        <dgm:alg type="tx">
+          <dgm:param type="stBulletLvl" val="1"/>
+        </dgm:alg>
+        <dgm:shape xmlns:r="http://schemas.openxmlformats.org/officeDocument/2006/relationships" type="rect" r:blip="" zOrderOff="-2">
+          <dgm:adjLst/>
+        </dgm:shape>
+        <dgm:presOf axis="des" ptType="node"/>
+        <dgm:constrLst>
+          <dgm:constr type="secFontSz" refType="primFontSz"/>
+        </dgm:constrLst>
+        <dgm:ruleLst>
+          <dgm:rule type="h" val="INF" fact="NaN" max="NaN"/>
+        </dgm:ruleLst>
+      </dgm:layoutNode>
+      <dgm:forEach name="Name10" axis="followSib" ptType="sibTrans" cnt="1">
+        <dgm:layoutNode name="spaceBetweenRectangles">
+          <dgm:alg type="sp"/>
+          <dgm:shape xmlns:r="http://schemas.openxmlformats.org/officeDocument/2006/relationships" r:blip="">
+            <dgm:adjLst/>
+          </dgm:shape>
+          <dgm:presOf/>
+          <dgm:constrLst/>
+          <dgm:ruleLst/>
+        </dgm:layoutNode>
+      </dgm:forEach>
+    </dgm:forEach>
+  </dgm:layoutNode>
+</dgm:layoutDef>
+</file>
+
+<file path=ppt/diagrams/quickStyle1.xml><?xml version="1.0" encoding="utf-8"?>
+<dgm:styleDef xmlns:dgm="http://schemas.openxmlformats.org/drawingml/2006/diagram" xmlns:a="http://schemas.openxmlformats.org/drawingml/2006/main" uniqueId="urn:microsoft.com/office/officeart/2005/8/quickstyle/simple4">
+  <dgm:title val=""/>
+  <dgm:desc val=""/>
+  <dgm:catLst>
+    <dgm:cat type="simple" pri="10400"/>
+  </dgm:catLst>
+  <dgm:scene3d>
+    <a:camera prst="orthographicFront"/>
+    <a:lightRig rig="threePt" dir="t"/>
+  </dgm:scene3d>
+  <dgm:styleLbl name="node0">
+    <dgm:scene3d>
+      <a:camera prst="orthographicFront"/>
+      <a:lightRig rig="threePt" dir="t"/>
+    </dgm:scene3d>
+    <dgm:sp3d/>
+    <dgm:txPr/>
+    <dgm:style>
+      <a:lnRef idx="0">
+        <a:scrgbClr r="0" g="0" b="0"/>
+      </a:lnRef>
+      <a:fillRef idx="3">
+        <a:scrgbClr r="0" g="0" b="0"/>
+      </a:fillRef>
+      <a:effectRef idx="2">
+        <a:scrgbClr r="0" g="0" b="0"/>
+      </a:effectRef>
+      <a:fontRef idx="minor">
+        <a:schemeClr val="lt1"/>
+      </a:fontRef>
+    </dgm:style>
+  </dgm:styleLbl>
+  <dgm:styleLbl name="lnNode1">
+    <dgm:scene3d>
+      <a:camera prst="orthographicFront"/>
+      <a:lightRig rig="threePt" dir="t"/>
+    </dgm:scene3d>
+    <dgm:sp3d/>
+    <dgm:txPr/>
+    <dgm:style>
+      <a:lnRef idx="1">
+        <a:scrgbClr r="0" g="0" b="0"/>
+      </a:lnRef>
+      <a:fillRef idx="3">
+        <a:scrgbClr r="0" g="0" b="0"/>
+      </a:fillRef>
+      <a:effectRef idx="2">
+        <a:scrgbClr r="0" g="0" b="0"/>
+      </a:effectRef>
+      <a:fontRef idx="minor">
+        <a:schemeClr val="lt1"/>
+      </a:fontRef>
+    </dgm:style>
+  </dgm:styleLbl>
+  <dgm:styleLbl name="vennNode1">
+    <dgm:scene3d>
+      <a:camera prst="orthographicFront"/>
+      <a:lightRig rig="threePt" dir="t"/>
+    </dgm:scene3d>
+    <dgm:sp3d/>
+    <dgm:txPr/>
+    <dgm:style>
+      <a:lnRef idx="0">
+        <a:scrgbClr r="0" g="0" b="0"/>
+      </a:lnRef>
+      <a:fillRef idx="3">
+        <a:scrgbClr r="0" g="0" b="0"/>
+      </a:fillRef>
+      <a:effectRef idx="0">
+        <a:scrgbClr r="0" g="0" b="0"/>
+      </a:effectRef>
+      <a:fontRef idx="minor">
+        <a:schemeClr val="tx1"/>
+      </a:fontRef>
+    </dgm:style>
+  </dgm:styleLbl>
+  <dgm:styleLbl name="alignNode1">
+    <dgm:scene3d>
+      <a:camera prst="orthographicFront"/>
+      <a:lightRig rig="threePt" dir="t"/>
+    </dgm:scene3d>
+    <dgm:sp3d/>
+    <dgm:txPr/>
+    <dgm:style>
+      <a:lnRef idx="1">
+        <a:scrgbClr r="0" g="0" b="0"/>
+      </a:lnRef>
+      <a:fillRef idx="3">
+        <a:scrgbClr r="0" g="0" b="0"/>
+      </a:fillRef>
+      <a:effectRef idx="2">
+        <a:scrgbClr r="0" g="0" b="0"/>
+      </a:effectRef>
+      <a:fontRef idx="minor">
+        <a:schemeClr val="lt1"/>
+      </a:fontRef>
+    </dgm:style>
+  </dgm:styleLbl>
+  <dgm:styleLbl name="node1">
+    <dgm:scene3d>
+      <a:camera prst="orthographicFront"/>
+      <a:lightRig rig="threePt" dir="t"/>
+    </dgm:scene3d>
+    <dgm:sp3d/>
+    <dgm:txPr/>
+    <dgm:style>
+      <a:lnRef idx="0">
+        <a:scrgbClr r="0" g="0" b="0"/>
+      </a:lnRef>
+      <a:fillRef idx="3">
+        <a:scrgbClr r="0" g="0" b="0"/>
+      </a:fillRef>
+      <a:effectRef idx="2">
+        <a:scrgbClr r="0" g="0" b="0"/>
+      </a:effectRef>
+      <a:fontRef idx="minor">
+        <a:schemeClr val="lt1"/>
+      </a:fontRef>
+    </dgm:style>
+  </dgm:styleLbl>
+  <dgm:styleLbl name="node2">
+    <dgm:scene3d>
+      <a:camera prst="orthographicFront"/>
+      <a:lightRig rig="threePt" dir="t"/>
+    </dgm:scene3d>
+    <dgm:sp3d/>
+    <dgm:txPr/>
+    <dgm:style>
+      <a:lnRef idx="0">
+        <a:scrgbClr r="0" g="0" b="0"/>
+      </a:lnRef>
+      <a:fillRef idx="3">
+        <a:scrgbClr r="0" g="0" b="0"/>
+      </a:fillRef>
+      <a:effectRef idx="2">
+        <a:scrgbClr r="0" g="0" b="0"/>
+      </a:effectRef>
+      <a:fontRef idx="minor">
+        <a:schemeClr val="lt1"/>
+      </a:fontRef>
+    </dgm:style>
+  </dgm:styleLbl>
+  <dgm:styleLbl name="node3">
+    <dgm:scene3d>
+      <a:camera prst="orthographicFront"/>
+      <a:lightRig rig="threePt" dir="t"/>
+    </dgm:scene3d>
+    <dgm:sp3d/>
+    <dgm:txPr/>
+    <dgm:style>
+      <a:lnRef idx="0">
+        <a:scrgbClr r="0" g="0" b="0"/>
+      </a:lnRef>
+      <a:fillRef idx="3">
+        <a:scrgbClr r="0" g="0" b="0"/>
+      </a:fillRef>
+      <a:effectRef idx="2">
+        <a:scrgbClr r="0" g="0" b="0"/>
+      </a:effectRef>
+      <a:fontRef idx="minor">
+        <a:schemeClr val="lt1"/>
+      </a:fontRef>
+    </dgm:style>
+  </dgm:styleLbl>
+  <dgm:styleLbl name="node4">
+    <dgm:scene3d>
+      <a:camera prst="orthographicFront"/>
+      <a:lightRig rig="threePt" dir="t"/>
+    </dgm:scene3d>
+    <dgm:sp3d/>
+    <dgm:txPr/>
+    <dgm:style>
+      <a:lnRef idx="0">
+        <a:scrgbClr r="0" g="0" b="0"/>
+      </a:lnRef>
+      <a:fillRef idx="3">
+        <a:scrgbClr r="0" g="0" b="0"/>
+      </a:fillRef>
+      <a:effectRef idx="2">
+        <a:scrgbClr r="0" g="0" b="0"/>
+      </a:effectRef>
+      <a:fontRef idx="minor">
+        <a:schemeClr val="lt1"/>
+      </a:fontRef>
+    </dgm:style>
+  </dgm:styleLbl>
+  <dgm:styleLbl name="fgImgPlace1">
+    <dgm:scene3d>
+      <a:camera prst="orthographicFront"/>
+      <a:lightRig rig="threePt" dir="t"/>
+    </dgm:scene3d>
+    <dgm:sp3d/>
+    <dgm:txPr/>
+    <dgm:style>
+      <a:lnRef idx="0">
+        <a:scrgbClr r="0" g="0" b="0"/>
+      </a:lnRef>
+      <a:fillRef idx="1">
+        <a:scrgbClr r="0" g="0" b="0"/>
+      </a:fillRef>
+      <a:effectRef idx="2">
+        <a:scrgbClr r="0" g="0" b="0"/>
+      </a:effectRef>
+      <a:fontRef idx="minor"/>
+    </dgm:style>
+  </dgm:styleLbl>
+  <dgm:styleLbl name="alignImgPlace1">
+    <dgm:scene3d>
+      <a:camera prst="orthographicFront"/>
+      <a:lightRig rig="threePt" dir="t"/>
+    </dgm:scene3d>
+    <dgm:sp3d/>
+    <dgm:txPr/>
+    <dgm:style>
+      <a:lnRef idx="0">
+        <a:scrgbClr r="0" g="0" b="0"/>
+      </a:lnRef>
+      <a:fillRef idx="1">
+        <a:scrgbClr r="0" g="0" b="0"/>
+      </a:fillRef>
+      <a:effectRef idx="2">
+        <a:scrgbClr r="0" g="0" b="0"/>
+      </a:effectRef>
+      <a:fontRef idx="minor"/>
+    </dgm:style>
+  </dgm:styleLbl>
+  <dgm:styleLbl name="bgImgPlace1">
+    <dgm:scene3d>
+      <a:camera prst="orthographicFront"/>
+      <a:lightRig rig="threePt" dir="t"/>
+    </dgm:scene3d>
+    <dgm:sp3d/>
+    <dgm:txPr/>
+    <dgm:style>
+      <a:lnRef idx="0">
+        <a:scrgbClr r="0" g="0" b="0"/>
+      </a:lnRef>
+      <a:fillRef idx="1">
+        <a:scrgbClr r="0" g="0" b="0"/>
+      </a:fillRef>
+      <a:effectRef idx="2">
+        <a:scrgbClr r="0" g="0" b="0"/>
+      </a:effectRef>
+      <a:fontRef idx="minor"/>
+    </dgm:style>
+  </dgm:styleLbl>
+  <dgm:styleLbl name="sibTrans2D1">
+    <dgm:scene3d>
+      <a:camera prst="orthographicFront"/>
+      <a:lightRig rig="threePt" dir="t"/>
+    </dgm:scene3d>
+    <dgm:sp3d/>
+    <dgm:txPr/>
+    <dgm:style>
+      <a:lnRef idx="0">
+        <a:scrgbClr r="0" g="0" b="0"/>
+      </a:lnRef>
+      <a:fillRef idx="3">
+        <a:scrgbClr r="0" g="0" b="0"/>
+      </a:fillRef>
+      <a:effectRef idx="2">
+        <a:scrgbClr r="0" g="0" b="0"/>
+      </a:effectRef>
+      <a:fontRef idx="minor">
+        <a:schemeClr val="lt1"/>
+      </a:fontRef>
+    </dgm:style>
+  </dgm:styleLbl>
+  <dgm:styleLbl name="fgSibTrans2D1">
+    <dgm:scene3d>
+      <a:camera prst="orthographicFront"/>
+      <a:lightRig rig="threePt" dir="t"/>
+    </dgm:scene3d>
+    <dgm:sp3d/>
+    <dgm:txPr/>
+    <dgm:style>
+      <a:lnRef idx="0">
+        <a:scrgbClr r="0" g="0" b="0"/>
+      </a:lnRef>
+      <a:fillRef idx="3">
+        <a:scrgbClr r="0" g="0" b="0"/>
+      </a:fillRef>
+      <a:effectRef idx="2">
+        <a:scrgbClr r="0" g="0" b="0"/>
+      </a:effectRef>
+      <a:fontRef idx="minor">
+        <a:schemeClr val="lt1"/>
+      </a:fontRef>
+    </dgm:style>
+  </dgm:styleLbl>
+  <dgm:styleLbl name="bgSibTrans2D1">
+    <dgm:scene3d>
+      <a:camera prst="orthographicFront"/>
+      <a:lightRig rig="threePt" dir="t"/>
+    </dgm:scene3d>
+    <dgm:sp3d/>
+    <dgm:txPr/>
+    <dgm:style>
+      <a:lnRef idx="0">
+        <a:scrgbClr r="0" g="0" b="0"/>
+      </a:lnRef>
+      <a:fillRef idx="3">
+        <a:scrgbClr r="0" g="0" b="0"/>
+      </a:fillRef>
+      <a:effectRef idx="2">
+        <a:scrgbClr r="0" g="0" b="0"/>
+      </a:effectRef>
+      <a:fontRef idx="minor">
+        <a:schemeClr val="lt1"/>
+      </a:fontRef>
+    </dgm:style>
+  </dgm:styleLbl>
+  <dgm:styleLbl name="sibTrans1D1">
+    <dgm:scene3d>
+      <a:camera prst="orthographicFront"/>
+      <a:lightRig rig="threePt" dir="t"/>
+    </dgm:scene3d>
+    <dgm:sp3d/>
+    <dgm:txPr/>
+    <dgm:style>
+      <a:lnRef idx="1">
+        <a:scrgbClr r="0" g="0" b="0"/>
+      </a:lnRef>
+      <a:fillRef idx="0">
+        <a:scrgbClr r="0" g="0" b="0"/>
+      </a:fillRef>
+      <a:effectRef idx="0">
+        <a:scrgbClr r="0" g="0" b="0"/>
+      </a:effectRef>
+      <a:fontRef idx="minor"/>
+    </dgm:style>
+  </dgm:styleLbl>
+  <dgm:styleLbl name="callout">
+    <dgm:scene3d>
+      <a:camera prst="orthographicFront"/>
+      <a:lightRig rig="threePt" dir="t"/>
+    </dgm:scene3d>
+    <dgm:sp3d/>
+    <dgm:txPr/>
+    <dgm:style>
+      <a:lnRef idx="2">
+        <a:scrgbClr r="0" g="0" b="0"/>
+      </a:lnRef>
+      <a:fillRef idx="1">
+        <a:scrgbClr r="0" g="0" b="0"/>
+      </a:fillRef>
+      <a:effectRef idx="1">
+        <a:scrgbClr r="0" g="0" b="0"/>
+      </a:effectRef>
+      <a:fontRef idx="minor"/>
+    </dgm:style>
+  </dgm:styleLbl>
+  <dgm:styleLbl name="asst0">
+    <dgm:scene3d>
+      <a:camera prst="orthographicFront"/>
+      <a:lightRig rig="threePt" dir="t"/>
+    </dgm:scene3d>
+    <dgm:sp3d/>
+    <dgm:txPr/>
+    <dgm:style>
+      <a:lnRef idx="0">
+        <a:scrgbClr r="0" g="0" b="0"/>
+      </a:lnRef>
+      <a:fillRef idx="3">
+        <a:scrgbClr r="0" g="0" b="0"/>
+      </a:fillRef>
+      <a:effectRef idx="2">
+        <a:scrgbClr r="0" g="0" b="0"/>
+      </a:effectRef>
+      <a:fontRef idx="minor">
+        <a:schemeClr val="lt1"/>
+      </a:fontRef>
+    </dgm:style>
+  </dgm:styleLbl>
+  <dgm:styleLbl name="asst1">
+    <dgm:scene3d>
+      <a:camera prst="orthographicFront"/>
+      <a:lightRig rig="threePt" dir="t"/>
+    </dgm:scene3d>
+    <dgm:sp3d/>
+    <dgm:txPr/>
+    <dgm:style>
+      <a:lnRef idx="0">
+        <a:scrgbClr r="0" g="0" b="0"/>
+      </a:lnRef>
+      <a:fillRef idx="3">
+        <a:scrgbClr r="0" g="0" b="0"/>
+      </a:fillRef>
+      <a:effectRef idx="2">
+        <a:scrgbClr r="0" g="0" b="0"/>
+      </a:effectRef>
+      <a:fontRef idx="minor">
+        <a:schemeClr val="lt1"/>
+      </a:fontRef>
+    </dgm:style>
+  </dgm:styleLbl>
+  <dgm:styleLbl name="asst2">
+    <dgm:scene3d>
+      <a:camera prst="orthographicFront"/>
+      <a:lightRig rig="threePt" dir="t"/>
+    </dgm:scene3d>
+    <dgm:sp3d/>
+    <dgm:txPr/>
+    <dgm:style>
+      <a:lnRef idx="0">
+        <a:scrgbClr r="0" g="0" b="0"/>
+      </a:lnRef>
+      <a:fillRef idx="3">
+        <a:scrgbClr r="0" g="0" b="0"/>
+      </a:fillRef>
+      <a:effectRef idx="2">
+        <a:scrgbClr r="0" g="0" b="0"/>
+      </a:effectRef>
+      <a:fontRef idx="minor">
+        <a:schemeClr val="lt1"/>
+      </a:fontRef>
+    </dgm:style>
+  </dgm:styleLbl>
+  <dgm:styleLbl name="asst3">
+    <dgm:scene3d>
+      <a:camera prst="orthographicFront"/>
+      <a:lightRig rig="threePt" dir="t"/>
+    </dgm:scene3d>
+    <dgm:sp3d/>
+    <dgm:txPr/>
+    <dgm:style>
+      <a:lnRef idx="0">
+        <a:scrgbClr r="0" g="0" b="0"/>
+      </a:lnRef>
+      <a:fillRef idx="3">
+        <a:scrgbClr r="0" g="0" b="0"/>
+      </a:fillRef>
+      <a:effectRef idx="2">
+        <a:scrgbClr r="0" g="0" b="0"/>
+      </a:effectRef>
+      <a:fontRef idx="minor">
+        <a:schemeClr val="lt1"/>
+      </a:fontRef>
+    </dgm:style>
+  </dgm:styleLbl>
+  <dgm:styleLbl name="asst4">
+    <dgm:scene3d>
+      <a:camera prst="orthographicFront"/>
+      <a:lightRig rig="threePt" dir="t"/>
+    </dgm:scene3d>
+    <dgm:sp3d/>
+    <dgm:txPr/>
+    <dgm:style>
+      <a:lnRef idx="0">
+        <a:scrgbClr r="0" g="0" b="0"/>
+      </a:lnRef>
+      <a:fillRef idx="3">
+        <a:scrgbClr r="0" g="0" b="0"/>
+      </a:fillRef>
+      <a:effectRef idx="2">
+        <a:scrgbClr r="0" g="0" b="0"/>
+      </a:effectRef>
+      <a:fontRef idx="minor">
+        <a:schemeClr val="lt1"/>
+      </a:fontRef>
+    </dgm:style>
+  </dgm:styleLbl>
+  <dgm:styleLbl name="parChTrans2D1">
+    <dgm:scene3d>
+      <a:camera prst="orthographicFront"/>
+      <a:lightRig rig="threePt" dir="t"/>
+    </dgm:scene3d>
+    <dgm:sp3d/>
+    <dgm:txPr/>
+    <dgm:style>
+      <a:lnRef idx="0">
+        <a:scrgbClr r="0" g="0" b="0"/>
+      </a:lnRef>
+      <a:fillRef idx="3">
+        <a:scrgbClr r="0" g="0" b="0"/>
+      </a:fillRef>
+      <a:effectRef idx="2">
+        <a:scrgbClr r="0" g="0" b="0"/>
+      </a:effectRef>
+      <a:fontRef idx="minor">
+        <a:schemeClr val="lt1"/>
+      </a:fontRef>
+    </dgm:style>
+  </dgm:styleLbl>
+  <dgm:styleLbl name="parChTrans2D2">
+    <dgm:scene3d>
+      <a:camera prst="orthographicFront"/>
+      <a:lightRig rig="threePt" dir="t"/>
+    </dgm:scene3d>
+    <dgm:sp3d/>
+    <dgm:txPr/>
+    <dgm:style>
+      <a:lnRef idx="0">
+        <a:scrgbClr r="0" g="0" b="0"/>
+      </a:lnRef>
+      <a:fillRef idx="3">
+        <a:scrgbClr r="0" g="0" b="0"/>
+      </a:fillRef>
+      <a:effectRef idx="2">
+        <a:scrgbClr r="0" g="0" b="0"/>
+      </a:effectRef>
+      <a:fontRef idx="minor">
+        <a:schemeClr val="lt1"/>
+      </a:fontRef>
+    </dgm:style>
+  </dgm:styleLbl>
+  <dgm:styleLbl name="parChTrans2D3">
+    <dgm:scene3d>
+      <a:camera prst="orthographicFront"/>
+      <a:lightRig rig="threePt" dir="t"/>
+    </dgm:scene3d>
+    <dgm:sp3d/>
+    <dgm:txPr/>
+    <dgm:style>
+      <a:lnRef idx="1">
+        <a:scrgbClr r="0" g="0" b="0"/>
+      </a:lnRef>
+      <a:fillRef idx="3">
+        <a:scrgbClr r="0" g="0" b="0"/>
+      </a:fillRef>
+      <a:effectRef idx="2">
+        <a:scrgbClr r="0" g="0" b="0"/>
+      </a:effectRef>
+      <a:fontRef idx="minor">
+        <a:schemeClr val="lt1"/>
+      </a:fontRef>
+    </dgm:style>
+  </dgm:styleLbl>
+  <dgm:styleLbl name="parChTrans2D4">
+    <dgm:scene3d>
+      <a:camera prst="orthographicFront"/>
+      <a:lightRig rig="threePt" dir="t"/>
+    </dgm:scene3d>
+    <dgm:sp3d/>
+    <dgm:txPr/>
+    <dgm:style>
+      <a:lnRef idx="1">
+        <a:scrgbClr r="0" g="0" b="0"/>
+      </a:lnRef>
+      <a:fillRef idx="3">
+        <a:scrgbClr r="0" g="0" b="0"/>
+      </a:fillRef>
+      <a:effectRef idx="2">
+        <a:scrgbClr r="0" g="0" b="0"/>
+      </a:effectRef>
+      <a:fontRef idx="minor">
+        <a:schemeClr val="lt1"/>
+      </a:fontRef>
+    </dgm:style>
+  </dgm:styleLbl>
+  <dgm:styleLbl name="parChTrans1D1">
+    <dgm:scene3d>
+      <a:camera prst="orthographicFront"/>
+      <a:lightRig rig="threePt" dir="t"/>
+    </dgm:scene3d>
+    <dgm:sp3d/>
+    <dgm:txPr/>
+    <dgm:style>
+      <a:lnRef idx="1">
+        <a:scrgbClr r="0" g="0" b="0"/>
+      </a:lnRef>
+      <a:fillRef idx="0">
+        <a:scrgbClr r="0" g="0" b="0"/>
+      </a:fillRef>
+      <a:effectRef idx="0">
+        <a:scrgbClr r="0" g="0" b="0"/>
+      </a:effectRef>
+      <a:fontRef idx="minor"/>
+    </dgm:style>
+  </dgm:styleLbl>
+  <dgm:styleLbl name="parChTrans1D2">
+    <dgm:scene3d>
+      <a:camera prst="orthographicFront"/>
+      <a:lightRig rig="threePt" dir="t"/>
+    </dgm:scene3d>
+    <dgm:sp3d/>
+    <dgm:txPr/>
+    <dgm:style>
+      <a:lnRef idx="1">
+        <a:scrgbClr r="0" g="0" b="0"/>
+      </a:lnRef>
+      <a:fillRef idx="0">
+        <a:scrgbClr r="0" g="0" b="0"/>
+      </a:fillRef>
+      <a:effectRef idx="0">
+        <a:scrgbClr r="0" g="0" b="0"/>
+      </a:effectRef>
+      <a:fontRef idx="minor"/>
+    </dgm:style>
+  </dgm:styleLbl>
+  <dgm:styleLbl name="parChTrans1D3">
+    <dgm:scene3d>
+      <a:camera prst="orthographicFront"/>
+      <a:lightRig rig="threePt" dir="t"/>
+    </dgm:scene3d>
+    <dgm:sp3d/>
+    <dgm:txPr/>
+    <dgm:style>
+      <a:lnRef idx="1">
+        <a:scrgbClr r="0" g="0" b="0"/>
+      </a:lnRef>
+      <a:fillRef idx="0">
+        <a:scrgbClr r="0" g="0" b="0"/>
+      </a:fillRef>
+      <a:effectRef idx="0">
+        <a:scrgbClr r="0" g="0" b="0"/>
+      </a:effectRef>
+      <a:fontRef idx="minor"/>
+    </dgm:style>
+  </dgm:styleLbl>
+  <dgm:styleLbl name="parChTrans1D4">
+    <dgm:scene3d>
+      <a:camera prst="orthographicFront"/>
+      <a:lightRig rig="threePt" dir="t"/>
+    </dgm:scene3d>
+    <dgm:sp3d/>
+    <dgm:txPr/>
+    <dgm:style>
+      <a:lnRef idx="1">
+        <a:scrgbClr r="0" g="0" b="0"/>
+      </a:lnRef>
+      <a:fillRef idx="0">
+        <a:scrgbClr r="0" g="0" b="0"/>
+      </a:fillRef>
+      <a:effectRef idx="0">
+        <a:scrgbClr r="0" g="0" b="0"/>
+      </a:effectRef>
+      <a:fontRef idx="minor"/>
+    </dgm:style>
+  </dgm:styleLbl>
+  <dgm:styleLbl name="fgAcc1">
+    <dgm:scene3d>
+      <a:camera prst="orthographicFront"/>
+      <a:lightRig rig="threePt" dir="t"/>
+    </dgm:scene3d>
+    <dgm:sp3d/>
+    <dgm:txPr/>
+    <dgm:style>
+      <a:lnRef idx="1">
+        <a:scrgbClr r="0" g="0" b="0"/>
+      </a:lnRef>
+      <a:fillRef idx="1">
+        <a:scrgbClr r="0" g="0" b="0"/>
+      </a:fillRef>
+      <a:effectRef idx="0">
+        <a:scrgbClr r="0" g="0" b="0"/>
+      </a:effectRef>
+      <a:fontRef idx="minor"/>
+    </dgm:style>
+  </dgm:styleLbl>
+  <dgm:styleLbl name="conFgAcc1">
+    <dgm:scene3d>
+      <a:camera prst="orthographicFront"/>
+      <a:lightRig rig="threePt" dir="t"/>
+    </dgm:scene3d>
+    <dgm:sp3d/>
+    <dgm:txPr/>
+    <dgm:style>
+      <a:lnRef idx="1">
+        <a:scrgbClr r="0" g="0" b="0"/>
+      </a:lnRef>
+      <a:fillRef idx="1">
+        <a:scrgbClr r="0" g="0" b="0"/>
+      </a:fillRef>
+      <a:effectRef idx="0">
+        <a:scrgbClr r="0" g="0" b="0"/>
+      </a:effectRef>
+      <a:fontRef idx="minor"/>
+    </dgm:style>
+  </dgm:styleLbl>
+  <dgm:styleLbl name="alignAcc1">
+    <dgm:scene3d>
+      <a:camera prst="orthographicFront"/>
+      <a:lightRig rig="threePt" dir="t"/>
+    </dgm:scene3d>
+    <dgm:sp3d/>
+    <dgm:txPr/>
+    <dgm:style>
+      <a:lnRef idx="1">
+        <a:scrgbClr r="0" g="0" b="0"/>
+      </a:lnRef>
+      <a:fillRef idx="1">
+        <a:scrgbClr r="0" g="0" b="0"/>
+      </a:fillRef>
+      <a:effectRef idx="0">
+        <a:scrgbClr r="0" g="0" b="0"/>
+      </a:effectRef>
+      <a:fontRef idx="minor"/>
+    </dgm:style>
+  </dgm:styleLbl>
+  <dgm:styleLbl name="trAlignAcc1">
+    <dgm:scene3d>
+      <a:camera prst="orthographicFront"/>
+      <a:lightRig rig="threePt" dir="t"/>
+    </dgm:scene3d>
+    <dgm:sp3d/>
+    <dgm:txPr/>
+    <dgm:style>
+      <a:lnRef idx="1">
+        <a:scrgbClr r="0" g="0" b="0"/>
+      </a:lnRef>
+      <a:fillRef idx="1">
+        <a:scrgbClr r="0" g="0" b="0"/>
+      </a:fillRef>
+      <a:effectRef idx="0">
+        <a:scrgbClr r="0" g="0" b="0"/>
+      </a:effectRef>
+      <a:fontRef idx="minor"/>
+    </dgm:style>
+  </dgm:styleLbl>
+  <dgm:styleLbl name="bgAcc1">
+    <dgm:scene3d>
+      <a:camera prst="orthographicFront"/>
+      <a:lightRig rig="threePt" dir="t"/>
+    </dgm:scene3d>
+    <dgm:sp3d/>
+    <dgm:txPr/>
+    <dgm:style>
+      <a:lnRef idx="1">
+        <a:scrgbClr r="0" g="0" b="0"/>
+      </a:lnRef>
+      <a:fillRef idx="1">
+        <a:scrgbClr r="0" g="0" b="0"/>
+      </a:fillRef>
+      <a:effectRef idx="0">
+        <a:scrgbClr r="0" g="0" b="0"/>
+      </a:effectRef>
+      <a:fontRef idx="minor"/>
+    </dgm:style>
+  </dgm:styleLbl>
+  <dgm:styleLbl name="solidFgAcc1">
+    <dgm:scene3d>
+      <a:camera prst="orthographicFront"/>
+      <a:lightRig rig="threePt" dir="t"/>
+    </dgm:scene3d>
+    <dgm:sp3d/>
+    <dgm:txPr/>
+    <dgm:style>
+      <a:lnRef idx="1">
+        <a:scrgbClr r="0" g="0" b="0"/>
+      </a:lnRef>
+      <a:fillRef idx="1">
+        <a:scrgbClr r="0" g="0" b="0"/>
+      </a:fillRef>
+      <a:effectRef idx="0">
+        <a:scrgbClr r="0" g="0" b="0"/>
+      </a:effectRef>
+      <a:fontRef idx="minor"/>
+    </dgm:style>
+  </dgm:styleLbl>
+  <dgm:styleLbl name="solidAlignAcc1">
+    <dgm:scene3d>
+      <a:camera prst="orthographicFront"/>
+      <a:lightRig rig="threePt" dir="t"/>
+    </dgm:scene3d>
+    <dgm:sp3d/>
+    <dgm:txPr/>
+    <dgm:style>
+      <a:lnRef idx="1">
+        <a:scrgbClr r="0" g="0" b="0"/>
+      </a:lnRef>
+      <a:fillRef idx="1">
+        <a:scrgbClr r="0" g="0" b="0"/>
+      </a:fillRef>
+      <a:effectRef idx="0">
+        <a:scrgbClr r="0" g="0" b="0"/>
+      </a:effectRef>
+      <a:fontRef idx="minor"/>
+    </dgm:style>
+  </dgm:styleLbl>
+  <dgm:styleLbl name="solidBgAcc1">
+    <dgm:scene3d>
+      <a:camera prst="orthographicFront"/>
+      <a:lightRig rig="threePt" dir="t"/>
+    </dgm:scene3d>
+    <dgm:sp3d/>
+    <dgm:txPr/>
+    <dgm:style>
+      <a:lnRef idx="1">
+        <a:scrgbClr r="0" g="0" b="0"/>
+      </a:lnRef>
+      <a:fillRef idx="1">
+        <a:scrgbClr r="0" g="0" b="0"/>
+      </a:fillRef>
+      <a:effectRef idx="0">
+        <a:scrgbClr r="0" g="0" b="0"/>
+      </a:effectRef>
+      <a:fontRef idx="minor"/>
+    </dgm:style>
+  </dgm:styleLbl>
+  <dgm:styleLbl name="fgAccFollowNode1">
+    <dgm:scene3d>
+      <a:camera prst="orthographicFront"/>
+      <a:lightRig rig="threePt" dir="t"/>
+    </dgm:scene3d>
+    <dgm:sp3d/>
+    <dgm:txPr/>
+    <dgm:style>
+      <a:lnRef idx="1">
+        <a:scrgbClr r="0" g="0" b="0"/>
+      </a:lnRef>
+      <a:fillRef idx="1">
+        <a:scrgbClr r="0" g="0" b="0"/>
+      </a:fillRef>
+      <a:effectRef idx="0">
+        <a:scrgbClr r="0" g="0" b="0"/>
+      </a:effectRef>
+      <a:fontRef idx="minor"/>
+    </dgm:style>
+  </dgm:styleLbl>
+  <dgm:styleLbl name="alignAccFollowNode1">
+    <dgm:scene3d>
+      <a:camera prst="orthographicFront"/>
+      <a:lightRig rig="threePt" dir="t"/>
+    </dgm:scene3d>
+    <dgm:sp3d/>
+    <dgm:txPr/>
+    <dgm:style>
+      <a:lnRef idx="1">
+        <a:scrgbClr r="0" g="0" b="0"/>
+      </a:lnRef>
+      <a:fillRef idx="1">
+        <a:scrgbClr r="0" g="0" b="0"/>
+      </a:fillRef>
+      <a:effectRef idx="0">
+        <a:scrgbClr r="0" g="0" b="0"/>
+      </a:effectRef>
+      <a:fontRef idx="minor"/>
+    </dgm:style>
+  </dgm:styleLbl>
+  <dgm:styleLbl name="bgAccFollowNode1">
+    <dgm:scene3d>
+      <a:camera prst="orthographicFront"/>
+      <a:lightRig rig="threePt" dir="t"/>
+    </dgm:scene3d>
+    <dgm:sp3d/>
+    <dgm:txPr/>
+    <dgm:style>
+      <a:lnRef idx="1">
+        <a:scrgbClr r="0" g="0" b="0"/>
+      </a:lnRef>
+      <a:fillRef idx="1">
+        <a:scrgbClr r="0" g="0" b="0"/>
+      </a:fillRef>
+      <a:effectRef idx="0">
+        <a:scrgbClr r="0" g="0" b="0"/>
+      </a:effectRef>
+      <a:fontRef idx="minor"/>
+    </dgm:style>
+  </dgm:styleLbl>
+  <dgm:styleLbl name="fgAcc0">
+    <dgm:scene3d>
+      <a:camera prst="orthographicFront"/>
+      <a:lightRig rig="threePt" dir="t"/>
+    </dgm:scene3d>
+    <dgm:sp3d/>
+    <dgm:txPr/>
+    <dgm:style>
+      <a:lnRef idx="1">
+        <a:scrgbClr r="0" g="0" b="0"/>
+      </a:lnRef>
+      <a:fillRef idx="1">
+        <a:scrgbClr r="0" g="0" b="0"/>
+      </a:fillRef>
+      <a:effectRef idx="0">
+        <a:scrgbClr r="0" g="0" b="0"/>
+      </a:effectRef>
+      <a:fontRef idx="minor"/>
+    </dgm:style>
+  </dgm:styleLbl>
+  <dgm:styleLbl name="fgAcc2">
+    <dgm:scene3d>
+      <a:camera prst="orthographicFront"/>
+      <a:lightRig rig="threePt" dir="t"/>
+    </dgm:scene3d>
+    <dgm:sp3d/>
+    <dgm:txPr/>
+    <dgm:style>
+      <a:lnRef idx="1">
+        <a:scrgbClr r="0" g="0" b="0"/>
+      </a:lnRef>
+      <a:fillRef idx="1">
+        <a:scrgbClr r="0" g="0" b="0"/>
+      </a:fillRef>
+      <a:effectRef idx="0">
+        <a:scrgbClr r="0" g="0" b="0"/>
+      </a:effectRef>
+      <a:fontRef idx="minor"/>
+    </dgm:style>
+  </dgm:styleLbl>
+  <dgm:styleLbl name="fgAcc3">
+    <dgm:scene3d>
+      <a:camera prst="orthographicFront"/>
+      <a:lightRig rig="threePt" dir="t"/>
+    </dgm:scene3d>
+    <dgm:sp3d/>
+    <dgm:txPr/>
+    <dgm:style>
+      <a:lnRef idx="1">
+        <a:scrgbClr r="0" g="0" b="0"/>
+      </a:lnRef>
+      <a:fillRef idx="1">
+        <a:scrgbClr r="0" g="0" b="0"/>
+      </a:fillRef>
+      <a:effectRef idx="0">
+        <a:scrgbClr r="0" g="0" b="0"/>
+      </a:effectRef>
+      <a:fontRef idx="minor"/>
+    </dgm:style>
+  </dgm:styleLbl>
+  <dgm:styleLbl name="fgAcc4">
+    <dgm:scene3d>
+      <a:camera prst="orthographicFront"/>
+      <a:lightRig rig="threePt" dir="t"/>
+    </dgm:scene3d>
+    <dgm:sp3d/>
+    <dgm:txPr/>
+    <dgm:style>
+      <a:lnRef idx="1">
+        <a:scrgbClr r="0" g="0" b="0"/>
+      </a:lnRef>
+      <a:fillRef idx="1">
+        <a:scrgbClr r="0" g="0" b="0"/>
+      </a:fillRef>
+      <a:effectRef idx="0">
+        <a:scrgbClr r="0" g="0" b="0"/>
+      </a:effectRef>
+      <a:fontRef idx="minor"/>
+    </dgm:style>
+  </dgm:styleLbl>
+  <dgm:styleLbl name="bgShp">
+    <dgm:scene3d>
+      <a:camera prst="orthographicFront"/>
+      <a:lightRig rig="threePt" dir="t"/>
+    </dgm:scene3d>
+    <dgm:sp3d/>
+    <dgm:txPr/>
+    <dgm:style>
+      <a:lnRef idx="0">
+        <a:scrgbClr r="0" g="0" b="0"/>
+      </a:lnRef>
+      <a:fillRef idx="1">
+        <a:scrgbClr r="0" g="0" b="0"/>
+      </a:fillRef>
+      <a:effectRef idx="2">
+        <a:scrgbClr r="0" g="0" b="0"/>
+      </a:effectRef>
+      <a:fontRef idx="minor"/>
+    </dgm:style>
+  </dgm:styleLbl>
+  <dgm:styleLbl name="dkBgShp">
+    <dgm:scene3d>
+      <a:camera prst="orthographicFront"/>
+      <a:lightRig rig="threePt" dir="t"/>
+    </dgm:scene3d>
+    <dgm:sp3d/>
+    <dgm:txPr/>
+    <dgm:style>
+      <a:lnRef idx="0">
+        <a:scrgbClr r="0" g="0" b="0"/>
+      </a:lnRef>
+      <a:fillRef idx="1">
+        <a:scrgbClr r="0" g="0" b="0"/>
+      </a:fillRef>
+      <a:effectRef idx="2">
+        <a:scrgbClr r="0" g="0" b="0"/>
+      </a:effectRef>
+      <a:fontRef idx="minor"/>
+    </dgm:style>
+  </dgm:styleLbl>
+  <dgm:styleLbl name="trBgShp">
+    <dgm:scene3d>
+      <a:camera prst="orthographicFront"/>
+      <a:lightRig rig="threePt" dir="t"/>
+    </dgm:scene3d>
+    <dgm:sp3d/>
+    <dgm:txPr/>
+    <dgm:style>
+      <a:lnRef idx="0">
+        <a:scrgbClr r="0" g="0" b="0"/>
+      </a:lnRef>
+      <a:fillRef idx="1">
+        <a:scrgbClr r="0" g="0" b="0"/>
+      </a:fillRef>
+      <a:effectRef idx="0">
+        <a:scrgbClr r="0" g="0" b="0"/>
+      </a:effectRef>
+      <a:fontRef idx="minor"/>
+    </dgm:style>
+  </dgm:styleLbl>
+  <dgm:styleLbl name="fgShp">
+    <dgm:scene3d>
+      <a:camera prst="orthographicFront"/>
+      <a:lightRig rig="threePt" dir="t"/>
+    </dgm:scene3d>
+    <dgm:sp3d/>
+    <dgm:txPr/>
+    <dgm:style>
+      <a:lnRef idx="0">
+        <a:scrgbClr r="0" g="0" b="0"/>
+      </a:lnRef>
+      <a:fillRef idx="3">
+        <a:scrgbClr r="0" g="0" b="0"/>
+      </a:fillRef>
+      <a:effectRef idx="2">
+        <a:scrgbClr r="0" g="0" b="0"/>
+      </a:effectRef>
+      <a:fontRef idx="minor"/>
+    </dgm:style>
+  </dgm:styleLbl>
+  <dgm:styleLbl name="revTx">
+    <dgm:scene3d>
+      <a:camera prst="orthographicFront"/>
+      <a:lightRig rig="threePt" dir="t"/>
+    </dgm:scene3d>
+    <dgm:sp3d/>
+    <dgm:txPr/>
+    <dgm:style>
+      <a:lnRef idx="0">
+        <a:scrgbClr r="0" g="0" b="0"/>
+      </a:lnRef>
+      <a:fillRef idx="0">
+        <a:scrgbClr r="0" g="0" b="0"/>
+      </a:fillRef>
+      <a:effectRef idx="0">
+        <a:scrgbClr r="0" g="0" b="0"/>
+      </a:effectRef>
+      <a:fontRef idx="minor"/>
+    </dgm:style>
+  </dgm:styleLbl>
+</dgm:styleDef>
 </file>
 
 <file path=ppt/notesMasters/notesMaster1.xml><?xml version="1.0" encoding="utf-8"?>
@@ -306,7 +3571,7 @@
           <a:p>
             <a:fld id="{1D63DF1F-1749-4BA6-89F1-E731035F336C}" type="datetimeFigureOut">
               <a:rPr lang="en-IE" smtClean="0"/>
-              <a:t>04/08/2023</a:t>
+              <a:t>28/08/2023</a:t>
             </a:fld>
             <a:endParaRPr lang="en-IE"/>
           </a:p>
@@ -574,6 +3839,1046 @@
 </p:notesMaster>
 </file>
 
+<file path=ppt/notesSlides/notesSlide1.xml><?xml version="1.0" encoding="utf-8"?>
+<p:notes xmlns:a="http://schemas.openxmlformats.org/drawingml/2006/main" xmlns:r="http://schemas.openxmlformats.org/officeDocument/2006/relationships" xmlns:p="http://schemas.openxmlformats.org/presentationml/2006/main" showMasterSp="0" showMasterPhAnim="0">
+  <p:cSld>
+    <p:spTree>
+      <p:nvGrpSpPr>
+        <p:cNvPr id="1" name="Shape 456"/>
+        <p:cNvGrpSpPr/>
+        <p:nvPr/>
+      </p:nvGrpSpPr>
+      <p:grpSpPr>
+        <a:xfrm>
+          <a:off x="0" y="0"/>
+          <a:ext cx="0" cy="0"/>
+          <a:chOff x="0" y="0"/>
+          <a:chExt cx="0" cy="0"/>
+        </a:xfrm>
+      </p:grpSpPr>
+      <p:sp>
+        <p:nvSpPr>
+          <p:cNvPr id="457" name="Google Shape;457;p31:notes"/>
+          <p:cNvSpPr txBox="1">
+            <a:spLocks noGrp="1"/>
+          </p:cNvSpPr>
+          <p:nvPr>
+            <p:ph type="body" idx="1"/>
+          </p:nvPr>
+        </p:nvSpPr>
+        <p:spPr>
+          <a:xfrm>
+            <a:off x="685800" y="4343400"/>
+            <a:ext cx="5486400" cy="4114800"/>
+          </a:xfrm>
+          <a:prstGeom prst="rect">
+            <a:avLst/>
+          </a:prstGeom>
+        </p:spPr>
+        <p:txBody>
+          <a:bodyPr spcFirstLastPara="1" wrap="square" lIns="91425" tIns="91425" rIns="91425" bIns="91425" anchor="t" anchorCtr="0">
+            <a:noAutofit/>
+          </a:bodyPr>
+          <a:lstStyle/>
+          <a:p>
+            <a:pPr marL="0" lvl="0" indent="0" algn="l" rtl="0">
+              <a:spcBef>
+                <a:spcPts val="0"/>
+              </a:spcBef>
+              <a:spcAft>
+                <a:spcPts val="0"/>
+              </a:spcAft>
+              <a:buNone/>
+            </a:pPr>
+            <a:endParaRPr/>
+          </a:p>
+        </p:txBody>
+      </p:sp>
+      <p:sp>
+        <p:nvSpPr>
+          <p:cNvPr id="458" name="Google Shape;458;p31:notes"/>
+          <p:cNvSpPr>
+            <a:spLocks noGrp="1" noRot="1" noChangeAspect="1"/>
+          </p:cNvSpPr>
+          <p:nvPr>
+            <p:ph type="sldImg" idx="2"/>
+          </p:nvPr>
+        </p:nvSpPr>
+        <p:spPr>
+          <a:xfrm>
+            <a:off x="381000" y="685800"/>
+            <a:ext cx="6096000" cy="3429000"/>
+          </a:xfrm>
+          <a:custGeom>
+            <a:avLst/>
+            <a:gdLst/>
+            <a:ahLst/>
+            <a:cxnLst/>
+            <a:rect l="l" t="t" r="r" b="b"/>
+            <a:pathLst>
+              <a:path w="120000" h="120000" extrusionOk="0">
+                <a:moveTo>
+                  <a:pt x="0" y="0"/>
+                </a:moveTo>
+                <a:lnTo>
+                  <a:pt x="120000" y="0"/>
+                </a:lnTo>
+                <a:lnTo>
+                  <a:pt x="120000" y="120000"/>
+                </a:lnTo>
+                <a:lnTo>
+                  <a:pt x="0" y="120000"/>
+                </a:lnTo>
+                <a:close/>
+              </a:path>
+            </a:pathLst>
+          </a:custGeom>
+        </p:spPr>
+      </p:sp>
+    </p:spTree>
+  </p:cSld>
+  <p:clrMapOvr>
+    <a:masterClrMapping/>
+  </p:clrMapOvr>
+</p:notes>
+</file>
+
+<file path=ppt/notesSlides/notesSlide10.xml><?xml version="1.0" encoding="utf-8"?>
+<p:notes xmlns:a="http://schemas.openxmlformats.org/drawingml/2006/main" xmlns:r="http://schemas.openxmlformats.org/officeDocument/2006/relationships" xmlns:p="http://schemas.openxmlformats.org/presentationml/2006/main" showMasterSp="0" showMasterPhAnim="0">
+  <p:cSld>
+    <p:spTree>
+      <p:nvGrpSpPr>
+        <p:cNvPr id="1" name="Shape 542"/>
+        <p:cNvGrpSpPr/>
+        <p:nvPr/>
+      </p:nvGrpSpPr>
+      <p:grpSpPr>
+        <a:xfrm>
+          <a:off x="0" y="0"/>
+          <a:ext cx="0" cy="0"/>
+          <a:chOff x="0" y="0"/>
+          <a:chExt cx="0" cy="0"/>
+        </a:xfrm>
+      </p:grpSpPr>
+      <p:sp>
+        <p:nvSpPr>
+          <p:cNvPr id="543" name="Google Shape;543;p40:notes"/>
+          <p:cNvSpPr txBox="1">
+            <a:spLocks noGrp="1"/>
+          </p:cNvSpPr>
+          <p:nvPr>
+            <p:ph type="body" idx="1"/>
+          </p:nvPr>
+        </p:nvSpPr>
+        <p:spPr>
+          <a:xfrm>
+            <a:off x="685800" y="4343400"/>
+            <a:ext cx="5486400" cy="4114800"/>
+          </a:xfrm>
+          <a:prstGeom prst="rect">
+            <a:avLst/>
+          </a:prstGeom>
+        </p:spPr>
+        <p:txBody>
+          <a:bodyPr spcFirstLastPara="1" wrap="square" lIns="91425" tIns="91425" rIns="91425" bIns="91425" anchor="t" anchorCtr="0">
+            <a:noAutofit/>
+          </a:bodyPr>
+          <a:lstStyle/>
+          <a:p>
+            <a:pPr marL="0" lvl="0" indent="0" algn="l" rtl="0">
+              <a:spcBef>
+                <a:spcPts val="0"/>
+              </a:spcBef>
+              <a:spcAft>
+                <a:spcPts val="0"/>
+              </a:spcAft>
+              <a:buNone/>
+            </a:pPr>
+            <a:endParaRPr/>
+          </a:p>
+        </p:txBody>
+      </p:sp>
+      <p:sp>
+        <p:nvSpPr>
+          <p:cNvPr id="544" name="Google Shape;544;p40:notes"/>
+          <p:cNvSpPr>
+            <a:spLocks noGrp="1" noRot="1" noChangeAspect="1"/>
+          </p:cNvSpPr>
+          <p:nvPr>
+            <p:ph type="sldImg" idx="2"/>
+          </p:nvPr>
+        </p:nvSpPr>
+        <p:spPr>
+          <a:xfrm>
+            <a:off x="381000" y="685800"/>
+            <a:ext cx="6096000" cy="3429000"/>
+          </a:xfrm>
+          <a:custGeom>
+            <a:avLst/>
+            <a:gdLst/>
+            <a:ahLst/>
+            <a:cxnLst/>
+            <a:rect l="l" t="t" r="r" b="b"/>
+            <a:pathLst>
+              <a:path w="120000" h="120000" extrusionOk="0">
+                <a:moveTo>
+                  <a:pt x="0" y="0"/>
+                </a:moveTo>
+                <a:lnTo>
+                  <a:pt x="120000" y="0"/>
+                </a:lnTo>
+                <a:lnTo>
+                  <a:pt x="120000" y="120000"/>
+                </a:lnTo>
+                <a:lnTo>
+                  <a:pt x="0" y="120000"/>
+                </a:lnTo>
+                <a:close/>
+              </a:path>
+            </a:pathLst>
+          </a:custGeom>
+        </p:spPr>
+      </p:sp>
+    </p:spTree>
+  </p:cSld>
+  <p:clrMapOvr>
+    <a:masterClrMapping/>
+  </p:clrMapOvr>
+</p:notes>
+</file>
+
+<file path=ppt/notesSlides/notesSlide2.xml><?xml version="1.0" encoding="utf-8"?>
+<p:notes xmlns:a="http://schemas.openxmlformats.org/drawingml/2006/main" xmlns:r="http://schemas.openxmlformats.org/officeDocument/2006/relationships" xmlns:p="http://schemas.openxmlformats.org/presentationml/2006/main" showMasterSp="0" showMasterPhAnim="0">
+  <p:cSld>
+    <p:spTree>
+      <p:nvGrpSpPr>
+        <p:cNvPr id="1" name="Shape 467"/>
+        <p:cNvGrpSpPr/>
+        <p:nvPr/>
+      </p:nvGrpSpPr>
+      <p:grpSpPr>
+        <a:xfrm>
+          <a:off x="0" y="0"/>
+          <a:ext cx="0" cy="0"/>
+          <a:chOff x="0" y="0"/>
+          <a:chExt cx="0" cy="0"/>
+        </a:xfrm>
+      </p:grpSpPr>
+      <p:sp>
+        <p:nvSpPr>
+          <p:cNvPr id="468" name="Google Shape;468;p32:notes"/>
+          <p:cNvSpPr txBox="1">
+            <a:spLocks noGrp="1"/>
+          </p:cNvSpPr>
+          <p:nvPr>
+            <p:ph type="body" idx="1"/>
+          </p:nvPr>
+        </p:nvSpPr>
+        <p:spPr>
+          <a:xfrm>
+            <a:off x="685800" y="4343400"/>
+            <a:ext cx="5486400" cy="4114800"/>
+          </a:xfrm>
+          <a:prstGeom prst="rect">
+            <a:avLst/>
+          </a:prstGeom>
+        </p:spPr>
+        <p:txBody>
+          <a:bodyPr spcFirstLastPara="1" wrap="square" lIns="91425" tIns="91425" rIns="91425" bIns="91425" anchor="t" anchorCtr="0">
+            <a:noAutofit/>
+          </a:bodyPr>
+          <a:lstStyle/>
+          <a:p>
+            <a:pPr marL="0" lvl="0" indent="0" algn="l" rtl="0">
+              <a:spcBef>
+                <a:spcPts val="0"/>
+              </a:spcBef>
+              <a:spcAft>
+                <a:spcPts val="0"/>
+              </a:spcAft>
+              <a:buNone/>
+            </a:pPr>
+            <a:endParaRPr/>
+          </a:p>
+        </p:txBody>
+      </p:sp>
+      <p:sp>
+        <p:nvSpPr>
+          <p:cNvPr id="469" name="Google Shape;469;p32:notes"/>
+          <p:cNvSpPr>
+            <a:spLocks noGrp="1" noRot="1" noChangeAspect="1"/>
+          </p:cNvSpPr>
+          <p:nvPr>
+            <p:ph type="sldImg" idx="2"/>
+          </p:nvPr>
+        </p:nvSpPr>
+        <p:spPr>
+          <a:xfrm>
+            <a:off x="381000" y="685800"/>
+            <a:ext cx="6096000" cy="3429000"/>
+          </a:xfrm>
+          <a:custGeom>
+            <a:avLst/>
+            <a:gdLst/>
+            <a:ahLst/>
+            <a:cxnLst/>
+            <a:rect l="l" t="t" r="r" b="b"/>
+            <a:pathLst>
+              <a:path w="120000" h="120000" extrusionOk="0">
+                <a:moveTo>
+                  <a:pt x="0" y="0"/>
+                </a:moveTo>
+                <a:lnTo>
+                  <a:pt x="120000" y="0"/>
+                </a:lnTo>
+                <a:lnTo>
+                  <a:pt x="120000" y="120000"/>
+                </a:lnTo>
+                <a:lnTo>
+                  <a:pt x="0" y="120000"/>
+                </a:lnTo>
+                <a:close/>
+              </a:path>
+            </a:pathLst>
+          </a:custGeom>
+        </p:spPr>
+      </p:sp>
+    </p:spTree>
+  </p:cSld>
+  <p:clrMapOvr>
+    <a:masterClrMapping/>
+  </p:clrMapOvr>
+</p:notes>
+</file>
+
+<file path=ppt/notesSlides/notesSlide3.xml><?xml version="1.0" encoding="utf-8"?>
+<p:notes xmlns:a="http://schemas.openxmlformats.org/drawingml/2006/main" xmlns:r="http://schemas.openxmlformats.org/officeDocument/2006/relationships" xmlns:p="http://schemas.openxmlformats.org/presentationml/2006/main" showMasterSp="0" showMasterPhAnim="0">
+  <p:cSld>
+    <p:spTree>
+      <p:nvGrpSpPr>
+        <p:cNvPr id="1" name="Shape 477"/>
+        <p:cNvGrpSpPr/>
+        <p:nvPr/>
+      </p:nvGrpSpPr>
+      <p:grpSpPr>
+        <a:xfrm>
+          <a:off x="0" y="0"/>
+          <a:ext cx="0" cy="0"/>
+          <a:chOff x="0" y="0"/>
+          <a:chExt cx="0" cy="0"/>
+        </a:xfrm>
+      </p:grpSpPr>
+      <p:sp>
+        <p:nvSpPr>
+          <p:cNvPr id="478" name="Google Shape;478;p33:notes"/>
+          <p:cNvSpPr txBox="1">
+            <a:spLocks noGrp="1"/>
+          </p:cNvSpPr>
+          <p:nvPr>
+            <p:ph type="body" idx="1"/>
+          </p:nvPr>
+        </p:nvSpPr>
+        <p:spPr>
+          <a:xfrm>
+            <a:off x="685800" y="4343400"/>
+            <a:ext cx="5486400" cy="4114800"/>
+          </a:xfrm>
+          <a:prstGeom prst="rect">
+            <a:avLst/>
+          </a:prstGeom>
+        </p:spPr>
+        <p:txBody>
+          <a:bodyPr spcFirstLastPara="1" wrap="square" lIns="91425" tIns="91425" rIns="91425" bIns="91425" anchor="t" anchorCtr="0">
+            <a:noAutofit/>
+          </a:bodyPr>
+          <a:lstStyle/>
+          <a:p>
+            <a:pPr marL="0" lvl="0" indent="0" algn="l" rtl="0">
+              <a:spcBef>
+                <a:spcPts val="0"/>
+              </a:spcBef>
+              <a:spcAft>
+                <a:spcPts val="0"/>
+              </a:spcAft>
+              <a:buNone/>
+            </a:pPr>
+            <a:endParaRPr/>
+          </a:p>
+        </p:txBody>
+      </p:sp>
+      <p:sp>
+        <p:nvSpPr>
+          <p:cNvPr id="479" name="Google Shape;479;p33:notes"/>
+          <p:cNvSpPr>
+            <a:spLocks noGrp="1" noRot="1" noChangeAspect="1"/>
+          </p:cNvSpPr>
+          <p:nvPr>
+            <p:ph type="sldImg" idx="2"/>
+          </p:nvPr>
+        </p:nvSpPr>
+        <p:spPr>
+          <a:xfrm>
+            <a:off x="381000" y="685800"/>
+            <a:ext cx="6096000" cy="3429000"/>
+          </a:xfrm>
+          <a:custGeom>
+            <a:avLst/>
+            <a:gdLst/>
+            <a:ahLst/>
+            <a:cxnLst/>
+            <a:rect l="l" t="t" r="r" b="b"/>
+            <a:pathLst>
+              <a:path w="120000" h="120000" extrusionOk="0">
+                <a:moveTo>
+                  <a:pt x="0" y="0"/>
+                </a:moveTo>
+                <a:lnTo>
+                  <a:pt x="120000" y="0"/>
+                </a:lnTo>
+                <a:lnTo>
+                  <a:pt x="120000" y="120000"/>
+                </a:lnTo>
+                <a:lnTo>
+                  <a:pt x="0" y="120000"/>
+                </a:lnTo>
+                <a:close/>
+              </a:path>
+            </a:pathLst>
+          </a:custGeom>
+        </p:spPr>
+      </p:sp>
+    </p:spTree>
+  </p:cSld>
+  <p:clrMapOvr>
+    <a:masterClrMapping/>
+  </p:clrMapOvr>
+</p:notes>
+</file>
+
+<file path=ppt/notesSlides/notesSlide4.xml><?xml version="1.0" encoding="utf-8"?>
+<p:notes xmlns:a="http://schemas.openxmlformats.org/drawingml/2006/main" xmlns:r="http://schemas.openxmlformats.org/officeDocument/2006/relationships" xmlns:p="http://schemas.openxmlformats.org/presentationml/2006/main" showMasterSp="0" showMasterPhAnim="0">
+  <p:cSld>
+    <p:spTree>
+      <p:nvGrpSpPr>
+        <p:cNvPr id="1" name="Shape 486"/>
+        <p:cNvGrpSpPr/>
+        <p:nvPr/>
+      </p:nvGrpSpPr>
+      <p:grpSpPr>
+        <a:xfrm>
+          <a:off x="0" y="0"/>
+          <a:ext cx="0" cy="0"/>
+          <a:chOff x="0" y="0"/>
+          <a:chExt cx="0" cy="0"/>
+        </a:xfrm>
+      </p:grpSpPr>
+      <p:sp>
+        <p:nvSpPr>
+          <p:cNvPr id="487" name="Google Shape;487;p34:notes"/>
+          <p:cNvSpPr txBox="1">
+            <a:spLocks noGrp="1"/>
+          </p:cNvSpPr>
+          <p:nvPr>
+            <p:ph type="body" idx="1"/>
+          </p:nvPr>
+        </p:nvSpPr>
+        <p:spPr>
+          <a:xfrm>
+            <a:off x="685800" y="4343400"/>
+            <a:ext cx="5486400" cy="4114800"/>
+          </a:xfrm>
+          <a:prstGeom prst="rect">
+            <a:avLst/>
+          </a:prstGeom>
+        </p:spPr>
+        <p:txBody>
+          <a:bodyPr spcFirstLastPara="1" wrap="square" lIns="91425" tIns="91425" rIns="91425" bIns="91425" anchor="t" anchorCtr="0">
+            <a:noAutofit/>
+          </a:bodyPr>
+          <a:lstStyle/>
+          <a:p>
+            <a:pPr marL="0" lvl="0" indent="0" algn="l" rtl="0">
+              <a:spcBef>
+                <a:spcPts val="0"/>
+              </a:spcBef>
+              <a:spcAft>
+                <a:spcPts val="0"/>
+              </a:spcAft>
+              <a:buNone/>
+            </a:pPr>
+            <a:endParaRPr/>
+          </a:p>
+        </p:txBody>
+      </p:sp>
+      <p:sp>
+        <p:nvSpPr>
+          <p:cNvPr id="488" name="Google Shape;488;p34:notes"/>
+          <p:cNvSpPr>
+            <a:spLocks noGrp="1" noRot="1" noChangeAspect="1"/>
+          </p:cNvSpPr>
+          <p:nvPr>
+            <p:ph type="sldImg" idx="2"/>
+          </p:nvPr>
+        </p:nvSpPr>
+        <p:spPr>
+          <a:xfrm>
+            <a:off x="381000" y="685800"/>
+            <a:ext cx="6096000" cy="3429000"/>
+          </a:xfrm>
+          <a:custGeom>
+            <a:avLst/>
+            <a:gdLst/>
+            <a:ahLst/>
+            <a:cxnLst/>
+            <a:rect l="l" t="t" r="r" b="b"/>
+            <a:pathLst>
+              <a:path w="120000" h="120000" extrusionOk="0">
+                <a:moveTo>
+                  <a:pt x="0" y="0"/>
+                </a:moveTo>
+                <a:lnTo>
+                  <a:pt x="120000" y="0"/>
+                </a:lnTo>
+                <a:lnTo>
+                  <a:pt x="120000" y="120000"/>
+                </a:lnTo>
+                <a:lnTo>
+                  <a:pt x="0" y="120000"/>
+                </a:lnTo>
+                <a:close/>
+              </a:path>
+            </a:pathLst>
+          </a:custGeom>
+        </p:spPr>
+      </p:sp>
+    </p:spTree>
+  </p:cSld>
+  <p:clrMapOvr>
+    <a:masterClrMapping/>
+  </p:clrMapOvr>
+</p:notes>
+</file>
+
+<file path=ppt/notesSlides/notesSlide5.xml><?xml version="1.0" encoding="utf-8"?>
+<p:notes xmlns:a="http://schemas.openxmlformats.org/drawingml/2006/main" xmlns:r="http://schemas.openxmlformats.org/officeDocument/2006/relationships" xmlns:p="http://schemas.openxmlformats.org/presentationml/2006/main" showMasterSp="0" showMasterPhAnim="0">
+  <p:cSld>
+    <p:spTree>
+      <p:nvGrpSpPr>
+        <p:cNvPr id="1" name="Shape 495"/>
+        <p:cNvGrpSpPr/>
+        <p:nvPr/>
+      </p:nvGrpSpPr>
+      <p:grpSpPr>
+        <a:xfrm>
+          <a:off x="0" y="0"/>
+          <a:ext cx="0" cy="0"/>
+          <a:chOff x="0" y="0"/>
+          <a:chExt cx="0" cy="0"/>
+        </a:xfrm>
+      </p:grpSpPr>
+      <p:sp>
+        <p:nvSpPr>
+          <p:cNvPr id="496" name="Google Shape;496;p35:notes"/>
+          <p:cNvSpPr txBox="1">
+            <a:spLocks noGrp="1"/>
+          </p:cNvSpPr>
+          <p:nvPr>
+            <p:ph type="body" idx="1"/>
+          </p:nvPr>
+        </p:nvSpPr>
+        <p:spPr>
+          <a:xfrm>
+            <a:off x="685800" y="4343400"/>
+            <a:ext cx="5486400" cy="4114800"/>
+          </a:xfrm>
+          <a:prstGeom prst="rect">
+            <a:avLst/>
+          </a:prstGeom>
+        </p:spPr>
+        <p:txBody>
+          <a:bodyPr spcFirstLastPara="1" wrap="square" lIns="91425" tIns="91425" rIns="91425" bIns="91425" anchor="t" anchorCtr="0">
+            <a:noAutofit/>
+          </a:bodyPr>
+          <a:lstStyle/>
+          <a:p>
+            <a:pPr marL="0" lvl="0" indent="0" algn="l" rtl="0">
+              <a:spcBef>
+                <a:spcPts val="0"/>
+              </a:spcBef>
+              <a:spcAft>
+                <a:spcPts val="0"/>
+              </a:spcAft>
+              <a:buNone/>
+            </a:pPr>
+            <a:endParaRPr/>
+          </a:p>
+        </p:txBody>
+      </p:sp>
+      <p:sp>
+        <p:nvSpPr>
+          <p:cNvPr id="497" name="Google Shape;497;p35:notes"/>
+          <p:cNvSpPr>
+            <a:spLocks noGrp="1" noRot="1" noChangeAspect="1"/>
+          </p:cNvSpPr>
+          <p:nvPr>
+            <p:ph type="sldImg" idx="2"/>
+          </p:nvPr>
+        </p:nvSpPr>
+        <p:spPr>
+          <a:xfrm>
+            <a:off x="381000" y="685800"/>
+            <a:ext cx="6096000" cy="3429000"/>
+          </a:xfrm>
+          <a:custGeom>
+            <a:avLst/>
+            <a:gdLst/>
+            <a:ahLst/>
+            <a:cxnLst/>
+            <a:rect l="l" t="t" r="r" b="b"/>
+            <a:pathLst>
+              <a:path w="120000" h="120000" extrusionOk="0">
+                <a:moveTo>
+                  <a:pt x="0" y="0"/>
+                </a:moveTo>
+                <a:lnTo>
+                  <a:pt x="120000" y="0"/>
+                </a:lnTo>
+                <a:lnTo>
+                  <a:pt x="120000" y="120000"/>
+                </a:lnTo>
+                <a:lnTo>
+                  <a:pt x="0" y="120000"/>
+                </a:lnTo>
+                <a:close/>
+              </a:path>
+            </a:pathLst>
+          </a:custGeom>
+        </p:spPr>
+      </p:sp>
+    </p:spTree>
+  </p:cSld>
+  <p:clrMapOvr>
+    <a:masterClrMapping/>
+  </p:clrMapOvr>
+</p:notes>
+</file>
+
+<file path=ppt/notesSlides/notesSlide6.xml><?xml version="1.0" encoding="utf-8"?>
+<p:notes xmlns:a="http://schemas.openxmlformats.org/drawingml/2006/main" xmlns:r="http://schemas.openxmlformats.org/officeDocument/2006/relationships" xmlns:p="http://schemas.openxmlformats.org/presentationml/2006/main" showMasterSp="0" showMasterPhAnim="0">
+  <p:cSld>
+    <p:spTree>
+      <p:nvGrpSpPr>
+        <p:cNvPr id="1" name="Shape 503"/>
+        <p:cNvGrpSpPr/>
+        <p:nvPr/>
+      </p:nvGrpSpPr>
+      <p:grpSpPr>
+        <a:xfrm>
+          <a:off x="0" y="0"/>
+          <a:ext cx="0" cy="0"/>
+          <a:chOff x="0" y="0"/>
+          <a:chExt cx="0" cy="0"/>
+        </a:xfrm>
+      </p:grpSpPr>
+      <p:sp>
+        <p:nvSpPr>
+          <p:cNvPr id="504" name="Google Shape;504;p36:notes"/>
+          <p:cNvSpPr txBox="1">
+            <a:spLocks noGrp="1"/>
+          </p:cNvSpPr>
+          <p:nvPr>
+            <p:ph type="body" idx="1"/>
+          </p:nvPr>
+        </p:nvSpPr>
+        <p:spPr>
+          <a:xfrm>
+            <a:off x="685800" y="4343400"/>
+            <a:ext cx="5486400" cy="4114800"/>
+          </a:xfrm>
+          <a:prstGeom prst="rect">
+            <a:avLst/>
+          </a:prstGeom>
+        </p:spPr>
+        <p:txBody>
+          <a:bodyPr spcFirstLastPara="1" wrap="square" lIns="91425" tIns="91425" rIns="91425" bIns="91425" anchor="t" anchorCtr="0">
+            <a:noAutofit/>
+          </a:bodyPr>
+          <a:lstStyle/>
+          <a:p>
+            <a:pPr marL="0" lvl="0" indent="0" algn="l" rtl="0">
+              <a:spcBef>
+                <a:spcPts val="0"/>
+              </a:spcBef>
+              <a:spcAft>
+                <a:spcPts val="0"/>
+              </a:spcAft>
+              <a:buNone/>
+            </a:pPr>
+            <a:endParaRPr/>
+          </a:p>
+        </p:txBody>
+      </p:sp>
+      <p:sp>
+        <p:nvSpPr>
+          <p:cNvPr id="505" name="Google Shape;505;p36:notes"/>
+          <p:cNvSpPr>
+            <a:spLocks noGrp="1" noRot="1" noChangeAspect="1"/>
+          </p:cNvSpPr>
+          <p:nvPr>
+            <p:ph type="sldImg" idx="2"/>
+          </p:nvPr>
+        </p:nvSpPr>
+        <p:spPr>
+          <a:xfrm>
+            <a:off x="381000" y="685800"/>
+            <a:ext cx="6096000" cy="3429000"/>
+          </a:xfrm>
+          <a:custGeom>
+            <a:avLst/>
+            <a:gdLst/>
+            <a:ahLst/>
+            <a:cxnLst/>
+            <a:rect l="l" t="t" r="r" b="b"/>
+            <a:pathLst>
+              <a:path w="120000" h="120000" extrusionOk="0">
+                <a:moveTo>
+                  <a:pt x="0" y="0"/>
+                </a:moveTo>
+                <a:lnTo>
+                  <a:pt x="120000" y="0"/>
+                </a:lnTo>
+                <a:lnTo>
+                  <a:pt x="120000" y="120000"/>
+                </a:lnTo>
+                <a:lnTo>
+                  <a:pt x="0" y="120000"/>
+                </a:lnTo>
+                <a:close/>
+              </a:path>
+            </a:pathLst>
+          </a:custGeom>
+        </p:spPr>
+      </p:sp>
+    </p:spTree>
+  </p:cSld>
+  <p:clrMapOvr>
+    <a:masterClrMapping/>
+  </p:clrMapOvr>
+</p:notes>
+</file>
+
+<file path=ppt/notesSlides/notesSlide7.xml><?xml version="1.0" encoding="utf-8"?>
+<p:notes xmlns:a="http://schemas.openxmlformats.org/drawingml/2006/main" xmlns:r="http://schemas.openxmlformats.org/officeDocument/2006/relationships" xmlns:p="http://schemas.openxmlformats.org/presentationml/2006/main" showMasterSp="0" showMasterPhAnim="0">
+  <p:cSld>
+    <p:spTree>
+      <p:nvGrpSpPr>
+        <p:cNvPr id="1" name="Shape 514"/>
+        <p:cNvGrpSpPr/>
+        <p:nvPr/>
+      </p:nvGrpSpPr>
+      <p:grpSpPr>
+        <a:xfrm>
+          <a:off x="0" y="0"/>
+          <a:ext cx="0" cy="0"/>
+          <a:chOff x="0" y="0"/>
+          <a:chExt cx="0" cy="0"/>
+        </a:xfrm>
+      </p:grpSpPr>
+      <p:sp>
+        <p:nvSpPr>
+          <p:cNvPr id="515" name="Google Shape;515;p37:notes"/>
+          <p:cNvSpPr txBox="1">
+            <a:spLocks noGrp="1"/>
+          </p:cNvSpPr>
+          <p:nvPr>
+            <p:ph type="body" idx="1"/>
+          </p:nvPr>
+        </p:nvSpPr>
+        <p:spPr>
+          <a:xfrm>
+            <a:off x="685800" y="4343400"/>
+            <a:ext cx="5486400" cy="4114800"/>
+          </a:xfrm>
+          <a:prstGeom prst="rect">
+            <a:avLst/>
+          </a:prstGeom>
+        </p:spPr>
+        <p:txBody>
+          <a:bodyPr spcFirstLastPara="1" wrap="square" lIns="91425" tIns="91425" rIns="91425" bIns="91425" anchor="t" anchorCtr="0">
+            <a:noAutofit/>
+          </a:bodyPr>
+          <a:lstStyle/>
+          <a:p>
+            <a:pPr marL="0" lvl="0" indent="0" algn="l" rtl="0">
+              <a:spcBef>
+                <a:spcPts val="0"/>
+              </a:spcBef>
+              <a:spcAft>
+                <a:spcPts val="0"/>
+              </a:spcAft>
+              <a:buNone/>
+            </a:pPr>
+            <a:endParaRPr/>
+          </a:p>
+        </p:txBody>
+      </p:sp>
+      <p:sp>
+        <p:nvSpPr>
+          <p:cNvPr id="516" name="Google Shape;516;p37:notes"/>
+          <p:cNvSpPr>
+            <a:spLocks noGrp="1" noRot="1" noChangeAspect="1"/>
+          </p:cNvSpPr>
+          <p:nvPr>
+            <p:ph type="sldImg" idx="2"/>
+          </p:nvPr>
+        </p:nvSpPr>
+        <p:spPr>
+          <a:xfrm>
+            <a:off x="381000" y="685800"/>
+            <a:ext cx="6096000" cy="3429000"/>
+          </a:xfrm>
+          <a:custGeom>
+            <a:avLst/>
+            <a:gdLst/>
+            <a:ahLst/>
+            <a:cxnLst/>
+            <a:rect l="l" t="t" r="r" b="b"/>
+            <a:pathLst>
+              <a:path w="120000" h="120000" extrusionOk="0">
+                <a:moveTo>
+                  <a:pt x="0" y="0"/>
+                </a:moveTo>
+                <a:lnTo>
+                  <a:pt x="120000" y="0"/>
+                </a:lnTo>
+                <a:lnTo>
+                  <a:pt x="120000" y="120000"/>
+                </a:lnTo>
+                <a:lnTo>
+                  <a:pt x="0" y="120000"/>
+                </a:lnTo>
+                <a:close/>
+              </a:path>
+            </a:pathLst>
+          </a:custGeom>
+        </p:spPr>
+      </p:sp>
+    </p:spTree>
+  </p:cSld>
+  <p:clrMapOvr>
+    <a:masterClrMapping/>
+  </p:clrMapOvr>
+</p:notes>
+</file>
+
+<file path=ppt/notesSlides/notesSlide8.xml><?xml version="1.0" encoding="utf-8"?>
+<p:notes xmlns:a="http://schemas.openxmlformats.org/drawingml/2006/main" xmlns:r="http://schemas.openxmlformats.org/officeDocument/2006/relationships" xmlns:p="http://schemas.openxmlformats.org/presentationml/2006/main" showMasterSp="0" showMasterPhAnim="0">
+  <p:cSld>
+    <p:spTree>
+      <p:nvGrpSpPr>
+        <p:cNvPr id="1" name="Shape 523"/>
+        <p:cNvGrpSpPr/>
+        <p:nvPr/>
+      </p:nvGrpSpPr>
+      <p:grpSpPr>
+        <a:xfrm>
+          <a:off x="0" y="0"/>
+          <a:ext cx="0" cy="0"/>
+          <a:chOff x="0" y="0"/>
+          <a:chExt cx="0" cy="0"/>
+        </a:xfrm>
+      </p:grpSpPr>
+      <p:sp>
+        <p:nvSpPr>
+          <p:cNvPr id="524" name="Google Shape;524;p38:notes"/>
+          <p:cNvSpPr txBox="1">
+            <a:spLocks noGrp="1"/>
+          </p:cNvSpPr>
+          <p:nvPr>
+            <p:ph type="body" idx="1"/>
+          </p:nvPr>
+        </p:nvSpPr>
+        <p:spPr>
+          <a:xfrm>
+            <a:off x="685800" y="4343400"/>
+            <a:ext cx="5486400" cy="4114800"/>
+          </a:xfrm>
+          <a:prstGeom prst="rect">
+            <a:avLst/>
+          </a:prstGeom>
+        </p:spPr>
+        <p:txBody>
+          <a:bodyPr spcFirstLastPara="1" wrap="square" lIns="91425" tIns="91425" rIns="91425" bIns="91425" anchor="t" anchorCtr="0">
+            <a:noAutofit/>
+          </a:bodyPr>
+          <a:lstStyle/>
+          <a:p>
+            <a:pPr marL="0" lvl="0" indent="0" algn="l" rtl="0">
+              <a:spcBef>
+                <a:spcPts val="0"/>
+              </a:spcBef>
+              <a:spcAft>
+                <a:spcPts val="0"/>
+              </a:spcAft>
+              <a:buNone/>
+            </a:pPr>
+            <a:endParaRPr/>
+          </a:p>
+        </p:txBody>
+      </p:sp>
+      <p:sp>
+        <p:nvSpPr>
+          <p:cNvPr id="525" name="Google Shape;525;p38:notes"/>
+          <p:cNvSpPr>
+            <a:spLocks noGrp="1" noRot="1" noChangeAspect="1"/>
+          </p:cNvSpPr>
+          <p:nvPr>
+            <p:ph type="sldImg" idx="2"/>
+          </p:nvPr>
+        </p:nvSpPr>
+        <p:spPr>
+          <a:xfrm>
+            <a:off x="381000" y="685800"/>
+            <a:ext cx="6096000" cy="3429000"/>
+          </a:xfrm>
+          <a:custGeom>
+            <a:avLst/>
+            <a:gdLst/>
+            <a:ahLst/>
+            <a:cxnLst/>
+            <a:rect l="l" t="t" r="r" b="b"/>
+            <a:pathLst>
+              <a:path w="120000" h="120000" extrusionOk="0">
+                <a:moveTo>
+                  <a:pt x="0" y="0"/>
+                </a:moveTo>
+                <a:lnTo>
+                  <a:pt x="120000" y="0"/>
+                </a:lnTo>
+                <a:lnTo>
+                  <a:pt x="120000" y="120000"/>
+                </a:lnTo>
+                <a:lnTo>
+                  <a:pt x="0" y="120000"/>
+                </a:lnTo>
+                <a:close/>
+              </a:path>
+            </a:pathLst>
+          </a:custGeom>
+        </p:spPr>
+      </p:sp>
+    </p:spTree>
+  </p:cSld>
+  <p:clrMapOvr>
+    <a:masterClrMapping/>
+  </p:clrMapOvr>
+</p:notes>
+</file>
+
+<file path=ppt/notesSlides/notesSlide9.xml><?xml version="1.0" encoding="utf-8"?>
+<p:notes xmlns:a="http://schemas.openxmlformats.org/drawingml/2006/main" xmlns:r="http://schemas.openxmlformats.org/officeDocument/2006/relationships" xmlns:p="http://schemas.openxmlformats.org/presentationml/2006/main" showMasterSp="0" showMasterPhAnim="0">
+  <p:cSld>
+    <p:spTree>
+      <p:nvGrpSpPr>
+        <p:cNvPr id="1" name="Shape 531"/>
+        <p:cNvGrpSpPr/>
+        <p:nvPr/>
+      </p:nvGrpSpPr>
+      <p:grpSpPr>
+        <a:xfrm>
+          <a:off x="0" y="0"/>
+          <a:ext cx="0" cy="0"/>
+          <a:chOff x="0" y="0"/>
+          <a:chExt cx="0" cy="0"/>
+        </a:xfrm>
+      </p:grpSpPr>
+      <p:sp>
+        <p:nvSpPr>
+          <p:cNvPr id="532" name="Google Shape;532;p39:notes"/>
+          <p:cNvSpPr txBox="1">
+            <a:spLocks noGrp="1"/>
+          </p:cNvSpPr>
+          <p:nvPr>
+            <p:ph type="body" idx="1"/>
+          </p:nvPr>
+        </p:nvSpPr>
+        <p:spPr>
+          <a:xfrm>
+            <a:off x="685800" y="4343400"/>
+            <a:ext cx="5486400" cy="4114800"/>
+          </a:xfrm>
+          <a:prstGeom prst="rect">
+            <a:avLst/>
+          </a:prstGeom>
+        </p:spPr>
+        <p:txBody>
+          <a:bodyPr spcFirstLastPara="1" wrap="square" lIns="91425" tIns="91425" rIns="91425" bIns="91425" anchor="t" anchorCtr="0">
+            <a:noAutofit/>
+          </a:bodyPr>
+          <a:lstStyle/>
+          <a:p>
+            <a:pPr marL="0" lvl="0" indent="0" algn="l" rtl="0">
+              <a:spcBef>
+                <a:spcPts val="0"/>
+              </a:spcBef>
+              <a:spcAft>
+                <a:spcPts val="0"/>
+              </a:spcAft>
+              <a:buNone/>
+            </a:pPr>
+            <a:endParaRPr/>
+          </a:p>
+        </p:txBody>
+      </p:sp>
+      <p:sp>
+        <p:nvSpPr>
+          <p:cNvPr id="533" name="Google Shape;533;p39:notes"/>
+          <p:cNvSpPr>
+            <a:spLocks noGrp="1" noRot="1" noChangeAspect="1"/>
+          </p:cNvSpPr>
+          <p:nvPr>
+            <p:ph type="sldImg" idx="2"/>
+          </p:nvPr>
+        </p:nvSpPr>
+        <p:spPr>
+          <a:xfrm>
+            <a:off x="381000" y="685800"/>
+            <a:ext cx="6096000" cy="3429000"/>
+          </a:xfrm>
+          <a:custGeom>
+            <a:avLst/>
+            <a:gdLst/>
+            <a:ahLst/>
+            <a:cxnLst/>
+            <a:rect l="l" t="t" r="r" b="b"/>
+            <a:pathLst>
+              <a:path w="120000" h="120000" extrusionOk="0">
+                <a:moveTo>
+                  <a:pt x="0" y="0"/>
+                </a:moveTo>
+                <a:lnTo>
+                  <a:pt x="120000" y="0"/>
+                </a:lnTo>
+                <a:lnTo>
+                  <a:pt x="120000" y="120000"/>
+                </a:lnTo>
+                <a:lnTo>
+                  <a:pt x="0" y="120000"/>
+                </a:lnTo>
+                <a:close/>
+              </a:path>
+            </a:pathLst>
+          </a:custGeom>
+        </p:spPr>
+      </p:sp>
+    </p:spTree>
+  </p:cSld>
+  <p:clrMapOvr>
+    <a:masterClrMapping/>
+  </p:clrMapOvr>
+</p:notes>
+</file>
+
 <file path=ppt/slideLayouts/slideLayout1.xml><?xml version="1.0" encoding="utf-8"?>
 <p:sldLayout xmlns:a="http://schemas.openxmlformats.org/drawingml/2006/main" xmlns:r="http://schemas.openxmlformats.org/officeDocument/2006/relationships" xmlns:p="http://schemas.openxmlformats.org/presentationml/2006/main" type="title" preserve="1">
   <p:cSld name="Title Slide">
@@ -759,7 +5064,7 @@
           <a:p>
             <a:fld id="{76969C88-B244-455D-A017-012B25B1ACDD}" type="datetimeFigureOut">
               <a:rPr lang="en-US" smtClean="0"/>
-              <a:t>8/4/2023</a:t>
+              <a:t>8/28/2023</a:t>
             </a:fld>
             <a:endParaRPr lang="en-US"/>
           </a:p>
@@ -1058,7 +5363,7 @@
             <a:fld id="{76969C88-B244-455D-A017-012B25B1ACDD}" type="datetimeFigureOut">
               <a:rPr lang="en-US" smtClean="0"/>
               <a:pPr/>
-              <a:t>8/4/2023</a:t>
+              <a:t>8/28/2023</a:t>
             </a:fld>
             <a:endParaRPr lang="en-US"/>
           </a:p>
@@ -1252,7 +5557,7 @@
             <a:fld id="{76969C88-B244-455D-A017-012B25B1ACDD}" type="datetimeFigureOut">
               <a:rPr lang="en-US" smtClean="0"/>
               <a:pPr/>
-              <a:t>8/4/2023</a:t>
+              <a:t>8/28/2023</a:t>
             </a:fld>
             <a:endParaRPr lang="en-US"/>
           </a:p>
@@ -1515,7 +5820,7 @@
             <a:fld id="{76969C88-B244-455D-A017-012B25B1ACDD}" type="datetimeFigureOut">
               <a:rPr lang="en-US" smtClean="0"/>
               <a:pPr/>
-              <a:t>8/4/2023</a:t>
+              <a:t>8/28/2023</a:t>
             </a:fld>
             <a:endParaRPr lang="en-US"/>
           </a:p>
@@ -1941,7 +6246,7 @@
             <a:fld id="{76969C88-B244-455D-A017-012B25B1ACDD}" type="datetimeFigureOut">
               <a:rPr lang="en-US" smtClean="0"/>
               <a:pPr/>
-              <a:t>8/4/2023</a:t>
+              <a:t>8/28/2023</a:t>
             </a:fld>
             <a:endParaRPr lang="en-US"/>
           </a:p>
@@ -2480,7 +6785,7 @@
             <a:fld id="{76969C88-B244-455D-A017-012B25B1ACDD}" type="datetimeFigureOut">
               <a:rPr lang="en-US" smtClean="0"/>
               <a:pPr/>
-              <a:t>8/4/2023</a:t>
+              <a:t>8/28/2023</a:t>
             </a:fld>
             <a:endParaRPr lang="en-US"/>
           </a:p>
@@ -3346,7 +7651,7 @@
             <a:fld id="{76969C88-B244-455D-A017-012B25B1ACDD}" type="datetimeFigureOut">
               <a:rPr lang="en-US" smtClean="0"/>
               <a:pPr/>
-              <a:t>8/4/2023</a:t>
+              <a:t>8/28/2023</a:t>
             </a:fld>
             <a:endParaRPr lang="en-US"/>
           </a:p>
@@ -3517,7 +7822,7 @@
           <a:p>
             <a:fld id="{76969C88-B244-455D-A017-012B25B1ACDD}" type="datetimeFigureOut">
               <a:rPr lang="en-US" smtClean="0"/>
-              <a:t>8/4/2023</a:t>
+              <a:t>8/28/2023</a:t>
             </a:fld>
             <a:endParaRPr lang="en-US"/>
           </a:p>
@@ -3701,7 +8006,7 @@
           <a:p>
             <a:fld id="{76969C88-B244-455D-A017-012B25B1ACDD}" type="datetimeFigureOut">
               <a:rPr lang="en-US" smtClean="0"/>
-              <a:t>8/4/2023</a:t>
+              <a:t>8/28/2023</a:t>
             </a:fld>
             <a:endParaRPr lang="en-US"/>
           </a:p>
@@ -3871,7 +8176,7 @@
           <a:p>
             <a:fld id="{76969C88-B244-455D-A017-012B25B1ACDD}" type="datetimeFigureOut">
               <a:rPr lang="en-US" smtClean="0"/>
-              <a:t>8/4/2023</a:t>
+              <a:t>8/28/2023</a:t>
             </a:fld>
             <a:endParaRPr lang="en-US"/>
           </a:p>
@@ -4115,7 +8420,7 @@
           <a:p>
             <a:fld id="{76969C88-B244-455D-A017-012B25B1ACDD}" type="datetimeFigureOut">
               <a:rPr lang="en-US" smtClean="0"/>
-              <a:t>8/4/2023</a:t>
+              <a:t>8/28/2023</a:t>
             </a:fld>
             <a:endParaRPr lang="en-US"/>
           </a:p>
@@ -4351,7 +8656,7 @@
           <a:p>
             <a:fld id="{76969C88-B244-455D-A017-012B25B1ACDD}" type="datetimeFigureOut">
               <a:rPr lang="en-US" smtClean="0"/>
-              <a:t>8/4/2023</a:t>
+              <a:t>8/28/2023</a:t>
             </a:fld>
             <a:endParaRPr lang="en-US"/>
           </a:p>
@@ -4817,7 +9122,7 @@
           <a:p>
             <a:fld id="{76969C88-B244-455D-A017-012B25B1ACDD}" type="datetimeFigureOut">
               <a:rPr lang="en-US" smtClean="0"/>
-              <a:t>8/4/2023</a:t>
+              <a:t>8/28/2023</a:t>
             </a:fld>
             <a:endParaRPr lang="en-US"/>
           </a:p>
@@ -4935,7 +9240,7 @@
           <a:p>
             <a:fld id="{76969C88-B244-455D-A017-012B25B1ACDD}" type="datetimeFigureOut">
               <a:rPr lang="en-US" smtClean="0"/>
-              <a:t>8/4/2023</a:t>
+              <a:t>8/28/2023</a:t>
             </a:fld>
             <a:endParaRPr lang="en-US"/>
           </a:p>
@@ -5030,7 +9335,7 @@
           <a:p>
             <a:fld id="{76969C88-B244-455D-A017-012B25B1ACDD}" type="datetimeFigureOut">
               <a:rPr lang="en-US" smtClean="0"/>
-              <a:t>8/4/2023</a:t>
+              <a:t>8/28/2023</a:t>
             </a:fld>
             <a:endParaRPr lang="en-US"/>
           </a:p>
@@ -5285,7 +9590,7 @@
           <a:p>
             <a:fld id="{76969C88-B244-455D-A017-012B25B1ACDD}" type="datetimeFigureOut">
               <a:rPr lang="en-US" smtClean="0"/>
-              <a:t>8/4/2023</a:t>
+              <a:t>8/28/2023</a:t>
             </a:fld>
             <a:endParaRPr lang="en-US"/>
           </a:p>
@@ -5585,7 +9890,7 @@
           <a:p>
             <a:fld id="{76969C88-B244-455D-A017-012B25B1ACDD}" type="datetimeFigureOut">
               <a:rPr lang="en-US" smtClean="0"/>
-              <a:t>8/4/2023</a:t>
+              <a:t>8/28/2023</a:t>
             </a:fld>
             <a:endParaRPr lang="en-US"/>
           </a:p>
@@ -5820,7 +10125,7 @@
             <a:fld id="{76969C88-B244-455D-A017-012B25B1ACDD}" type="datetimeFigureOut">
               <a:rPr lang="en-US" smtClean="0"/>
               <a:pPr/>
-              <a:t>8/4/2023</a:t>
+              <a:t>8/28/2023</a:t>
             </a:fld>
             <a:endParaRPr lang="en-US"/>
           </a:p>
@@ -6629,6 +10934,4312 @@
 </p:sld>
 </file>
 
+<file path=ppt/slides/slide10.xml><?xml version="1.0" encoding="utf-8"?>
+<p:sld xmlns:a="http://schemas.openxmlformats.org/drawingml/2006/main" xmlns:r="http://schemas.openxmlformats.org/officeDocument/2006/relationships" xmlns:p="http://schemas.openxmlformats.org/presentationml/2006/main">
+  <p:cSld>
+    <p:spTree>
+      <p:nvGrpSpPr>
+        <p:cNvPr id="1" name="Shape 534"/>
+        <p:cNvGrpSpPr/>
+        <p:nvPr/>
+      </p:nvGrpSpPr>
+      <p:grpSpPr>
+        <a:xfrm>
+          <a:off x="0" y="0"/>
+          <a:ext cx="0" cy="0"/>
+          <a:chOff x="0" y="0"/>
+          <a:chExt cx="0" cy="0"/>
+        </a:xfrm>
+      </p:grpSpPr>
+      <p:sp>
+        <p:nvSpPr>
+          <p:cNvPr id="535" name="Google Shape;535;p39"/>
+          <p:cNvSpPr txBox="1">
+            <a:spLocks noGrp="1"/>
+          </p:cNvSpPr>
+          <p:nvPr>
+            <p:ph type="title"/>
+          </p:nvPr>
+        </p:nvSpPr>
+        <p:spPr>
+          <a:xfrm>
+            <a:off x="1358590" y="365125"/>
+            <a:ext cx="9995210" cy="1344148"/>
+          </a:xfrm>
+          <a:prstGeom prst="rect">
+            <a:avLst/>
+          </a:prstGeom>
+          <a:noFill/>
+          <a:ln>
+            <a:noFill/>
+          </a:ln>
+        </p:spPr>
+        <p:txBody>
+          <a:bodyPr spcFirstLastPara="1" wrap="square" lIns="91425" tIns="45700" rIns="91425" bIns="45700" anchor="ctr" anchorCtr="0">
+            <a:normAutofit/>
+          </a:bodyPr>
+          <a:lstStyle/>
+          <a:p>
+            <a:pPr marL="0" lvl="0" indent="0" algn="ctr" rtl="0">
+              <a:lnSpc>
+                <a:spcPct val="90000"/>
+              </a:lnSpc>
+              <a:spcBef>
+                <a:spcPts val="0"/>
+              </a:spcBef>
+              <a:spcAft>
+                <a:spcPts val="0"/>
+              </a:spcAft>
+              <a:buClr>
+                <a:schemeClr val="dk1"/>
+              </a:buClr>
+              <a:buSzPts val="3600"/>
+              <a:buFont typeface="Twentieth Century"/>
+              <a:buNone/>
+            </a:pPr>
+            <a:r>
+              <a:rPr lang="en-IE"/>
+              <a:t>TEST CASES</a:t>
+            </a:r>
+            <a:endParaRPr/>
+          </a:p>
+        </p:txBody>
+      </p:sp>
+      <p:sp>
+        <p:nvSpPr>
+          <p:cNvPr id="536" name="Google Shape;536;p39"/>
+          <p:cNvSpPr txBox="1">
+            <a:spLocks noGrp="1"/>
+          </p:cNvSpPr>
+          <p:nvPr>
+            <p:ph type="body" idx="1"/>
+          </p:nvPr>
+        </p:nvSpPr>
+        <p:spPr>
+          <a:xfrm>
+            <a:off x="838200" y="1424984"/>
+            <a:ext cx="10515600" cy="2464924"/>
+          </a:xfrm>
+          <a:prstGeom prst="rect">
+            <a:avLst/>
+          </a:prstGeom>
+          <a:noFill/>
+          <a:ln>
+            <a:noFill/>
+          </a:ln>
+        </p:spPr>
+        <p:txBody>
+          <a:bodyPr spcFirstLastPara="1" wrap="square" lIns="91425" tIns="45700" rIns="91425" bIns="45700" anchor="t" anchorCtr="0">
+            <a:normAutofit fontScale="77500" lnSpcReduction="20000"/>
+          </a:bodyPr>
+          <a:lstStyle/>
+          <a:p>
+            <a:pPr marL="0" lvl="0" indent="0" algn="ctr" rtl="0">
+              <a:lnSpc>
+                <a:spcPct val="120000"/>
+              </a:lnSpc>
+              <a:spcBef>
+                <a:spcPts val="0"/>
+              </a:spcBef>
+              <a:spcAft>
+                <a:spcPts val="0"/>
+              </a:spcAft>
+              <a:buSzPts val="2000"/>
+              <a:buNone/>
+            </a:pPr>
+            <a:r>
+              <a:rPr lang="en-GB" sz="3000" dirty="0"/>
+              <a:t>Do you know why the test failed?</a:t>
+            </a:r>
+          </a:p>
+          <a:p>
+            <a:pPr marL="0" lvl="0" indent="0" algn="ctr" rtl="0">
+              <a:lnSpc>
+                <a:spcPct val="120000"/>
+              </a:lnSpc>
+              <a:spcBef>
+                <a:spcPts val="1000"/>
+              </a:spcBef>
+              <a:spcAft>
+                <a:spcPts val="0"/>
+              </a:spcAft>
+              <a:buSzPts val="2000"/>
+              <a:buNone/>
+            </a:pPr>
+            <a:r>
+              <a:rPr lang="en-GB" sz="3000" dirty="0"/>
+              <a:t>There was a </a:t>
+            </a:r>
+            <a:r>
+              <a:rPr lang="en-GB" sz="3000" b="1" dirty="0"/>
+              <a:t>logic error</a:t>
+            </a:r>
+            <a:r>
+              <a:rPr lang="en-GB" sz="3000" dirty="0"/>
+              <a:t> in the code.</a:t>
+            </a:r>
+          </a:p>
+          <a:p>
+            <a:pPr marL="0" lvl="0" indent="0" algn="ctr" rtl="0">
+              <a:lnSpc>
+                <a:spcPct val="120000"/>
+              </a:lnSpc>
+              <a:spcBef>
+                <a:spcPts val="1000"/>
+              </a:spcBef>
+              <a:spcAft>
+                <a:spcPts val="0"/>
+              </a:spcAft>
+              <a:buSzPts val="2000"/>
+              <a:buNone/>
+            </a:pPr>
+            <a:r>
+              <a:rPr lang="en-GB" sz="3000" dirty="0"/>
+              <a:t>Even though the test failed, we still consider this a good thing.</a:t>
+            </a:r>
+          </a:p>
+          <a:p>
+            <a:pPr marL="0" lvl="0" indent="0" algn="ctr" rtl="0">
+              <a:lnSpc>
+                <a:spcPct val="120000"/>
+              </a:lnSpc>
+              <a:spcBef>
+                <a:spcPts val="1000"/>
+              </a:spcBef>
+              <a:spcAft>
+                <a:spcPts val="0"/>
+              </a:spcAft>
+              <a:buSzPts val="2000"/>
+              <a:buNone/>
+            </a:pPr>
+            <a:r>
+              <a:rPr lang="en-GB" sz="3000" dirty="0"/>
+              <a:t>The test let us know that we had an error in our code.</a:t>
+            </a:r>
+          </a:p>
+          <a:p>
+            <a:pPr marL="0" lvl="0" indent="0" algn="ctr" rtl="0">
+              <a:lnSpc>
+                <a:spcPct val="120000"/>
+              </a:lnSpc>
+              <a:spcBef>
+                <a:spcPts val="1000"/>
+              </a:spcBef>
+              <a:spcAft>
+                <a:spcPts val="0"/>
+              </a:spcAft>
+              <a:buSzPts val="2000"/>
+              <a:buNone/>
+            </a:pPr>
+            <a:r>
+              <a:rPr lang="en-GB" sz="3000" dirty="0"/>
+              <a:t>Do you know what the problem was?</a:t>
+            </a:r>
+          </a:p>
+          <a:p>
+            <a:pPr marL="0" lvl="0" indent="0" algn="ctr" rtl="0">
+              <a:lnSpc>
+                <a:spcPct val="120000"/>
+              </a:lnSpc>
+              <a:spcBef>
+                <a:spcPts val="1000"/>
+              </a:spcBef>
+              <a:spcAft>
+                <a:spcPts val="0"/>
+              </a:spcAft>
+              <a:buSzPts val="2000"/>
+              <a:buNone/>
+            </a:pPr>
+            <a:endParaRPr dirty="0"/>
+          </a:p>
+          <a:p>
+            <a:pPr marL="0" lvl="0" indent="0" algn="ctr" rtl="0">
+              <a:lnSpc>
+                <a:spcPct val="120000"/>
+              </a:lnSpc>
+              <a:spcBef>
+                <a:spcPts val="1000"/>
+              </a:spcBef>
+              <a:spcAft>
+                <a:spcPts val="0"/>
+              </a:spcAft>
+              <a:buSzPts val="2000"/>
+              <a:buNone/>
+            </a:pPr>
+            <a:endParaRPr dirty="0"/>
+          </a:p>
+        </p:txBody>
+      </p:sp>
+      <p:pic>
+        <p:nvPicPr>
+          <p:cNvPr id="537" name="Google Shape;537;p39"/>
+          <p:cNvPicPr preferRelativeResize="0"/>
+          <p:nvPr/>
+        </p:nvPicPr>
+        <p:blipFill rotWithShape="1">
+          <a:blip r:embed="rId3">
+            <a:alphaModFix/>
+          </a:blip>
+          <a:srcRect/>
+          <a:stretch/>
+        </p:blipFill>
+        <p:spPr>
+          <a:xfrm>
+            <a:off x="6984381" y="4606867"/>
+            <a:ext cx="728502" cy="340599"/>
+          </a:xfrm>
+          <a:prstGeom prst="rect">
+            <a:avLst/>
+          </a:prstGeom>
+          <a:noFill/>
+          <a:ln>
+            <a:noFill/>
+          </a:ln>
+        </p:spPr>
+      </p:pic>
+      <p:pic>
+        <p:nvPicPr>
+          <p:cNvPr id="538" name="Google Shape;538;p39"/>
+          <p:cNvPicPr preferRelativeResize="0"/>
+          <p:nvPr/>
+        </p:nvPicPr>
+        <p:blipFill rotWithShape="1">
+          <a:blip r:embed="rId4">
+            <a:alphaModFix/>
+          </a:blip>
+          <a:srcRect/>
+          <a:stretch/>
+        </p:blipFill>
+        <p:spPr>
+          <a:xfrm>
+            <a:off x="6984381" y="4017633"/>
+            <a:ext cx="4369419" cy="328219"/>
+          </a:xfrm>
+          <a:prstGeom prst="rect">
+            <a:avLst/>
+          </a:prstGeom>
+          <a:noFill/>
+          <a:ln>
+            <a:noFill/>
+          </a:ln>
+        </p:spPr>
+      </p:pic>
+      <p:pic>
+        <p:nvPicPr>
+          <p:cNvPr id="539" name="Google Shape;539;p39"/>
+          <p:cNvPicPr preferRelativeResize="0"/>
+          <p:nvPr/>
+        </p:nvPicPr>
+        <p:blipFill rotWithShape="1">
+          <a:blip r:embed="rId5">
+            <a:alphaModFix/>
+          </a:blip>
+          <a:srcRect/>
+          <a:stretch/>
+        </p:blipFill>
+        <p:spPr>
+          <a:xfrm>
+            <a:off x="838200" y="4606867"/>
+            <a:ext cx="633845" cy="342900"/>
+          </a:xfrm>
+          <a:prstGeom prst="rect">
+            <a:avLst/>
+          </a:prstGeom>
+          <a:noFill/>
+          <a:ln>
+            <a:noFill/>
+          </a:ln>
+        </p:spPr>
+      </p:pic>
+      <p:sp>
+        <p:nvSpPr>
+          <p:cNvPr id="540" name="Google Shape;540;p39"/>
+          <p:cNvSpPr txBox="1"/>
+          <p:nvPr/>
+        </p:nvSpPr>
+        <p:spPr>
+          <a:xfrm flipH="1">
+            <a:off x="838200" y="5208481"/>
+            <a:ext cx="10515600" cy="954107"/>
+          </a:xfrm>
+          <a:prstGeom prst="rect">
+            <a:avLst/>
+          </a:prstGeom>
+          <a:noFill/>
+          <a:ln>
+            <a:noFill/>
+          </a:ln>
+        </p:spPr>
+        <p:txBody>
+          <a:bodyPr spcFirstLastPara="1" wrap="square" lIns="91425" tIns="45700" rIns="91425" bIns="45700" anchor="t" anchorCtr="0">
+            <a:spAutoFit/>
+          </a:bodyPr>
+          <a:lstStyle/>
+          <a:p>
+            <a:pPr marL="0" marR="0" lvl="0" indent="0" algn="ctr" rtl="0">
+              <a:spcBef>
+                <a:spcPts val="0"/>
+              </a:spcBef>
+              <a:spcAft>
+                <a:spcPts val="0"/>
+              </a:spcAft>
+              <a:buNone/>
+            </a:pPr>
+            <a:r>
+              <a:rPr lang="en-IE" sz="2800" dirty="0">
+                <a:solidFill>
+                  <a:schemeClr val="dk1"/>
+                </a:solidFill>
+                <a:latin typeface="Twentieth Century"/>
+                <a:ea typeface="Twentieth Century"/>
+                <a:cs typeface="Twentieth Century"/>
+                <a:sym typeface="Twentieth Century"/>
+              </a:rPr>
+              <a:t>Our calculation was missing some brackets! </a:t>
+            </a:r>
+            <a:endParaRPr dirty="0"/>
+          </a:p>
+          <a:p>
+            <a:pPr marL="0" marR="0" lvl="0" indent="0" algn="ctr" rtl="0">
+              <a:spcBef>
+                <a:spcPts val="0"/>
+              </a:spcBef>
+              <a:spcAft>
+                <a:spcPts val="0"/>
+              </a:spcAft>
+              <a:buNone/>
+            </a:pPr>
+            <a:r>
+              <a:rPr lang="en-IE" sz="2800" dirty="0">
+                <a:solidFill>
+                  <a:schemeClr val="dk1"/>
+                </a:solidFill>
+                <a:latin typeface="Twentieth Century"/>
+                <a:ea typeface="Twentieth Century"/>
+                <a:cs typeface="Twentieth Century"/>
+                <a:sym typeface="Twentieth Century"/>
+              </a:rPr>
+              <a:t>Remember that in Python we follow the PEDMAS order of operations.</a:t>
+            </a:r>
+            <a:endParaRPr dirty="0"/>
+          </a:p>
+        </p:txBody>
+      </p:sp>
+      <p:pic>
+        <p:nvPicPr>
+          <p:cNvPr id="541" name="Google Shape;541;p39"/>
+          <p:cNvPicPr preferRelativeResize="0"/>
+          <p:nvPr/>
+        </p:nvPicPr>
+        <p:blipFill rotWithShape="1">
+          <a:blip r:embed="rId6">
+            <a:alphaModFix/>
+          </a:blip>
+          <a:srcRect/>
+          <a:stretch/>
+        </p:blipFill>
+        <p:spPr>
+          <a:xfrm>
+            <a:off x="838200" y="4065053"/>
+            <a:ext cx="3006656" cy="421222"/>
+          </a:xfrm>
+          <a:prstGeom prst="rect">
+            <a:avLst/>
+          </a:prstGeom>
+          <a:noFill/>
+          <a:ln>
+            <a:noFill/>
+          </a:ln>
+        </p:spPr>
+      </p:pic>
+    </p:spTree>
+  </p:cSld>
+  <p:clrMapOvr>
+    <a:masterClrMapping/>
+  </p:clrMapOvr>
+  <p:timing>
+    <p:tnLst>
+      <p:par>
+        <p:cTn id="1" dur="indefinite" restart="never" nodeType="tmRoot">
+          <p:childTnLst>
+            <p:seq concurrent="1" nextAc="seek">
+              <p:cTn id="2" dur="indefinite" nodeType="mainSeq">
+                <p:childTnLst>
+                  <p:par>
+                    <p:cTn id="3" fill="hold">
+                      <p:stCondLst>
+                        <p:cond delay="indefinite"/>
+                        <p:cond evt="onBegin" delay="0">
+                          <p:tn val="2"/>
+                        </p:cond>
+                      </p:stCondLst>
+                      <p:childTnLst>
+                        <p:par>
+                          <p:cTn id="4" fill="hold">
+                            <p:stCondLst>
+                              <p:cond delay="0"/>
+                            </p:stCondLst>
+                            <p:childTnLst>
+                              <p:par>
+                                <p:cTn id="5" presetID="1" presetClass="entr" presetSubtype="0" fill="hold" nodeType="withEffect">
+                                  <p:stCondLst>
+                                    <p:cond delay="0"/>
+                                  </p:stCondLst>
+                                  <p:childTnLst>
+                                    <p:set>
+                                      <p:cBhvr>
+                                        <p:cTn id="6" dur="1" fill="hold">
+                                          <p:stCondLst>
+                                            <p:cond delay="0"/>
+                                          </p:stCondLst>
+                                        </p:cTn>
+                                        <p:tgtEl>
+                                          <p:spTgt spid="539"/>
+                                        </p:tgtEl>
+                                        <p:attrNameLst>
+                                          <p:attrName>style.visibility</p:attrName>
+                                        </p:attrNameLst>
+                                      </p:cBhvr>
+                                      <p:to>
+                                        <p:strVal val="visible"/>
+                                      </p:to>
+                                    </p:set>
+                                  </p:childTnLst>
+                                </p:cTn>
+                              </p:par>
+                            </p:childTnLst>
+                          </p:cTn>
+                        </p:par>
+                      </p:childTnLst>
+                    </p:cTn>
+                  </p:par>
+                  <p:par>
+                    <p:cTn id="7" fill="hold">
+                      <p:stCondLst>
+                        <p:cond delay="indefinite"/>
+                      </p:stCondLst>
+                      <p:childTnLst>
+                        <p:par>
+                          <p:cTn id="8" fill="hold">
+                            <p:stCondLst>
+                              <p:cond delay="0"/>
+                            </p:stCondLst>
+                            <p:childTnLst>
+                              <p:par>
+                                <p:cTn id="9" presetID="1" presetClass="entr" presetSubtype="0" fill="hold" nodeType="clickEffect">
+                                  <p:stCondLst>
+                                    <p:cond delay="0"/>
+                                  </p:stCondLst>
+                                  <p:childTnLst>
+                                    <p:set>
+                                      <p:cBhvr>
+                                        <p:cTn id="10" dur="1" fill="hold">
+                                          <p:stCondLst>
+                                            <p:cond delay="0"/>
+                                          </p:stCondLst>
+                                        </p:cTn>
+                                        <p:tgtEl>
+                                          <p:spTgt spid="538"/>
+                                        </p:tgtEl>
+                                        <p:attrNameLst>
+                                          <p:attrName>style.visibility</p:attrName>
+                                        </p:attrNameLst>
+                                      </p:cBhvr>
+                                      <p:to>
+                                        <p:strVal val="visible"/>
+                                      </p:to>
+                                    </p:set>
+                                  </p:childTnLst>
+                                </p:cTn>
+                              </p:par>
+                              <p:par>
+                                <p:cTn id="11" presetID="1" presetClass="entr" presetSubtype="0" fill="hold" nodeType="withEffect">
+                                  <p:stCondLst>
+                                    <p:cond delay="0"/>
+                                  </p:stCondLst>
+                                  <p:childTnLst>
+                                    <p:set>
+                                      <p:cBhvr>
+                                        <p:cTn id="12" dur="1" fill="hold">
+                                          <p:stCondLst>
+                                            <p:cond delay="0"/>
+                                          </p:stCondLst>
+                                        </p:cTn>
+                                        <p:tgtEl>
+                                          <p:spTgt spid="537"/>
+                                        </p:tgtEl>
+                                        <p:attrNameLst>
+                                          <p:attrName>style.visibility</p:attrName>
+                                        </p:attrNameLst>
+                                      </p:cBhvr>
+                                      <p:to>
+                                        <p:strVal val="visible"/>
+                                      </p:to>
+                                    </p:set>
+                                  </p:childTnLst>
+                                </p:cTn>
+                              </p:par>
+                              <p:par>
+                                <p:cTn id="13" presetID="1" presetClass="entr" presetSubtype="0" fill="hold" nodeType="withEffect">
+                                  <p:stCondLst>
+                                    <p:cond delay="0"/>
+                                  </p:stCondLst>
+                                  <p:childTnLst>
+                                    <p:set>
+                                      <p:cBhvr>
+                                        <p:cTn id="14" dur="1" fill="hold">
+                                          <p:stCondLst>
+                                            <p:cond delay="0"/>
+                                          </p:stCondLst>
+                                        </p:cTn>
+                                        <p:tgtEl>
+                                          <p:spTgt spid="540"/>
+                                        </p:tgtEl>
+                                        <p:attrNameLst>
+                                          <p:attrName>style.visibility</p:attrName>
+                                        </p:attrNameLst>
+                                      </p:cBhvr>
+                                      <p:to>
+                                        <p:strVal val="visible"/>
+                                      </p:to>
+                                    </p:set>
+                                  </p:childTnLst>
+                                </p:cTn>
+                              </p:par>
+                            </p:childTnLst>
+                          </p:cTn>
+                        </p:par>
+                      </p:childTnLst>
+                    </p:cTn>
+                  </p:par>
+                </p:childTnLst>
+              </p:cTn>
+              <p:prevCondLst>
+                <p:cond evt="onPrev" delay="0">
+                  <p:tgtEl>
+                    <p:sldTgt/>
+                  </p:tgtEl>
+                </p:cond>
+              </p:prevCondLst>
+              <p:nextCondLst>
+                <p:cond evt="onNext" delay="0">
+                  <p:tgtEl>
+                    <p:sldTgt/>
+                  </p:tgtEl>
+                </p:cond>
+              </p:nextCondLst>
+            </p:seq>
+          </p:childTnLst>
+        </p:cTn>
+      </p:par>
+    </p:tnLst>
+  </p:timing>
+</p:sld>
+</file>
+
+<file path=ppt/slides/slide11.xml><?xml version="1.0" encoding="utf-8"?>
+<p:sld xmlns:a="http://schemas.openxmlformats.org/drawingml/2006/main" xmlns:r="http://schemas.openxmlformats.org/officeDocument/2006/relationships" xmlns:p="http://schemas.openxmlformats.org/presentationml/2006/main">
+  <p:cSld>
+    <p:bg>
+      <p:bgPr>
+        <a:blipFill rotWithShape="1">
+          <a:blip r:embed="rId3">
+            <a:duotone>
+              <a:schemeClr val="bg2">
+                <a:shade val="80000"/>
+                <a:lumMod val="80000"/>
+              </a:schemeClr>
+              <a:schemeClr val="bg2">
+                <a:tint val="98000"/>
+              </a:schemeClr>
+            </a:duotone>
+          </a:blip>
+          <a:stretch/>
+        </a:blipFill>
+        <a:effectLst/>
+      </p:bgPr>
+    </p:bg>
+    <p:spTree>
+      <p:nvGrpSpPr>
+        <p:cNvPr id="1" name="Shape 545"/>
+        <p:cNvGrpSpPr/>
+        <p:nvPr/>
+      </p:nvGrpSpPr>
+      <p:grpSpPr>
+        <a:xfrm>
+          <a:off x="0" y="0"/>
+          <a:ext cx="0" cy="0"/>
+          <a:chOff x="0" y="0"/>
+          <a:chExt cx="0" cy="0"/>
+        </a:xfrm>
+      </p:grpSpPr>
+      <p:sp>
+        <p:nvSpPr>
+          <p:cNvPr id="546" name="Google Shape;546;p40"/>
+          <p:cNvSpPr txBox="1">
+            <a:spLocks noGrp="1"/>
+          </p:cNvSpPr>
+          <p:nvPr>
+            <p:ph type="title"/>
+          </p:nvPr>
+        </p:nvSpPr>
+        <p:spPr>
+          <a:xfrm>
+            <a:off x="913795" y="609600"/>
+            <a:ext cx="10353762" cy="970450"/>
+          </a:xfrm>
+          <a:prstGeom prst="rect">
+            <a:avLst/>
+          </a:prstGeom>
+        </p:spPr>
+        <p:txBody>
+          <a:bodyPr spcFirstLastPara="1" lIns="91425" tIns="45700" rIns="91425" bIns="45700" anchorCtr="0">
+            <a:normAutofit/>
+          </a:bodyPr>
+          <a:lstStyle/>
+          <a:p>
+            <a:pPr marL="0" lvl="0" indent="0" rtl="0">
+              <a:spcBef>
+                <a:spcPts val="0"/>
+              </a:spcBef>
+              <a:spcAft>
+                <a:spcPts val="0"/>
+              </a:spcAft>
+              <a:buClr>
+                <a:schemeClr val="dk1"/>
+              </a:buClr>
+              <a:buSzPts val="3600"/>
+              <a:buFont typeface="Twentieth Century"/>
+              <a:buNone/>
+            </a:pPr>
+            <a:r>
+              <a:rPr lang="en-IE"/>
+              <a:t>SUMMARY</a:t>
+            </a:r>
+          </a:p>
+        </p:txBody>
+      </p:sp>
+      <p:graphicFrame>
+        <p:nvGraphicFramePr>
+          <p:cNvPr id="558" name="Google Shape;547;p40">
+            <a:extLst>
+              <a:ext uri="{FF2B5EF4-FFF2-40B4-BE49-F238E27FC236}">
+                <a16:creationId xmlns:a16="http://schemas.microsoft.com/office/drawing/2014/main" id="{B9150182-6A3E-7DDF-E0EF-04888F5AB3F7}"/>
+              </a:ext>
+            </a:extLst>
+          </p:cNvPr>
+          <p:cNvGraphicFramePr/>
+          <p:nvPr>
+            <p:extLst>
+              <p:ext uri="{D42A27DB-BD31-4B8C-83A1-F6EECF244321}">
+                <p14:modId xmlns:p14="http://schemas.microsoft.com/office/powerpoint/2010/main" val="4268871118"/>
+              </p:ext>
+            </p:extLst>
+          </p:nvPr>
+        </p:nvGraphicFramePr>
+        <p:xfrm>
+          <a:off x="914400" y="1731963"/>
+          <a:ext cx="10353675" cy="4059237"/>
+        </p:xfrm>
+        <a:graphic>
+          <a:graphicData uri="http://schemas.openxmlformats.org/drawingml/2006/diagram">
+            <dgm:relIds xmlns:dgm="http://schemas.openxmlformats.org/drawingml/2006/diagram" xmlns:r="http://schemas.openxmlformats.org/officeDocument/2006/relationships" r:dm="rId4" r:lo="rId5" r:qs="rId6" r:cs="rId7"/>
+          </a:graphicData>
+        </a:graphic>
+      </p:graphicFrame>
+    </p:spTree>
+  </p:cSld>
+  <p:clrMapOvr>
+    <a:masterClrMapping/>
+  </p:clrMapOvr>
+</p:sld>
+</file>
+
+<file path=ppt/slides/slide2.xml><?xml version="1.0" encoding="utf-8"?>
+<p:sld xmlns:a="http://schemas.openxmlformats.org/drawingml/2006/main" xmlns:r="http://schemas.openxmlformats.org/officeDocument/2006/relationships" xmlns:p="http://schemas.openxmlformats.org/presentationml/2006/main">
+  <p:cSld>
+    <p:spTree>
+      <p:nvGrpSpPr>
+        <p:cNvPr id="1" name="Shape 459"/>
+        <p:cNvGrpSpPr/>
+        <p:nvPr/>
+      </p:nvGrpSpPr>
+      <p:grpSpPr>
+        <a:xfrm>
+          <a:off x="0" y="0"/>
+          <a:ext cx="0" cy="0"/>
+          <a:chOff x="0" y="0"/>
+          <a:chExt cx="0" cy="0"/>
+        </a:xfrm>
+      </p:grpSpPr>
+      <p:sp>
+        <p:nvSpPr>
+          <p:cNvPr id="460" name="Google Shape;460;p31"/>
+          <p:cNvSpPr/>
+          <p:nvPr/>
+        </p:nvSpPr>
+        <p:spPr>
+          <a:xfrm>
+            <a:off x="0" y="0"/>
+            <a:ext cx="12188952" cy="6858000"/>
+          </a:xfrm>
+          <a:prstGeom prst="rect">
+            <a:avLst/>
+          </a:prstGeom>
+          <a:gradFill>
+            <a:gsLst>
+              <a:gs pos="0">
+                <a:schemeClr val="lt1"/>
+              </a:gs>
+              <a:gs pos="100000">
+                <a:srgbClr val="B7B7B7"/>
+              </a:gs>
+            </a:gsLst>
+            <a:lin ang="5400000" scaled="0"/>
+          </a:gradFill>
+          <a:ln>
+            <a:noFill/>
+          </a:ln>
+        </p:spPr>
+        <p:txBody>
+          <a:bodyPr spcFirstLastPara="1" wrap="square" lIns="91425" tIns="45700" rIns="91425" bIns="45700" anchor="ctr" anchorCtr="0">
+            <a:noAutofit/>
+          </a:bodyPr>
+          <a:lstStyle/>
+          <a:p>
+            <a:pPr marL="0" marR="0" lvl="0" indent="0" algn="ctr" rtl="0">
+              <a:spcBef>
+                <a:spcPts val="0"/>
+              </a:spcBef>
+              <a:spcAft>
+                <a:spcPts val="0"/>
+              </a:spcAft>
+              <a:buNone/>
+            </a:pPr>
+            <a:endParaRPr sz="1800" b="0" i="0" u="none" strike="noStrike" cap="none">
+              <a:solidFill>
+                <a:schemeClr val="lt1"/>
+              </a:solidFill>
+              <a:latin typeface="Twentieth Century"/>
+              <a:ea typeface="Twentieth Century"/>
+              <a:cs typeface="Twentieth Century"/>
+              <a:sym typeface="Twentieth Century"/>
+            </a:endParaRPr>
+          </a:p>
+        </p:txBody>
+      </p:sp>
+      <p:sp>
+        <p:nvSpPr>
+          <p:cNvPr id="461" name="Google Shape;461;p31"/>
+          <p:cNvSpPr/>
+          <p:nvPr/>
+        </p:nvSpPr>
+        <p:spPr>
+          <a:xfrm>
+            <a:off x="6406152" y="2355786"/>
+            <a:ext cx="4985748" cy="3531073"/>
+          </a:xfrm>
+          <a:prstGeom prst="rect">
+            <a:avLst/>
+          </a:prstGeom>
+          <a:solidFill>
+            <a:schemeClr val="accent1"/>
+          </a:solidFill>
+          <a:ln>
+            <a:noFill/>
+          </a:ln>
+        </p:spPr>
+        <p:txBody>
+          <a:bodyPr spcFirstLastPara="1" wrap="square" lIns="91425" tIns="45700" rIns="91425" bIns="45700" anchor="t" anchorCtr="0">
+            <a:noAutofit/>
+          </a:bodyPr>
+          <a:lstStyle/>
+          <a:p>
+            <a:pPr marL="0" marR="0" lvl="0" indent="0" algn="l" rtl="0">
+              <a:spcBef>
+                <a:spcPts val="0"/>
+              </a:spcBef>
+              <a:spcAft>
+                <a:spcPts val="0"/>
+              </a:spcAft>
+              <a:buNone/>
+            </a:pPr>
+            <a:endParaRPr sz="1800">
+              <a:solidFill>
+                <a:schemeClr val="dk1"/>
+              </a:solidFill>
+              <a:latin typeface="Twentieth Century"/>
+              <a:ea typeface="Twentieth Century"/>
+              <a:cs typeface="Twentieth Century"/>
+              <a:sym typeface="Twentieth Century"/>
+            </a:endParaRPr>
+          </a:p>
+        </p:txBody>
+      </p:sp>
+      <p:sp>
+        <p:nvSpPr>
+          <p:cNvPr id="462" name="Google Shape;462;p31"/>
+          <p:cNvSpPr txBox="1">
+            <a:spLocks noGrp="1"/>
+          </p:cNvSpPr>
+          <p:nvPr>
+            <p:ph type="title"/>
+          </p:nvPr>
+        </p:nvSpPr>
+        <p:spPr>
+          <a:xfrm>
+            <a:off x="7559812" y="2723322"/>
+            <a:ext cx="3510355" cy="2236738"/>
+          </a:xfrm>
+          <a:prstGeom prst="rect">
+            <a:avLst/>
+          </a:prstGeom>
+          <a:noFill/>
+          <a:ln>
+            <a:noFill/>
+          </a:ln>
+        </p:spPr>
+        <p:txBody>
+          <a:bodyPr spcFirstLastPara="1" wrap="square" lIns="91425" tIns="45700" rIns="91425" bIns="45700" anchor="b" anchorCtr="0">
+            <a:normAutofit fontScale="90000"/>
+          </a:bodyPr>
+          <a:lstStyle/>
+          <a:p>
+            <a:pPr marL="0" lvl="0" indent="0" algn="ctr" rtl="0">
+              <a:lnSpc>
+                <a:spcPct val="90000"/>
+              </a:lnSpc>
+              <a:spcBef>
+                <a:spcPts val="0"/>
+              </a:spcBef>
+              <a:spcAft>
+                <a:spcPts val="0"/>
+              </a:spcAft>
+              <a:buClr>
+                <a:srgbClr val="FFFFFF"/>
+              </a:buClr>
+              <a:buSzPts val="3600"/>
+              <a:buFont typeface="Twentieth Century"/>
+              <a:buNone/>
+            </a:pPr>
+            <a:r>
+              <a:rPr lang="en-IE">
+                <a:solidFill>
+                  <a:srgbClr val="FFFFFF"/>
+                </a:solidFill>
+              </a:rPr>
+              <a:t>PART 1 </a:t>
+            </a:r>
+            <a:br>
+              <a:rPr lang="en-IE">
+                <a:solidFill>
+                  <a:srgbClr val="FFFFFF"/>
+                </a:solidFill>
+              </a:rPr>
+            </a:br>
+            <a:r>
+              <a:rPr lang="en-IE">
+                <a:solidFill>
+                  <a:srgbClr val="FFFFFF"/>
+                </a:solidFill>
+              </a:rPr>
+              <a:t>WHY WE NEED </a:t>
+            </a:r>
+            <a:br>
+              <a:rPr lang="en-IE">
+                <a:solidFill>
+                  <a:srgbClr val="FFFFFF"/>
+                </a:solidFill>
+              </a:rPr>
+            </a:br>
+            <a:r>
+              <a:rPr lang="en-IE">
+                <a:solidFill>
+                  <a:srgbClr val="FFFFFF"/>
+                </a:solidFill>
+              </a:rPr>
+              <a:t>TESTING</a:t>
+            </a:r>
+            <a:endParaRPr/>
+          </a:p>
+        </p:txBody>
+      </p:sp>
+      <p:sp>
+        <p:nvSpPr>
+          <p:cNvPr id="463" name="Google Shape;463;p31"/>
+          <p:cNvSpPr/>
+          <p:nvPr/>
+        </p:nvSpPr>
+        <p:spPr>
+          <a:xfrm>
+            <a:off x="6409782" y="1654168"/>
+            <a:ext cx="822493" cy="4232692"/>
+          </a:xfrm>
+          <a:custGeom>
+            <a:avLst/>
+            <a:gdLst/>
+            <a:ahLst/>
+            <a:cxnLst/>
+            <a:rect l="l" t="t" r="r" b="b"/>
+            <a:pathLst>
+              <a:path w="491" h="2732" extrusionOk="0">
+                <a:moveTo>
+                  <a:pt x="491" y="2247"/>
+                </a:moveTo>
+                <a:lnTo>
+                  <a:pt x="0" y="2732"/>
+                </a:lnTo>
+                <a:lnTo>
+                  <a:pt x="0" y="486"/>
+                </a:lnTo>
+                <a:lnTo>
+                  <a:pt x="491" y="0"/>
+                </a:lnTo>
+                <a:lnTo>
+                  <a:pt x="491" y="2247"/>
+                </a:lnTo>
+                <a:close/>
+              </a:path>
+            </a:pathLst>
+          </a:custGeom>
+          <a:solidFill>
+            <a:srgbClr val="0A5483"/>
+          </a:solidFill>
+          <a:ln>
+            <a:noFill/>
+          </a:ln>
+        </p:spPr>
+        <p:txBody>
+          <a:bodyPr spcFirstLastPara="1" wrap="square" lIns="91425" tIns="45700" rIns="91425" bIns="45700" anchor="t" anchorCtr="0">
+            <a:noAutofit/>
+          </a:bodyPr>
+          <a:lstStyle/>
+          <a:p>
+            <a:pPr marL="0" marR="0" lvl="0" indent="0" algn="l" rtl="0">
+              <a:spcBef>
+                <a:spcPts val="0"/>
+              </a:spcBef>
+              <a:spcAft>
+                <a:spcPts val="0"/>
+              </a:spcAft>
+              <a:buNone/>
+            </a:pPr>
+            <a:endParaRPr sz="1800">
+              <a:solidFill>
+                <a:schemeClr val="dk1"/>
+              </a:solidFill>
+              <a:latin typeface="Twentieth Century"/>
+              <a:ea typeface="Twentieth Century"/>
+              <a:cs typeface="Twentieth Century"/>
+              <a:sym typeface="Twentieth Century"/>
+            </a:endParaRPr>
+          </a:p>
+        </p:txBody>
+      </p:sp>
+      <p:sp>
+        <p:nvSpPr>
+          <p:cNvPr id="464" name="Google Shape;464;p31"/>
+          <p:cNvSpPr/>
+          <p:nvPr/>
+        </p:nvSpPr>
+        <p:spPr>
+          <a:xfrm>
+            <a:off x="6544520" y="1311136"/>
+            <a:ext cx="687754" cy="3820236"/>
+          </a:xfrm>
+          <a:custGeom>
+            <a:avLst/>
+            <a:gdLst/>
+            <a:ahLst/>
+            <a:cxnLst/>
+            <a:rect l="l" t="t" r="r" b="b"/>
+            <a:pathLst>
+              <a:path w="414" h="2447" extrusionOk="0">
+                <a:moveTo>
+                  <a:pt x="414" y="2447"/>
+                </a:moveTo>
+                <a:lnTo>
+                  <a:pt x="0" y="2247"/>
+                </a:lnTo>
+                <a:lnTo>
+                  <a:pt x="0" y="0"/>
+                </a:lnTo>
+                <a:lnTo>
+                  <a:pt x="414" y="200"/>
+                </a:lnTo>
+                <a:lnTo>
+                  <a:pt x="414" y="2447"/>
+                </a:lnTo>
+                <a:close/>
+              </a:path>
+            </a:pathLst>
+          </a:custGeom>
+          <a:solidFill>
+            <a:srgbClr val="107EC5"/>
+          </a:solidFill>
+          <a:ln>
+            <a:noFill/>
+          </a:ln>
+        </p:spPr>
+        <p:txBody>
+          <a:bodyPr spcFirstLastPara="1" wrap="square" lIns="91425" tIns="45700" rIns="91425" bIns="45700" anchor="t" anchorCtr="0">
+            <a:noAutofit/>
+          </a:bodyPr>
+          <a:lstStyle/>
+          <a:p>
+            <a:pPr marL="0" marR="0" lvl="0" indent="0" algn="l" rtl="0">
+              <a:spcBef>
+                <a:spcPts val="0"/>
+              </a:spcBef>
+              <a:spcAft>
+                <a:spcPts val="0"/>
+              </a:spcAft>
+              <a:buNone/>
+            </a:pPr>
+            <a:endParaRPr sz="1800">
+              <a:solidFill>
+                <a:schemeClr val="dk1"/>
+              </a:solidFill>
+              <a:latin typeface="Twentieth Century"/>
+              <a:ea typeface="Twentieth Century"/>
+              <a:cs typeface="Twentieth Century"/>
+              <a:sym typeface="Twentieth Century"/>
+            </a:endParaRPr>
+          </a:p>
+        </p:txBody>
+      </p:sp>
+      <p:sp>
+        <p:nvSpPr>
+          <p:cNvPr id="465" name="Google Shape;465;p31"/>
+          <p:cNvSpPr/>
+          <p:nvPr/>
+        </p:nvSpPr>
+        <p:spPr>
+          <a:xfrm>
+            <a:off x="6544520" y="1126737"/>
+            <a:ext cx="347200" cy="3699705"/>
+          </a:xfrm>
+          <a:custGeom>
+            <a:avLst/>
+            <a:gdLst/>
+            <a:ahLst/>
+            <a:cxnLst/>
+            <a:rect l="l" t="t" r="r" b="b"/>
+            <a:pathLst>
+              <a:path w="209" h="2358" extrusionOk="0">
+                <a:moveTo>
+                  <a:pt x="209" y="2246"/>
+                </a:moveTo>
+                <a:lnTo>
+                  <a:pt x="0" y="2358"/>
+                </a:lnTo>
+                <a:lnTo>
+                  <a:pt x="0" y="111"/>
+                </a:lnTo>
+                <a:lnTo>
+                  <a:pt x="209" y="0"/>
+                </a:lnTo>
+                <a:lnTo>
+                  <a:pt x="209" y="2246"/>
+                </a:lnTo>
+                <a:close/>
+              </a:path>
+            </a:pathLst>
+          </a:custGeom>
+          <a:solidFill>
+            <a:srgbClr val="0A5483"/>
+          </a:solidFill>
+          <a:ln>
+            <a:noFill/>
+          </a:ln>
+        </p:spPr>
+        <p:txBody>
+          <a:bodyPr spcFirstLastPara="1" wrap="square" lIns="91425" tIns="45700" rIns="91425" bIns="45700" anchor="t" anchorCtr="0">
+            <a:noAutofit/>
+          </a:bodyPr>
+          <a:lstStyle/>
+          <a:p>
+            <a:pPr marL="0" marR="0" lvl="0" indent="0" algn="l" rtl="0">
+              <a:spcBef>
+                <a:spcPts val="0"/>
+              </a:spcBef>
+              <a:spcAft>
+                <a:spcPts val="0"/>
+              </a:spcAft>
+              <a:buNone/>
+            </a:pPr>
+            <a:endParaRPr sz="1800">
+              <a:solidFill>
+                <a:schemeClr val="dk1"/>
+              </a:solidFill>
+              <a:latin typeface="Twentieth Century"/>
+              <a:ea typeface="Twentieth Century"/>
+              <a:cs typeface="Twentieth Century"/>
+              <a:sym typeface="Twentieth Century"/>
+            </a:endParaRPr>
+          </a:p>
+        </p:txBody>
+      </p:sp>
+      <p:pic>
+        <p:nvPicPr>
+          <p:cNvPr id="466" name="Google Shape;466;p31" descr="A close up of a sign&#10;&#10;Description automatically generated"/>
+          <p:cNvPicPr preferRelativeResize="0">
+            <a:picLocks noGrp="1"/>
+          </p:cNvPicPr>
+          <p:nvPr>
+            <p:ph type="body" idx="1"/>
+          </p:nvPr>
+        </p:nvPicPr>
+        <p:blipFill rotWithShape="1">
+          <a:blip r:embed="rId3">
+            <a:alphaModFix/>
+          </a:blip>
+          <a:srcRect r="3" b="11043"/>
+          <a:stretch/>
+        </p:blipFill>
+        <p:spPr>
+          <a:xfrm>
+            <a:off x="1258859" y="1120046"/>
+            <a:ext cx="5635819" cy="3509504"/>
+          </a:xfrm>
+          <a:prstGeom prst="rect">
+            <a:avLst/>
+          </a:prstGeom>
+          <a:noFill/>
+          <a:ln>
+            <a:noFill/>
+          </a:ln>
+        </p:spPr>
+      </p:pic>
+    </p:spTree>
+  </p:cSld>
+  <p:clrMapOvr>
+    <a:masterClrMapping/>
+  </p:clrMapOvr>
+</p:sld>
+</file>
+
+<file path=ppt/slides/slide3.xml><?xml version="1.0" encoding="utf-8"?>
+<p:sld xmlns:a="http://schemas.openxmlformats.org/drawingml/2006/main" xmlns:r="http://schemas.openxmlformats.org/officeDocument/2006/relationships" xmlns:p="http://schemas.openxmlformats.org/presentationml/2006/main">
+  <p:cSld>
+    <p:spTree>
+      <p:nvGrpSpPr>
+        <p:cNvPr id="1" name="Shape 470"/>
+        <p:cNvGrpSpPr/>
+        <p:nvPr/>
+      </p:nvGrpSpPr>
+      <p:grpSpPr>
+        <a:xfrm>
+          <a:off x="0" y="0"/>
+          <a:ext cx="0" cy="0"/>
+          <a:chOff x="0" y="0"/>
+          <a:chExt cx="0" cy="0"/>
+        </a:xfrm>
+      </p:grpSpPr>
+      <p:sp>
+        <p:nvSpPr>
+          <p:cNvPr id="471" name="Google Shape;471;p32"/>
+          <p:cNvSpPr/>
+          <p:nvPr/>
+        </p:nvSpPr>
+        <p:spPr>
+          <a:xfrm>
+            <a:off x="4059935" y="0"/>
+            <a:ext cx="8132065" cy="6858000"/>
+          </a:xfrm>
+          <a:prstGeom prst="rect">
+            <a:avLst/>
+          </a:prstGeom>
+          <a:gradFill>
+            <a:gsLst>
+              <a:gs pos="0">
+                <a:schemeClr val="lt1"/>
+              </a:gs>
+              <a:gs pos="100000">
+                <a:schemeClr val="lt1"/>
+              </a:gs>
+            </a:gsLst>
+            <a:lin ang="5400000" scaled="0"/>
+          </a:gradFill>
+          <a:ln>
+            <a:noFill/>
+          </a:ln>
+        </p:spPr>
+        <p:txBody>
+          <a:bodyPr spcFirstLastPara="1" wrap="square" lIns="91425" tIns="45700" rIns="91425" bIns="45700" anchor="ctr" anchorCtr="0">
+            <a:noAutofit/>
+          </a:bodyPr>
+          <a:lstStyle/>
+          <a:p>
+            <a:pPr marL="0" marR="0" lvl="0" indent="0" algn="ctr" rtl="0">
+              <a:spcBef>
+                <a:spcPts val="0"/>
+              </a:spcBef>
+              <a:spcAft>
+                <a:spcPts val="0"/>
+              </a:spcAft>
+              <a:buNone/>
+            </a:pPr>
+            <a:endParaRPr sz="1800">
+              <a:solidFill>
+                <a:schemeClr val="lt1"/>
+              </a:solidFill>
+              <a:latin typeface="Twentieth Century"/>
+              <a:ea typeface="Twentieth Century"/>
+              <a:cs typeface="Twentieth Century"/>
+              <a:sym typeface="Twentieth Century"/>
+            </a:endParaRPr>
+          </a:p>
+        </p:txBody>
+      </p:sp>
+      <p:sp>
+        <p:nvSpPr>
+          <p:cNvPr id="472" name="Google Shape;472;p32"/>
+          <p:cNvSpPr/>
+          <p:nvPr/>
+        </p:nvSpPr>
+        <p:spPr>
+          <a:xfrm>
+            <a:off x="0" y="0"/>
+            <a:ext cx="4059935" cy="6858000"/>
+          </a:xfrm>
+          <a:prstGeom prst="rect">
+            <a:avLst/>
+          </a:prstGeom>
+          <a:solidFill>
+            <a:srgbClr val="107EC5"/>
+          </a:solidFill>
+          <a:ln>
+            <a:noFill/>
+          </a:ln>
+          <a:effectLst>
+            <a:outerShdw blurRad="50800" dist="12700" algn="l" rotWithShape="0">
+              <a:srgbClr val="000000">
+                <a:alpha val="29803"/>
+              </a:srgbClr>
+            </a:outerShdw>
+          </a:effectLst>
+        </p:spPr>
+        <p:txBody>
+          <a:bodyPr spcFirstLastPara="1" wrap="square" lIns="91425" tIns="45700" rIns="91425" bIns="45700" anchor="ctr" anchorCtr="0">
+            <a:noAutofit/>
+          </a:bodyPr>
+          <a:lstStyle/>
+          <a:p>
+            <a:pPr marL="0" marR="0" lvl="0" indent="0" algn="ctr" rtl="0">
+              <a:spcBef>
+                <a:spcPts val="0"/>
+              </a:spcBef>
+              <a:spcAft>
+                <a:spcPts val="0"/>
+              </a:spcAft>
+              <a:buNone/>
+            </a:pPr>
+            <a:endParaRPr sz="1800">
+              <a:solidFill>
+                <a:schemeClr val="lt1"/>
+              </a:solidFill>
+              <a:latin typeface="Twentieth Century"/>
+              <a:ea typeface="Twentieth Century"/>
+              <a:cs typeface="Twentieth Century"/>
+              <a:sym typeface="Twentieth Century"/>
+            </a:endParaRPr>
+          </a:p>
+        </p:txBody>
+      </p:sp>
+      <p:sp>
+        <p:nvSpPr>
+          <p:cNvPr id="473" name="Google Shape;473;p32"/>
+          <p:cNvSpPr txBox="1">
+            <a:spLocks noGrp="1"/>
+          </p:cNvSpPr>
+          <p:nvPr>
+            <p:ph type="title"/>
+          </p:nvPr>
+        </p:nvSpPr>
+        <p:spPr>
+          <a:xfrm>
+            <a:off x="641074" y="1588878"/>
+            <a:ext cx="2844002" cy="3680244"/>
+          </a:xfrm>
+          <a:prstGeom prst="rect">
+            <a:avLst/>
+          </a:prstGeom>
+          <a:noFill/>
+          <a:ln>
+            <a:noFill/>
+          </a:ln>
+        </p:spPr>
+        <p:txBody>
+          <a:bodyPr spcFirstLastPara="1" wrap="square" lIns="91425" tIns="45700" rIns="91425" bIns="45700" anchor="ctr" anchorCtr="0">
+            <a:normAutofit/>
+          </a:bodyPr>
+          <a:lstStyle/>
+          <a:p>
+            <a:pPr marL="0" lvl="0" indent="0" algn="l" rtl="0">
+              <a:lnSpc>
+                <a:spcPct val="90000"/>
+              </a:lnSpc>
+              <a:spcBef>
+                <a:spcPts val="0"/>
+              </a:spcBef>
+              <a:spcAft>
+                <a:spcPts val="0"/>
+              </a:spcAft>
+              <a:buClr>
+                <a:srgbClr val="FFFFFF"/>
+              </a:buClr>
+              <a:buSzPts val="4400"/>
+              <a:buFont typeface="Twentieth Century"/>
+              <a:buNone/>
+            </a:pPr>
+            <a:r>
+              <a:rPr lang="en-IE" sz="4400">
+                <a:solidFill>
+                  <a:srgbClr val="FFFFFF"/>
+                </a:solidFill>
+              </a:rPr>
+              <a:t>WHY WE NEED TESTING</a:t>
+            </a:r>
+            <a:endParaRPr/>
+          </a:p>
+        </p:txBody>
+      </p:sp>
+      <p:pic>
+        <p:nvPicPr>
+          <p:cNvPr id="474" name="Google Shape;474;p32"/>
+          <p:cNvPicPr preferRelativeResize="0"/>
+          <p:nvPr/>
+        </p:nvPicPr>
+        <p:blipFill rotWithShape="1">
+          <a:blip r:embed="rId3">
+            <a:alphaModFix/>
+          </a:blip>
+          <a:srcRect r="66700" b="77917"/>
+          <a:stretch/>
+        </p:blipFill>
+        <p:spPr>
+          <a:xfrm>
+            <a:off x="0" y="0"/>
+            <a:ext cx="4059935" cy="1514475"/>
+          </a:xfrm>
+          <a:prstGeom prst="rect">
+            <a:avLst/>
+          </a:prstGeom>
+          <a:noFill/>
+          <a:ln>
+            <a:noFill/>
+          </a:ln>
+        </p:spPr>
+      </p:pic>
+      <p:sp>
+        <p:nvSpPr>
+          <p:cNvPr id="475" name="Google Shape;475;p32"/>
+          <p:cNvSpPr txBox="1">
+            <a:spLocks noGrp="1"/>
+          </p:cNvSpPr>
+          <p:nvPr>
+            <p:ph type="body" idx="1"/>
+          </p:nvPr>
+        </p:nvSpPr>
+        <p:spPr>
+          <a:xfrm>
+            <a:off x="4634794" y="1049695"/>
+            <a:ext cx="6642806" cy="4758611"/>
+          </a:xfrm>
+          <a:prstGeom prst="rect">
+            <a:avLst/>
+          </a:prstGeom>
+          <a:noFill/>
+          <a:ln>
+            <a:noFill/>
+          </a:ln>
+        </p:spPr>
+        <p:txBody>
+          <a:bodyPr spcFirstLastPara="1" wrap="square" lIns="91425" tIns="45700" rIns="91425" bIns="45700" anchor="ctr" anchorCtr="0">
+            <a:normAutofit lnSpcReduction="10000"/>
+          </a:bodyPr>
+          <a:lstStyle/>
+          <a:p>
+            <a:pPr marL="228600" lvl="0" indent="-228600" algn="l" rtl="0">
+              <a:lnSpc>
+                <a:spcPct val="110000"/>
+              </a:lnSpc>
+              <a:spcBef>
+                <a:spcPts val="0"/>
+              </a:spcBef>
+              <a:spcAft>
+                <a:spcPts val="0"/>
+              </a:spcAft>
+              <a:buSzPts val="1500"/>
+              <a:buChar char="•"/>
+            </a:pPr>
+            <a:r>
+              <a:rPr lang="en-GB" sz="1900" dirty="0">
+                <a:solidFill>
+                  <a:schemeClr val="bg1"/>
+                </a:solidFill>
+              </a:rPr>
+              <a:t>For the most part, humans write software and humans make mistakes.</a:t>
+            </a:r>
+          </a:p>
+          <a:p>
+            <a:pPr marL="228600" lvl="0" indent="-228600" algn="l" rtl="0">
+              <a:lnSpc>
+                <a:spcPct val="110000"/>
+              </a:lnSpc>
+              <a:spcBef>
+                <a:spcPts val="1000"/>
+              </a:spcBef>
+              <a:spcAft>
+                <a:spcPts val="0"/>
+              </a:spcAft>
+              <a:buSzPts val="1500"/>
+              <a:buChar char="•"/>
+            </a:pPr>
+            <a:r>
+              <a:rPr lang="en-GB" sz="1900" dirty="0">
+                <a:solidFill>
+                  <a:schemeClr val="bg1"/>
+                </a:solidFill>
+              </a:rPr>
+              <a:t>Early and continuous testing identifies faults/defects in a software system early on, finding and fixing issues early on improves the quality of the software and saves time.</a:t>
+            </a:r>
+            <a:endParaRPr lang="en-GB" sz="3000" dirty="0">
+              <a:solidFill>
+                <a:schemeClr val="bg1"/>
+              </a:solidFill>
+            </a:endParaRPr>
+          </a:p>
+          <a:p>
+            <a:pPr marL="228600" lvl="0" indent="-228600" algn="l" rtl="0">
+              <a:lnSpc>
+                <a:spcPct val="110000"/>
+              </a:lnSpc>
+              <a:spcBef>
+                <a:spcPts val="1000"/>
+              </a:spcBef>
+              <a:spcAft>
+                <a:spcPts val="0"/>
+              </a:spcAft>
+              <a:buSzPts val="1500"/>
+              <a:buChar char="•"/>
+            </a:pPr>
+            <a:r>
+              <a:rPr lang="en-GB" sz="1900" dirty="0">
+                <a:solidFill>
+                  <a:schemeClr val="bg1"/>
+                </a:solidFill>
+              </a:rPr>
+              <a:t>A flawed software product can impact a product or company's reputation.</a:t>
+            </a:r>
+            <a:endParaRPr lang="en-GB" sz="3000" dirty="0">
+              <a:solidFill>
+                <a:schemeClr val="bg1"/>
+              </a:solidFill>
+            </a:endParaRPr>
+          </a:p>
+          <a:p>
+            <a:pPr marL="228600" lvl="0" indent="-228600" algn="l" rtl="0">
+              <a:lnSpc>
+                <a:spcPct val="110000"/>
+              </a:lnSpc>
+              <a:spcBef>
+                <a:spcPts val="1000"/>
+              </a:spcBef>
+              <a:spcAft>
+                <a:spcPts val="0"/>
+              </a:spcAft>
+              <a:buSzPts val="1500"/>
+              <a:buChar char="•"/>
+            </a:pPr>
+            <a:r>
+              <a:rPr lang="en-GB" sz="1900" dirty="0">
+                <a:solidFill>
+                  <a:schemeClr val="bg1"/>
+                </a:solidFill>
+              </a:rPr>
+              <a:t>We need to make sure our software is safe to use and protects its users from threats.</a:t>
+            </a:r>
+            <a:endParaRPr lang="en-GB" sz="3000" dirty="0">
+              <a:solidFill>
+                <a:schemeClr val="bg1"/>
+              </a:solidFill>
+            </a:endParaRPr>
+          </a:p>
+          <a:p>
+            <a:pPr marL="228600" lvl="0" indent="-133350" algn="l" rtl="0">
+              <a:lnSpc>
+                <a:spcPct val="110000"/>
+              </a:lnSpc>
+              <a:spcBef>
+                <a:spcPts val="1000"/>
+              </a:spcBef>
+              <a:spcAft>
+                <a:spcPts val="0"/>
+              </a:spcAft>
+              <a:buSzPts val="1500"/>
+              <a:buNone/>
+            </a:pPr>
+            <a:endParaRPr lang="en-GB" sz="1900" dirty="0">
+              <a:solidFill>
+                <a:schemeClr val="bg1"/>
+              </a:solidFill>
+            </a:endParaRPr>
+          </a:p>
+          <a:p>
+            <a:pPr marL="0" lvl="0" indent="0" algn="l" rtl="0">
+              <a:lnSpc>
+                <a:spcPct val="110000"/>
+              </a:lnSpc>
+              <a:spcBef>
+                <a:spcPts val="1000"/>
+              </a:spcBef>
+              <a:spcAft>
+                <a:spcPts val="0"/>
+              </a:spcAft>
+              <a:buSzPts val="1500"/>
+              <a:buNone/>
+            </a:pPr>
+            <a:r>
+              <a:rPr lang="en-GB" sz="1900" b="1" dirty="0">
+                <a:solidFill>
+                  <a:schemeClr val="bg1"/>
+                </a:solidFill>
+              </a:rPr>
+              <a:t>Some people rely on the software in vehicles, medical devices and other machines to keep them safe, as developers we need to take this responsibility very seriously.</a:t>
+            </a:r>
+            <a:endParaRPr lang="en-GB" sz="3000" dirty="0">
+              <a:solidFill>
+                <a:schemeClr val="bg1"/>
+              </a:solidFill>
+            </a:endParaRPr>
+          </a:p>
+          <a:p>
+            <a:pPr marL="685800" lvl="1" indent="-133350" algn="l" rtl="0">
+              <a:lnSpc>
+                <a:spcPct val="110000"/>
+              </a:lnSpc>
+              <a:spcBef>
+                <a:spcPts val="500"/>
+              </a:spcBef>
+              <a:spcAft>
+                <a:spcPts val="0"/>
+              </a:spcAft>
+              <a:buSzPts val="1500"/>
+              <a:buNone/>
+            </a:pPr>
+            <a:endParaRPr sz="1500" dirty="0"/>
+          </a:p>
+          <a:p>
+            <a:pPr marL="457200" lvl="1" indent="0" algn="l" rtl="0">
+              <a:lnSpc>
+                <a:spcPct val="110000"/>
+              </a:lnSpc>
+              <a:spcBef>
+                <a:spcPts val="500"/>
+              </a:spcBef>
+              <a:spcAft>
+                <a:spcPts val="0"/>
+              </a:spcAft>
+              <a:buSzPts val="1500"/>
+              <a:buNone/>
+            </a:pPr>
+            <a:endParaRPr sz="1500" dirty="0"/>
+          </a:p>
+        </p:txBody>
+      </p:sp>
+      <p:pic>
+        <p:nvPicPr>
+          <p:cNvPr id="476" name="Google Shape;476;p32"/>
+          <p:cNvPicPr preferRelativeResize="0"/>
+          <p:nvPr/>
+        </p:nvPicPr>
+        <p:blipFill rotWithShape="1">
+          <a:blip r:embed="rId4">
+            <a:alphaModFix/>
+          </a:blip>
+          <a:srcRect l="78750" t="72830" b="14148"/>
+          <a:stretch/>
+        </p:blipFill>
+        <p:spPr>
+          <a:xfrm>
+            <a:off x="1377059" y="5962903"/>
+            <a:ext cx="2590800" cy="892925"/>
+          </a:xfrm>
+          <a:prstGeom prst="rect">
+            <a:avLst/>
+          </a:prstGeom>
+          <a:noFill/>
+          <a:ln>
+            <a:noFill/>
+          </a:ln>
+        </p:spPr>
+      </p:pic>
+    </p:spTree>
+  </p:cSld>
+  <p:clrMapOvr>
+    <a:masterClrMapping/>
+  </p:clrMapOvr>
+</p:sld>
+</file>
+
+<file path=ppt/slides/slide4.xml><?xml version="1.0" encoding="utf-8"?>
+<p:sld xmlns:a="http://schemas.openxmlformats.org/drawingml/2006/main" xmlns:r="http://schemas.openxmlformats.org/officeDocument/2006/relationships" xmlns:p="http://schemas.openxmlformats.org/presentationml/2006/main">
+  <p:cSld>
+    <p:spTree>
+      <p:nvGrpSpPr>
+        <p:cNvPr id="1" name="Shape 480"/>
+        <p:cNvGrpSpPr/>
+        <p:nvPr/>
+      </p:nvGrpSpPr>
+      <p:grpSpPr>
+        <a:xfrm>
+          <a:off x="0" y="0"/>
+          <a:ext cx="0" cy="0"/>
+          <a:chOff x="0" y="0"/>
+          <a:chExt cx="0" cy="0"/>
+        </a:xfrm>
+      </p:grpSpPr>
+      <p:pic>
+        <p:nvPicPr>
+          <p:cNvPr id="481" name="Google Shape;481;p33" descr="A picture containing food, table, holding, snow&#10;&#10;Description automatically generated"/>
+          <p:cNvPicPr preferRelativeResize="0"/>
+          <p:nvPr/>
+        </p:nvPicPr>
+        <p:blipFill rotWithShape="1">
+          <a:blip r:embed="rId3">
+            <a:alphaModFix/>
+          </a:blip>
+          <a:srcRect/>
+          <a:stretch/>
+        </p:blipFill>
+        <p:spPr>
+          <a:xfrm>
+            <a:off x="20" y="10"/>
+            <a:ext cx="12191980" cy="6857990"/>
+          </a:xfrm>
+          <a:prstGeom prst="rect">
+            <a:avLst/>
+          </a:prstGeom>
+          <a:noFill/>
+          <a:ln>
+            <a:noFill/>
+          </a:ln>
+        </p:spPr>
+      </p:pic>
+      <p:pic>
+        <p:nvPicPr>
+          <p:cNvPr id="482" name="Google Shape;482;p33"/>
+          <p:cNvPicPr preferRelativeResize="0"/>
+          <p:nvPr/>
+        </p:nvPicPr>
+        <p:blipFill rotWithShape="1">
+          <a:blip r:embed="rId4">
+            <a:alphaModFix/>
+          </a:blip>
+          <a:srcRect/>
+          <a:stretch/>
+        </p:blipFill>
+        <p:spPr>
+          <a:xfrm>
+            <a:off x="0" y="0"/>
+            <a:ext cx="12192000" cy="6858000"/>
+          </a:xfrm>
+          <a:prstGeom prst="rect">
+            <a:avLst/>
+          </a:prstGeom>
+          <a:noFill/>
+          <a:ln>
+            <a:noFill/>
+          </a:ln>
+        </p:spPr>
+      </p:pic>
+      <p:sp>
+        <p:nvSpPr>
+          <p:cNvPr id="483" name="Google Shape;483;p33"/>
+          <p:cNvSpPr/>
+          <p:nvPr/>
+        </p:nvSpPr>
+        <p:spPr>
+          <a:xfrm>
+            <a:off x="1038226" y="819150"/>
+            <a:ext cx="10037605" cy="4972049"/>
+          </a:xfrm>
+          <a:prstGeom prst="roundRect">
+            <a:avLst>
+              <a:gd name="adj" fmla="val 4333"/>
+            </a:avLst>
+          </a:prstGeom>
+          <a:solidFill>
+            <a:schemeClr val="dk1">
+              <a:alpha val="74901"/>
+            </a:schemeClr>
+          </a:solidFill>
+          <a:ln w="82550" cap="flat" cmpd="sng">
+            <a:solidFill>
+              <a:srgbClr val="EAEAEA"/>
+            </a:solidFill>
+            <a:prstDash val="solid"/>
+            <a:round/>
+            <a:headEnd type="none" w="sm" len="sm"/>
+            <a:tailEnd type="none" w="sm" len="sm"/>
+          </a:ln>
+        </p:spPr>
+        <p:txBody>
+          <a:bodyPr spcFirstLastPara="1" wrap="square" lIns="91425" tIns="45700" rIns="91425" bIns="45700" anchor="ctr" anchorCtr="0">
+            <a:noAutofit/>
+          </a:bodyPr>
+          <a:lstStyle/>
+          <a:p>
+            <a:pPr marL="0" marR="0" lvl="0" indent="0" algn="ctr" rtl="0">
+              <a:spcBef>
+                <a:spcPts val="0"/>
+              </a:spcBef>
+              <a:spcAft>
+                <a:spcPts val="0"/>
+              </a:spcAft>
+              <a:buNone/>
+            </a:pPr>
+            <a:endParaRPr sz="1800">
+              <a:solidFill>
+                <a:schemeClr val="lt1"/>
+              </a:solidFill>
+              <a:latin typeface="Twentieth Century"/>
+              <a:ea typeface="Twentieth Century"/>
+              <a:cs typeface="Twentieth Century"/>
+              <a:sym typeface="Twentieth Century"/>
+            </a:endParaRPr>
+          </a:p>
+        </p:txBody>
+      </p:sp>
+      <p:sp>
+        <p:nvSpPr>
+          <p:cNvPr id="484" name="Google Shape;484;p33"/>
+          <p:cNvSpPr txBox="1">
+            <a:spLocks noGrp="1"/>
+          </p:cNvSpPr>
+          <p:nvPr>
+            <p:ph type="title"/>
+          </p:nvPr>
+        </p:nvSpPr>
+        <p:spPr>
+          <a:xfrm>
+            <a:off x="1307482" y="950976"/>
+            <a:ext cx="9499092" cy="1263718"/>
+          </a:xfrm>
+          <a:prstGeom prst="rect">
+            <a:avLst/>
+          </a:prstGeom>
+          <a:noFill/>
+          <a:ln>
+            <a:noFill/>
+          </a:ln>
+        </p:spPr>
+        <p:txBody>
+          <a:bodyPr spcFirstLastPara="1" wrap="square" lIns="91425" tIns="45700" rIns="91425" bIns="45700" anchor="ctr" anchorCtr="0">
+            <a:normAutofit/>
+          </a:bodyPr>
+          <a:lstStyle/>
+          <a:p>
+            <a:pPr marL="0" lvl="0" indent="0" algn="ctr" rtl="0">
+              <a:lnSpc>
+                <a:spcPct val="90000"/>
+              </a:lnSpc>
+              <a:spcBef>
+                <a:spcPts val="0"/>
+              </a:spcBef>
+              <a:spcAft>
+                <a:spcPts val="0"/>
+              </a:spcAft>
+              <a:buClr>
+                <a:schemeClr val="lt1"/>
+              </a:buClr>
+              <a:buSzPts val="3600"/>
+              <a:buFont typeface="Twentieth Century"/>
+              <a:buNone/>
+            </a:pPr>
+            <a:r>
+              <a:rPr lang="en-IE"/>
+              <a:t>WHY WE NEED TESTING</a:t>
+            </a:r>
+            <a:endParaRPr/>
+          </a:p>
+        </p:txBody>
+      </p:sp>
+      <p:sp>
+        <p:nvSpPr>
+          <p:cNvPr id="485" name="Google Shape;485;p33"/>
+          <p:cNvSpPr txBox="1">
+            <a:spLocks noGrp="1"/>
+          </p:cNvSpPr>
+          <p:nvPr>
+            <p:ph type="body" idx="1"/>
+          </p:nvPr>
+        </p:nvSpPr>
+        <p:spPr>
+          <a:xfrm>
+            <a:off x="1383682" y="1911927"/>
+            <a:ext cx="9346692" cy="3545898"/>
+          </a:xfrm>
+          <a:prstGeom prst="rect">
+            <a:avLst/>
+          </a:prstGeom>
+          <a:noFill/>
+          <a:ln>
+            <a:noFill/>
+          </a:ln>
+        </p:spPr>
+        <p:txBody>
+          <a:bodyPr spcFirstLastPara="1" wrap="square" lIns="91425" tIns="45700" rIns="91425" bIns="45700" anchor="t" anchorCtr="0">
+            <a:normAutofit fontScale="92500"/>
+          </a:bodyPr>
+          <a:lstStyle/>
+          <a:p>
+            <a:pPr marL="0" lvl="0" indent="0" algn="l" rtl="0">
+              <a:lnSpc>
+                <a:spcPct val="110000"/>
+              </a:lnSpc>
+              <a:spcBef>
+                <a:spcPts val="0"/>
+              </a:spcBef>
+              <a:spcAft>
+                <a:spcPts val="0"/>
+              </a:spcAft>
+              <a:buSzPts val="1500"/>
+              <a:buNone/>
+            </a:pPr>
+            <a:r>
+              <a:rPr lang="en-GB" sz="1800" b="1" dirty="0"/>
+              <a:t>Mars climate orbiter</a:t>
+            </a:r>
+          </a:p>
+          <a:p>
+            <a:pPr marL="685800" lvl="1" indent="-228600" algn="l" rtl="0">
+              <a:lnSpc>
+                <a:spcPct val="110000"/>
+              </a:lnSpc>
+              <a:spcBef>
+                <a:spcPts val="500"/>
+              </a:spcBef>
+              <a:spcAft>
+                <a:spcPts val="0"/>
+              </a:spcAft>
+              <a:buSzPts val="1500"/>
+              <a:buChar char="•"/>
+            </a:pPr>
+            <a:r>
+              <a:rPr lang="en-GB" dirty="0"/>
+              <a:t>On its mission to mars in 1998, the climate orbiter was lost in space.</a:t>
+            </a:r>
+            <a:endParaRPr lang="en-GB" sz="2400" dirty="0"/>
+          </a:p>
+          <a:p>
+            <a:pPr marL="685800" lvl="1" indent="-133350" algn="l" rtl="0">
+              <a:lnSpc>
+                <a:spcPct val="110000"/>
+              </a:lnSpc>
+              <a:spcBef>
+                <a:spcPts val="500"/>
+              </a:spcBef>
+              <a:spcAft>
+                <a:spcPts val="0"/>
+              </a:spcAft>
+              <a:buSzPts val="1500"/>
+              <a:buNone/>
+            </a:pPr>
+            <a:endParaRPr lang="en-GB" dirty="0"/>
+          </a:p>
+          <a:p>
+            <a:pPr marL="685800" lvl="1" indent="-228600" algn="l" rtl="0">
+              <a:lnSpc>
+                <a:spcPct val="110000"/>
+              </a:lnSpc>
+              <a:spcBef>
+                <a:spcPts val="500"/>
+              </a:spcBef>
+              <a:spcAft>
+                <a:spcPts val="0"/>
+              </a:spcAft>
+              <a:buSzPts val="1500"/>
+              <a:buChar char="•"/>
+            </a:pPr>
+            <a:r>
+              <a:rPr lang="en-GB" dirty="0"/>
+              <a:t>It took a long time for engineers to understand what had happened.</a:t>
+            </a:r>
+            <a:endParaRPr lang="en-GB" sz="2400" dirty="0"/>
+          </a:p>
+          <a:p>
+            <a:pPr marL="685800" lvl="1" indent="-133350" algn="l" rtl="0">
+              <a:lnSpc>
+                <a:spcPct val="110000"/>
+              </a:lnSpc>
+              <a:spcBef>
+                <a:spcPts val="500"/>
+              </a:spcBef>
+              <a:spcAft>
+                <a:spcPts val="0"/>
+              </a:spcAft>
+              <a:buSzPts val="1500"/>
+              <a:buNone/>
+            </a:pPr>
+            <a:endParaRPr lang="en-GB" dirty="0"/>
+          </a:p>
+          <a:p>
+            <a:pPr marL="685800" lvl="1" indent="-228600" algn="l" rtl="0">
+              <a:lnSpc>
+                <a:spcPct val="110000"/>
+              </a:lnSpc>
+              <a:spcBef>
+                <a:spcPts val="500"/>
+              </a:spcBef>
+              <a:spcAft>
+                <a:spcPts val="0"/>
+              </a:spcAft>
+              <a:buSzPts val="1500"/>
+              <a:buChar char="•"/>
+            </a:pPr>
+            <a:r>
+              <a:rPr lang="en-GB" dirty="0"/>
+              <a:t>A sub-contractor on the engineering team had failed to make a simple conversion from imperial units to metric units!</a:t>
+            </a:r>
+            <a:endParaRPr lang="en-GB" sz="2400" dirty="0"/>
+          </a:p>
+          <a:p>
+            <a:pPr marL="685800" lvl="1" indent="-133350" algn="l" rtl="0">
+              <a:lnSpc>
+                <a:spcPct val="110000"/>
+              </a:lnSpc>
+              <a:spcBef>
+                <a:spcPts val="500"/>
+              </a:spcBef>
+              <a:spcAft>
+                <a:spcPts val="0"/>
+              </a:spcAft>
+              <a:buSzPts val="1500"/>
+              <a:buNone/>
+            </a:pPr>
+            <a:endParaRPr lang="en-GB" dirty="0"/>
+          </a:p>
+          <a:p>
+            <a:pPr marL="685800" lvl="1" indent="-228600" algn="l" rtl="0">
+              <a:lnSpc>
+                <a:spcPct val="110000"/>
+              </a:lnSpc>
+              <a:spcBef>
+                <a:spcPts val="500"/>
+              </a:spcBef>
+              <a:spcAft>
+                <a:spcPts val="0"/>
+              </a:spcAft>
+              <a:buSzPts val="1500"/>
+              <a:buChar char="•"/>
+            </a:pPr>
+            <a:r>
+              <a:rPr lang="en-GB" dirty="0"/>
+              <a:t>This embarrassing mistake caused the $125,000,000 orbiter to smash into the mars atmosphere. This crippled the communications and sent the craft hurtling around the sun.</a:t>
+            </a:r>
+          </a:p>
+        </p:txBody>
+      </p:sp>
+    </p:spTree>
+  </p:cSld>
+  <p:clrMapOvr>
+    <a:masterClrMapping/>
+  </p:clrMapOvr>
+</p:sld>
+</file>
+
+<file path=ppt/slides/slide5.xml><?xml version="1.0" encoding="utf-8"?>
+<p:sld xmlns:a="http://schemas.openxmlformats.org/drawingml/2006/main" xmlns:r="http://schemas.openxmlformats.org/officeDocument/2006/relationships" xmlns:p="http://schemas.openxmlformats.org/presentationml/2006/main">
+  <p:cSld>
+    <p:bg>
+      <p:bgPr>
+        <a:blipFill rotWithShape="1">
+          <a:blip r:embed="rId3">
+            <a:duotone>
+              <a:schemeClr val="bg2">
+                <a:shade val="80000"/>
+                <a:lumMod val="80000"/>
+              </a:schemeClr>
+              <a:schemeClr val="bg2">
+                <a:tint val="98000"/>
+              </a:schemeClr>
+            </a:duotone>
+          </a:blip>
+          <a:stretch/>
+        </a:blipFill>
+        <a:effectLst/>
+      </p:bgPr>
+    </p:bg>
+    <p:spTree>
+      <p:nvGrpSpPr>
+        <p:cNvPr id="1" name="Shape 489"/>
+        <p:cNvGrpSpPr/>
+        <p:nvPr/>
+      </p:nvGrpSpPr>
+      <p:grpSpPr>
+        <a:xfrm>
+          <a:off x="0" y="0"/>
+          <a:ext cx="0" cy="0"/>
+          <a:chOff x="0" y="0"/>
+          <a:chExt cx="0" cy="0"/>
+        </a:xfrm>
+      </p:grpSpPr>
+      <p:pic>
+        <p:nvPicPr>
+          <p:cNvPr id="490" name="Google Shape;490;p34" descr="A person looking at the camera&#10;&#10;Description automatically generated"/>
+          <p:cNvPicPr preferRelativeResize="0"/>
+          <p:nvPr/>
+        </p:nvPicPr>
+        <p:blipFill rotWithShape="1">
+          <a:blip r:embed="rId4">
+            <a:duotone>
+              <a:prstClr val="black"/>
+              <a:schemeClr val="tx2">
+                <a:tint val="45000"/>
+                <a:satMod val="400000"/>
+              </a:schemeClr>
+            </a:duotone>
+            <a:alphaModFix amt="35000"/>
+          </a:blip>
+          <a:srcRect b="15730"/>
+          <a:stretch/>
+        </p:blipFill>
+        <p:spPr>
+          <a:xfrm>
+            <a:off x="20" y="10"/>
+            <a:ext cx="12191980" cy="6857990"/>
+          </a:xfrm>
+          <a:prstGeom prst="rect">
+            <a:avLst/>
+          </a:prstGeom>
+          <a:noFill/>
+        </p:spPr>
+      </p:pic>
+      <p:sp>
+        <p:nvSpPr>
+          <p:cNvPr id="492" name="Google Shape;492;p34"/>
+          <p:cNvSpPr txBox="1">
+            <a:spLocks noGrp="1"/>
+          </p:cNvSpPr>
+          <p:nvPr>
+            <p:ph type="title"/>
+          </p:nvPr>
+        </p:nvSpPr>
+        <p:spPr>
+          <a:xfrm>
+            <a:off x="913795" y="609600"/>
+            <a:ext cx="10353762" cy="970450"/>
+          </a:xfrm>
+          <a:prstGeom prst="rect">
+            <a:avLst/>
+          </a:prstGeom>
+        </p:spPr>
+        <p:txBody>
+          <a:bodyPr spcFirstLastPara="1" lIns="91425" tIns="45700" rIns="91425" bIns="45700" anchorCtr="0">
+            <a:normAutofit/>
+          </a:bodyPr>
+          <a:lstStyle/>
+          <a:p>
+            <a:pPr marL="0" lvl="0" indent="0" rtl="0">
+              <a:spcBef>
+                <a:spcPts val="0"/>
+              </a:spcBef>
+              <a:spcAft>
+                <a:spcPts val="0"/>
+              </a:spcAft>
+              <a:buClr>
+                <a:srgbClr val="000000"/>
+              </a:buClr>
+              <a:buSzPts val="3600"/>
+              <a:buFont typeface="Twentieth Century"/>
+              <a:buNone/>
+            </a:pPr>
+            <a:r>
+              <a:rPr lang="en-IE"/>
+              <a:t>WHY WE NEED TESTING</a:t>
+            </a:r>
+          </a:p>
+        </p:txBody>
+      </p:sp>
+      <p:sp>
+        <p:nvSpPr>
+          <p:cNvPr id="494" name="Google Shape;494;p34"/>
+          <p:cNvSpPr txBox="1">
+            <a:spLocks noGrp="1"/>
+          </p:cNvSpPr>
+          <p:nvPr>
+            <p:ph type="body" idx="1"/>
+          </p:nvPr>
+        </p:nvSpPr>
+        <p:spPr>
+          <a:xfrm>
+            <a:off x="913795" y="1732449"/>
+            <a:ext cx="10353762" cy="4058751"/>
+          </a:xfrm>
+          <a:prstGeom prst="rect">
+            <a:avLst/>
+          </a:prstGeom>
+        </p:spPr>
+        <p:txBody>
+          <a:bodyPr spcFirstLastPara="1" lIns="91425" tIns="45700" rIns="91425" bIns="45700" anchor="ctr" anchorCtr="0">
+            <a:normAutofit lnSpcReduction="10000"/>
+          </a:bodyPr>
+          <a:lstStyle/>
+          <a:p>
+            <a:pPr marL="0" lvl="0" indent="0" rtl="0">
+              <a:spcBef>
+                <a:spcPts val="0"/>
+              </a:spcBef>
+              <a:spcAft>
+                <a:spcPts val="0"/>
+              </a:spcAft>
+              <a:buClr>
+                <a:srgbClr val="B8BB41"/>
+              </a:buClr>
+              <a:buSzPts val="2000"/>
+              <a:buNone/>
+            </a:pPr>
+            <a:r>
+              <a:rPr lang="en-GB" sz="3200" b="1" dirty="0"/>
+              <a:t>Fiat </a:t>
+            </a:r>
+            <a:r>
+              <a:rPr lang="en-GB" sz="3200" b="1" dirty="0" err="1"/>
+              <a:t>chrysler</a:t>
+            </a:r>
+            <a:endParaRPr lang="en-GB" sz="3200" b="1" dirty="0"/>
+          </a:p>
+          <a:p>
+            <a:pPr marL="685800" lvl="1" indent="-228600" rtl="0">
+              <a:spcBef>
+                <a:spcPts val="500"/>
+              </a:spcBef>
+              <a:spcAft>
+                <a:spcPts val="0"/>
+              </a:spcAft>
+              <a:buClr>
+                <a:srgbClr val="B8BB41"/>
+              </a:buClr>
+              <a:buSzPts val="2000"/>
+              <a:buChar char="•"/>
+            </a:pPr>
+            <a:r>
+              <a:rPr lang="en-GB" sz="2800" dirty="0"/>
+              <a:t>In 2016 recalled over </a:t>
+            </a:r>
+            <a:r>
+              <a:rPr lang="en-GB" sz="2800" b="1" dirty="0"/>
+              <a:t>1 million </a:t>
+            </a:r>
+            <a:r>
+              <a:rPr lang="en-GB" sz="2800" dirty="0"/>
+              <a:t>vehicles.</a:t>
+            </a:r>
+          </a:p>
+          <a:p>
+            <a:pPr marL="685800" lvl="1" indent="-228600" rtl="0">
+              <a:spcBef>
+                <a:spcPts val="500"/>
+              </a:spcBef>
+              <a:spcAft>
+                <a:spcPts val="0"/>
+              </a:spcAft>
+              <a:buClr>
+                <a:srgbClr val="B8BB41"/>
+              </a:buClr>
+              <a:buSzPts val="2000"/>
+              <a:buChar char="•"/>
+            </a:pPr>
+            <a:r>
+              <a:rPr lang="en-GB" sz="2800" dirty="0"/>
+              <a:t>Government investigation revealed a </a:t>
+            </a:r>
+          </a:p>
+          <a:p>
+            <a:pPr marL="457200" lvl="1" indent="0" rtl="0">
+              <a:spcBef>
+                <a:spcPts val="500"/>
+              </a:spcBef>
+              <a:spcAft>
+                <a:spcPts val="0"/>
+              </a:spcAft>
+              <a:buClr>
+                <a:srgbClr val="B8BB41"/>
+              </a:buClr>
+              <a:buSzPts val="2000"/>
+              <a:buNone/>
+            </a:pPr>
+            <a:r>
+              <a:rPr lang="en-GB" sz="2800" b="1" dirty="0"/>
+              <a:t>    gear-shift flaw</a:t>
+            </a:r>
+            <a:r>
+              <a:rPr lang="en-GB" sz="2800" dirty="0"/>
+              <a:t> which resulted in:</a:t>
+            </a:r>
+          </a:p>
+          <a:p>
+            <a:pPr marL="1143000" lvl="2" indent="-228600" rtl="0">
+              <a:spcBef>
+                <a:spcPts val="500"/>
+              </a:spcBef>
+              <a:spcAft>
+                <a:spcPts val="0"/>
+              </a:spcAft>
+              <a:buClr>
+                <a:srgbClr val="B8BB41"/>
+              </a:buClr>
+              <a:buSzPts val="1600"/>
+              <a:buFont typeface="Courier New"/>
+              <a:buChar char="o"/>
+            </a:pPr>
+            <a:r>
+              <a:rPr lang="en-GB" sz="2400" dirty="0"/>
+              <a:t>266 accidents</a:t>
+            </a:r>
+          </a:p>
+          <a:p>
+            <a:pPr marL="1143000" lvl="2" indent="-228600" rtl="0">
+              <a:spcBef>
+                <a:spcPts val="500"/>
+              </a:spcBef>
+              <a:spcAft>
+                <a:spcPts val="0"/>
+              </a:spcAft>
+              <a:buClr>
+                <a:srgbClr val="B8BB41"/>
+              </a:buClr>
+              <a:buSzPts val="1600"/>
+              <a:buFont typeface="Courier New"/>
+              <a:buChar char="o"/>
+            </a:pPr>
+            <a:r>
+              <a:rPr lang="en-GB" sz="2400" dirty="0"/>
+              <a:t>68 injuries</a:t>
+            </a:r>
+          </a:p>
+          <a:p>
+            <a:pPr marL="1143000" lvl="2" indent="-228600" rtl="0">
+              <a:spcBef>
+                <a:spcPts val="500"/>
+              </a:spcBef>
+              <a:spcAft>
+                <a:spcPts val="0"/>
+              </a:spcAft>
+              <a:buClr>
+                <a:srgbClr val="B8BB41"/>
+              </a:buClr>
+              <a:buSzPts val="1600"/>
+              <a:buFont typeface="Courier New"/>
+              <a:buChar char="o"/>
+            </a:pPr>
+            <a:r>
+              <a:rPr lang="en-GB" sz="2400" dirty="0"/>
+              <a:t>At least 1 death (actor Anton Yelchin)</a:t>
+            </a:r>
+          </a:p>
+          <a:p>
+            <a:pPr marL="685800" lvl="1" indent="-228600" rtl="0">
+              <a:spcBef>
+                <a:spcPts val="500"/>
+              </a:spcBef>
+              <a:spcAft>
+                <a:spcPts val="0"/>
+              </a:spcAft>
+              <a:buClr>
+                <a:srgbClr val="B8BB41"/>
+              </a:buClr>
+              <a:buSzPts val="2000"/>
+              <a:buChar char="•"/>
+            </a:pPr>
+            <a:r>
+              <a:rPr lang="en-GB" sz="2800" dirty="0"/>
+              <a:t>A software update was issued after the recall, however the update reportedly failed to work for a further 29,000 vehicles.</a:t>
+            </a:r>
+          </a:p>
+        </p:txBody>
+      </p:sp>
+      <p:sp>
+        <p:nvSpPr>
+          <p:cNvPr id="493" name="Google Shape;493;p34"/>
+          <p:cNvSpPr txBox="1"/>
+          <p:nvPr/>
+        </p:nvSpPr>
+        <p:spPr>
+          <a:xfrm>
+            <a:off x="838200" y="2457450"/>
+            <a:ext cx="2743200" cy="369332"/>
+          </a:xfrm>
+          <a:prstGeom prst="rect">
+            <a:avLst/>
+          </a:prstGeom>
+          <a:noFill/>
+          <a:ln>
+            <a:noFill/>
+          </a:ln>
+        </p:spPr>
+        <p:txBody>
+          <a:bodyPr spcFirstLastPara="1" wrap="square" lIns="91425" tIns="45700" rIns="91425" bIns="45700" anchor="t" anchorCtr="0">
+            <a:spAutoFit/>
+          </a:bodyPr>
+          <a:lstStyle/>
+          <a:p>
+            <a:pPr marL="0" marR="0" lvl="0" indent="0" algn="l" rtl="0">
+              <a:spcBef>
+                <a:spcPts val="0"/>
+              </a:spcBef>
+              <a:spcAft>
+                <a:spcPts val="0"/>
+              </a:spcAft>
+              <a:buNone/>
+            </a:pPr>
+            <a:endParaRPr sz="1800">
+              <a:solidFill>
+                <a:schemeClr val="dk1"/>
+              </a:solidFill>
+              <a:latin typeface="Twentieth Century"/>
+              <a:ea typeface="Twentieth Century"/>
+              <a:cs typeface="Twentieth Century"/>
+              <a:sym typeface="Twentieth Century"/>
+            </a:endParaRPr>
+          </a:p>
+        </p:txBody>
+      </p:sp>
+    </p:spTree>
+  </p:cSld>
+  <p:clrMapOvr>
+    <a:masterClrMapping/>
+  </p:clrMapOvr>
+</p:sld>
+</file>
+
+<file path=ppt/slides/slide6.xml><?xml version="1.0" encoding="utf-8"?>
+<p:sld xmlns:a="http://schemas.openxmlformats.org/drawingml/2006/main" xmlns:r="http://schemas.openxmlformats.org/officeDocument/2006/relationships" xmlns:p="http://schemas.openxmlformats.org/presentationml/2006/main">
+  <p:cSld>
+    <p:spTree>
+      <p:nvGrpSpPr>
+        <p:cNvPr id="1" name="Shape 498"/>
+        <p:cNvGrpSpPr/>
+        <p:nvPr/>
+      </p:nvGrpSpPr>
+      <p:grpSpPr>
+        <a:xfrm>
+          <a:off x="0" y="0"/>
+          <a:ext cx="0" cy="0"/>
+          <a:chOff x="0" y="0"/>
+          <a:chExt cx="0" cy="0"/>
+        </a:xfrm>
+      </p:grpSpPr>
+      <p:pic>
+        <p:nvPicPr>
+          <p:cNvPr id="499" name="Google Shape;499;p35" descr="A picture containing person, indoor, person, pair&#10;&#10;Description automatically generated"/>
+          <p:cNvPicPr preferRelativeResize="0"/>
+          <p:nvPr/>
+        </p:nvPicPr>
+        <p:blipFill rotWithShape="1">
+          <a:blip r:embed="rId3">
+            <a:alphaModFix/>
+          </a:blip>
+          <a:srcRect l="18436" r="20026" b="-1"/>
+          <a:stretch/>
+        </p:blipFill>
+        <p:spPr>
+          <a:xfrm>
+            <a:off x="5797543" y="10"/>
+            <a:ext cx="6394152" cy="6857990"/>
+          </a:xfrm>
+          <a:prstGeom prst="rect">
+            <a:avLst/>
+          </a:prstGeom>
+          <a:noFill/>
+          <a:ln>
+            <a:noFill/>
+          </a:ln>
+        </p:spPr>
+      </p:pic>
+      <p:pic>
+        <p:nvPicPr>
+          <p:cNvPr id="500" name="Google Shape;500;p35"/>
+          <p:cNvPicPr preferRelativeResize="0"/>
+          <p:nvPr/>
+        </p:nvPicPr>
+        <p:blipFill rotWithShape="1">
+          <a:blip r:embed="rId4">
+            <a:alphaModFix/>
+          </a:blip>
+          <a:srcRect/>
+          <a:stretch/>
+        </p:blipFill>
+        <p:spPr>
+          <a:xfrm rot="10800000">
+            <a:off x="0" y="0"/>
+            <a:ext cx="12192000" cy="6858000"/>
+          </a:xfrm>
+          <a:prstGeom prst="rect">
+            <a:avLst/>
+          </a:prstGeom>
+          <a:noFill/>
+          <a:ln>
+            <a:noFill/>
+          </a:ln>
+        </p:spPr>
+      </p:pic>
+      <p:sp>
+        <p:nvSpPr>
+          <p:cNvPr id="501" name="Google Shape;501;p35"/>
+          <p:cNvSpPr txBox="1">
+            <a:spLocks noGrp="1"/>
+          </p:cNvSpPr>
+          <p:nvPr>
+            <p:ph type="title"/>
+          </p:nvPr>
+        </p:nvSpPr>
+        <p:spPr>
+          <a:xfrm>
+            <a:off x="804998" y="798445"/>
+            <a:ext cx="4915148" cy="1311664"/>
+          </a:xfrm>
+          <a:prstGeom prst="rect">
+            <a:avLst/>
+          </a:prstGeom>
+          <a:noFill/>
+          <a:ln>
+            <a:noFill/>
+          </a:ln>
+        </p:spPr>
+        <p:txBody>
+          <a:bodyPr spcFirstLastPara="1" wrap="square" lIns="91425" tIns="45700" rIns="91425" bIns="45700" anchor="ctr" anchorCtr="0">
+            <a:normAutofit/>
+          </a:bodyPr>
+          <a:lstStyle/>
+          <a:p>
+            <a:pPr marL="0" lvl="0" indent="0" algn="ctr" rtl="0">
+              <a:lnSpc>
+                <a:spcPct val="90000"/>
+              </a:lnSpc>
+              <a:spcBef>
+                <a:spcPts val="0"/>
+              </a:spcBef>
+              <a:spcAft>
+                <a:spcPts val="0"/>
+              </a:spcAft>
+              <a:buClr>
+                <a:srgbClr val="000000"/>
+              </a:buClr>
+              <a:buSzPts val="3600"/>
+              <a:buFont typeface="Twentieth Century"/>
+              <a:buNone/>
+            </a:pPr>
+            <a:r>
+              <a:rPr lang="en-IE">
+                <a:solidFill>
+                  <a:srgbClr val="000000"/>
+                </a:solidFill>
+              </a:rPr>
+              <a:t>WHY WE NEED TESTING</a:t>
+            </a:r>
+            <a:endParaRPr/>
+          </a:p>
+        </p:txBody>
+      </p:sp>
+      <p:sp>
+        <p:nvSpPr>
+          <p:cNvPr id="502" name="Google Shape;502;p35"/>
+          <p:cNvSpPr txBox="1">
+            <a:spLocks noGrp="1"/>
+          </p:cNvSpPr>
+          <p:nvPr>
+            <p:ph type="body" idx="1"/>
+          </p:nvPr>
+        </p:nvSpPr>
+        <p:spPr>
+          <a:xfrm>
+            <a:off x="-3466" y="2104875"/>
+            <a:ext cx="5924144" cy="3788830"/>
+          </a:xfrm>
+          <a:prstGeom prst="rect">
+            <a:avLst/>
+          </a:prstGeom>
+          <a:noFill/>
+          <a:ln>
+            <a:noFill/>
+          </a:ln>
+        </p:spPr>
+        <p:txBody>
+          <a:bodyPr spcFirstLastPara="1" wrap="square" lIns="91425" tIns="45700" rIns="91425" bIns="45700" anchor="ctr" anchorCtr="0">
+            <a:normAutofit fontScale="92500" lnSpcReduction="20000"/>
+          </a:bodyPr>
+          <a:lstStyle/>
+          <a:p>
+            <a:pPr marL="0" lvl="0" indent="0" algn="ctr" rtl="0">
+              <a:lnSpc>
+                <a:spcPct val="120000"/>
+              </a:lnSpc>
+              <a:spcBef>
+                <a:spcPts val="0"/>
+              </a:spcBef>
+              <a:spcAft>
+                <a:spcPts val="0"/>
+              </a:spcAft>
+              <a:buSzPct val="100000"/>
+              <a:buNone/>
+            </a:pPr>
+            <a:r>
+              <a:rPr lang="en-GB" sz="1800" b="1" dirty="0">
+                <a:solidFill>
+                  <a:srgbClr val="000000"/>
+                </a:solidFill>
+              </a:rPr>
+              <a:t>UK national health service</a:t>
+            </a:r>
+            <a:endParaRPr lang="en-GB" sz="1800" dirty="0"/>
+          </a:p>
+          <a:p>
+            <a:pPr marL="685800" lvl="1" indent="-228600" algn="l" rtl="0">
+              <a:lnSpc>
+                <a:spcPct val="120000"/>
+              </a:lnSpc>
+              <a:spcBef>
+                <a:spcPts val="500"/>
+              </a:spcBef>
+              <a:spcAft>
+                <a:spcPts val="0"/>
+              </a:spcAft>
+              <a:buSzPct val="100000"/>
+              <a:buChar char="•"/>
+            </a:pPr>
+            <a:r>
+              <a:rPr lang="en-GB" dirty="0">
+                <a:solidFill>
+                  <a:srgbClr val="000000"/>
+                </a:solidFill>
+              </a:rPr>
+              <a:t>Admitted to mis-prescribing medication to 300,000 heart patients due to a software error.</a:t>
+            </a:r>
+            <a:endParaRPr lang="en-GB" sz="1600" dirty="0"/>
+          </a:p>
+          <a:p>
+            <a:pPr marL="685800" lvl="1" indent="-120650" algn="l" rtl="0">
+              <a:lnSpc>
+                <a:spcPct val="120000"/>
+              </a:lnSpc>
+              <a:spcBef>
+                <a:spcPts val="500"/>
+              </a:spcBef>
+              <a:spcAft>
+                <a:spcPts val="0"/>
+              </a:spcAft>
+              <a:buSzPct val="100000"/>
+              <a:buNone/>
+            </a:pPr>
+            <a:endParaRPr lang="en-GB" dirty="0">
+              <a:solidFill>
+                <a:srgbClr val="000000"/>
+              </a:solidFill>
+            </a:endParaRPr>
+          </a:p>
+          <a:p>
+            <a:pPr marL="685800" lvl="1" indent="-228600" algn="l" rtl="0">
+              <a:lnSpc>
+                <a:spcPct val="120000"/>
+              </a:lnSpc>
+              <a:spcBef>
+                <a:spcPts val="500"/>
+              </a:spcBef>
+              <a:spcAft>
+                <a:spcPts val="0"/>
+              </a:spcAft>
+              <a:buSzPct val="100000"/>
+              <a:buChar char="•"/>
+            </a:pPr>
+            <a:r>
+              <a:rPr lang="en-GB" dirty="0" err="1">
+                <a:solidFill>
+                  <a:srgbClr val="000000"/>
+                </a:solidFill>
+              </a:rPr>
+              <a:t>Systmone</a:t>
+            </a:r>
+            <a:r>
+              <a:rPr lang="en-GB" dirty="0">
+                <a:solidFill>
+                  <a:srgbClr val="000000"/>
+                </a:solidFill>
+              </a:rPr>
+              <a:t>, the software used to calculate the risk of a heart attack, has reportedly produced incorrect results since 2009.</a:t>
+            </a:r>
+            <a:endParaRPr lang="en-GB" sz="1600" dirty="0"/>
+          </a:p>
+          <a:p>
+            <a:pPr marL="685800" lvl="1" indent="-131444" algn="l" rtl="0">
+              <a:lnSpc>
+                <a:spcPct val="120000"/>
+              </a:lnSpc>
+              <a:spcBef>
+                <a:spcPts val="500"/>
+              </a:spcBef>
+              <a:spcAft>
+                <a:spcPts val="0"/>
+              </a:spcAft>
+              <a:buSzPct val="100000"/>
+              <a:buNone/>
+            </a:pPr>
+            <a:endParaRPr lang="en-GB" sz="1600" dirty="0"/>
+          </a:p>
+          <a:p>
+            <a:pPr marL="685800" lvl="1" indent="-228600">
+              <a:lnSpc>
+                <a:spcPct val="120000"/>
+              </a:lnSpc>
+              <a:spcBef>
+                <a:spcPts val="500"/>
+              </a:spcBef>
+              <a:spcAft>
+                <a:spcPts val="0"/>
+              </a:spcAft>
+              <a:buSzPct val="100000"/>
+              <a:buChar char="•"/>
+            </a:pPr>
+            <a:r>
+              <a:rPr lang="en-GB" dirty="0">
+                <a:solidFill>
+                  <a:srgbClr val="000000"/>
+                </a:solidFill>
+              </a:rPr>
+              <a:t>This has led to patients:</a:t>
+            </a:r>
+          </a:p>
+          <a:p>
+            <a:pPr marL="837000" lvl="1" indent="-228600">
+              <a:lnSpc>
+                <a:spcPct val="120000"/>
+              </a:lnSpc>
+              <a:spcBef>
+                <a:spcPts val="500"/>
+              </a:spcBef>
+              <a:spcAft>
+                <a:spcPts val="0"/>
+              </a:spcAft>
+              <a:buSzPct val="100000"/>
+              <a:buChar char="•"/>
+            </a:pPr>
+            <a:r>
+              <a:rPr lang="en-GB" dirty="0">
+                <a:solidFill>
+                  <a:srgbClr val="000000"/>
+                </a:solidFill>
+              </a:rPr>
+              <a:t>Suffering needlessly from heart attacks or strokes.</a:t>
+            </a:r>
+          </a:p>
+          <a:p>
+            <a:pPr marL="837000" lvl="1" indent="-228600">
+              <a:lnSpc>
+                <a:spcPct val="120000"/>
+              </a:lnSpc>
+              <a:spcBef>
+                <a:spcPts val="500"/>
+              </a:spcBef>
+              <a:spcAft>
+                <a:spcPts val="0"/>
+              </a:spcAft>
+              <a:buSzPct val="100000"/>
+              <a:buChar char="•"/>
+            </a:pPr>
+            <a:r>
+              <a:rPr lang="en-GB" dirty="0">
+                <a:solidFill>
+                  <a:srgbClr val="000000"/>
+                </a:solidFill>
+              </a:rPr>
+              <a:t>Suffering serious side-effects from taking unnecessary medication.</a:t>
+            </a:r>
+          </a:p>
+        </p:txBody>
+      </p:sp>
+    </p:spTree>
+  </p:cSld>
+  <p:clrMapOvr>
+    <a:masterClrMapping/>
+  </p:clrMapOvr>
+</p:sld>
+</file>
+
+<file path=ppt/slides/slide7.xml><?xml version="1.0" encoding="utf-8"?>
+<p:sld xmlns:a="http://schemas.openxmlformats.org/drawingml/2006/main" xmlns:r="http://schemas.openxmlformats.org/officeDocument/2006/relationships" xmlns:p="http://schemas.openxmlformats.org/presentationml/2006/main">
+  <p:cSld>
+    <p:spTree>
+      <p:nvGrpSpPr>
+        <p:cNvPr id="1" name="Shape 506"/>
+        <p:cNvGrpSpPr/>
+        <p:nvPr/>
+      </p:nvGrpSpPr>
+      <p:grpSpPr>
+        <a:xfrm>
+          <a:off x="0" y="0"/>
+          <a:ext cx="0" cy="0"/>
+          <a:chOff x="0" y="0"/>
+          <a:chExt cx="0" cy="0"/>
+        </a:xfrm>
+      </p:grpSpPr>
+      <p:sp>
+        <p:nvSpPr>
+          <p:cNvPr id="507" name="Google Shape;507;p36"/>
+          <p:cNvSpPr/>
+          <p:nvPr/>
+        </p:nvSpPr>
+        <p:spPr>
+          <a:xfrm>
+            <a:off x="0" y="0"/>
+            <a:ext cx="12188952" cy="6858000"/>
+          </a:xfrm>
+          <a:prstGeom prst="rect">
+            <a:avLst/>
+          </a:prstGeom>
+          <a:gradFill>
+            <a:gsLst>
+              <a:gs pos="0">
+                <a:schemeClr val="lt1"/>
+              </a:gs>
+              <a:gs pos="100000">
+                <a:srgbClr val="B7B7B7"/>
+              </a:gs>
+            </a:gsLst>
+            <a:lin ang="5400000" scaled="0"/>
+          </a:gradFill>
+          <a:ln>
+            <a:noFill/>
+          </a:ln>
+        </p:spPr>
+        <p:txBody>
+          <a:bodyPr spcFirstLastPara="1" wrap="square" lIns="91425" tIns="45700" rIns="91425" bIns="45700" anchor="ctr" anchorCtr="0">
+            <a:noAutofit/>
+          </a:bodyPr>
+          <a:lstStyle/>
+          <a:p>
+            <a:pPr marL="0" marR="0" lvl="0" indent="0" algn="ctr" rtl="0">
+              <a:spcBef>
+                <a:spcPts val="0"/>
+              </a:spcBef>
+              <a:spcAft>
+                <a:spcPts val="0"/>
+              </a:spcAft>
+              <a:buNone/>
+            </a:pPr>
+            <a:endParaRPr sz="1800">
+              <a:solidFill>
+                <a:schemeClr val="lt1"/>
+              </a:solidFill>
+              <a:latin typeface="Twentieth Century"/>
+              <a:ea typeface="Twentieth Century"/>
+              <a:cs typeface="Twentieth Century"/>
+              <a:sym typeface="Twentieth Century"/>
+            </a:endParaRPr>
+          </a:p>
+        </p:txBody>
+      </p:sp>
+      <p:sp>
+        <p:nvSpPr>
+          <p:cNvPr id="508" name="Google Shape;508;p36"/>
+          <p:cNvSpPr/>
+          <p:nvPr/>
+        </p:nvSpPr>
+        <p:spPr>
+          <a:xfrm>
+            <a:off x="6406152" y="2355786"/>
+            <a:ext cx="4985748" cy="3531073"/>
+          </a:xfrm>
+          <a:prstGeom prst="rect">
+            <a:avLst/>
+          </a:prstGeom>
+          <a:solidFill>
+            <a:schemeClr val="accent1"/>
+          </a:solidFill>
+          <a:ln>
+            <a:noFill/>
+          </a:ln>
+        </p:spPr>
+        <p:txBody>
+          <a:bodyPr spcFirstLastPara="1" wrap="square" lIns="91425" tIns="45700" rIns="91425" bIns="45700" anchor="t" anchorCtr="0">
+            <a:noAutofit/>
+          </a:bodyPr>
+          <a:lstStyle/>
+          <a:p>
+            <a:pPr marL="0" marR="0" lvl="0" indent="0" algn="l" rtl="0">
+              <a:spcBef>
+                <a:spcPts val="0"/>
+              </a:spcBef>
+              <a:spcAft>
+                <a:spcPts val="0"/>
+              </a:spcAft>
+              <a:buNone/>
+            </a:pPr>
+            <a:endParaRPr sz="1800">
+              <a:solidFill>
+                <a:schemeClr val="dk1"/>
+              </a:solidFill>
+              <a:latin typeface="Twentieth Century"/>
+              <a:ea typeface="Twentieth Century"/>
+              <a:cs typeface="Twentieth Century"/>
+              <a:sym typeface="Twentieth Century"/>
+            </a:endParaRPr>
+          </a:p>
+        </p:txBody>
+      </p:sp>
+      <p:sp>
+        <p:nvSpPr>
+          <p:cNvPr id="509" name="Google Shape;509;p36"/>
+          <p:cNvSpPr txBox="1">
+            <a:spLocks noGrp="1"/>
+          </p:cNvSpPr>
+          <p:nvPr>
+            <p:ph type="title"/>
+          </p:nvPr>
+        </p:nvSpPr>
+        <p:spPr>
+          <a:xfrm>
+            <a:off x="7559812" y="2723322"/>
+            <a:ext cx="3510355" cy="2236738"/>
+          </a:xfrm>
+          <a:prstGeom prst="rect">
+            <a:avLst/>
+          </a:prstGeom>
+          <a:noFill/>
+          <a:ln>
+            <a:noFill/>
+          </a:ln>
+        </p:spPr>
+        <p:txBody>
+          <a:bodyPr spcFirstLastPara="1" wrap="square" lIns="91425" tIns="45700" rIns="91425" bIns="45700" anchor="b" anchorCtr="0">
+            <a:normAutofit/>
+          </a:bodyPr>
+          <a:lstStyle/>
+          <a:p>
+            <a:pPr marL="0" lvl="0" indent="0" algn="ctr" rtl="0">
+              <a:lnSpc>
+                <a:spcPct val="90000"/>
+              </a:lnSpc>
+              <a:spcBef>
+                <a:spcPts val="0"/>
+              </a:spcBef>
+              <a:spcAft>
+                <a:spcPts val="0"/>
+              </a:spcAft>
+              <a:buClr>
+                <a:srgbClr val="FFFFFF"/>
+              </a:buClr>
+              <a:buSzPts val="3600"/>
+              <a:buFont typeface="Twentieth Century"/>
+              <a:buNone/>
+            </a:pPr>
+            <a:r>
+              <a:rPr lang="en-IE">
+                <a:solidFill>
+                  <a:srgbClr val="FFFFFF"/>
+                </a:solidFill>
+              </a:rPr>
+              <a:t>PART 2 </a:t>
+            </a:r>
+            <a:br>
+              <a:rPr lang="en-IE">
+                <a:solidFill>
+                  <a:srgbClr val="FFFFFF"/>
+                </a:solidFill>
+              </a:rPr>
+            </a:br>
+            <a:r>
+              <a:rPr lang="en-IE">
+                <a:solidFill>
+                  <a:srgbClr val="FFFFFF"/>
+                </a:solidFill>
+              </a:rPr>
+              <a:t>TEST CASES</a:t>
+            </a:r>
+            <a:endParaRPr/>
+          </a:p>
+        </p:txBody>
+      </p:sp>
+      <p:sp>
+        <p:nvSpPr>
+          <p:cNvPr id="510" name="Google Shape;510;p36"/>
+          <p:cNvSpPr/>
+          <p:nvPr/>
+        </p:nvSpPr>
+        <p:spPr>
+          <a:xfrm>
+            <a:off x="6409782" y="1654168"/>
+            <a:ext cx="822493" cy="4232692"/>
+          </a:xfrm>
+          <a:custGeom>
+            <a:avLst/>
+            <a:gdLst/>
+            <a:ahLst/>
+            <a:cxnLst/>
+            <a:rect l="l" t="t" r="r" b="b"/>
+            <a:pathLst>
+              <a:path w="491" h="2732" extrusionOk="0">
+                <a:moveTo>
+                  <a:pt x="491" y="2247"/>
+                </a:moveTo>
+                <a:lnTo>
+                  <a:pt x="0" y="2732"/>
+                </a:lnTo>
+                <a:lnTo>
+                  <a:pt x="0" y="486"/>
+                </a:lnTo>
+                <a:lnTo>
+                  <a:pt x="491" y="0"/>
+                </a:lnTo>
+                <a:lnTo>
+                  <a:pt x="491" y="2247"/>
+                </a:lnTo>
+                <a:close/>
+              </a:path>
+            </a:pathLst>
+          </a:custGeom>
+          <a:solidFill>
+            <a:srgbClr val="0A5483"/>
+          </a:solidFill>
+          <a:ln>
+            <a:noFill/>
+          </a:ln>
+        </p:spPr>
+        <p:txBody>
+          <a:bodyPr spcFirstLastPara="1" wrap="square" lIns="91425" tIns="45700" rIns="91425" bIns="45700" anchor="t" anchorCtr="0">
+            <a:noAutofit/>
+          </a:bodyPr>
+          <a:lstStyle/>
+          <a:p>
+            <a:pPr marL="0" marR="0" lvl="0" indent="0" algn="l" rtl="0">
+              <a:spcBef>
+                <a:spcPts val="0"/>
+              </a:spcBef>
+              <a:spcAft>
+                <a:spcPts val="0"/>
+              </a:spcAft>
+              <a:buNone/>
+            </a:pPr>
+            <a:endParaRPr sz="1800">
+              <a:solidFill>
+                <a:schemeClr val="dk1"/>
+              </a:solidFill>
+              <a:latin typeface="Twentieth Century"/>
+              <a:ea typeface="Twentieth Century"/>
+              <a:cs typeface="Twentieth Century"/>
+              <a:sym typeface="Twentieth Century"/>
+            </a:endParaRPr>
+          </a:p>
+        </p:txBody>
+      </p:sp>
+      <p:sp>
+        <p:nvSpPr>
+          <p:cNvPr id="511" name="Google Shape;511;p36"/>
+          <p:cNvSpPr/>
+          <p:nvPr/>
+        </p:nvSpPr>
+        <p:spPr>
+          <a:xfrm>
+            <a:off x="6544520" y="1311136"/>
+            <a:ext cx="687754" cy="3820236"/>
+          </a:xfrm>
+          <a:custGeom>
+            <a:avLst/>
+            <a:gdLst/>
+            <a:ahLst/>
+            <a:cxnLst/>
+            <a:rect l="l" t="t" r="r" b="b"/>
+            <a:pathLst>
+              <a:path w="414" h="2447" extrusionOk="0">
+                <a:moveTo>
+                  <a:pt x="414" y="2447"/>
+                </a:moveTo>
+                <a:lnTo>
+                  <a:pt x="0" y="2247"/>
+                </a:lnTo>
+                <a:lnTo>
+                  <a:pt x="0" y="0"/>
+                </a:lnTo>
+                <a:lnTo>
+                  <a:pt x="414" y="200"/>
+                </a:lnTo>
+                <a:lnTo>
+                  <a:pt x="414" y="2447"/>
+                </a:lnTo>
+                <a:close/>
+              </a:path>
+            </a:pathLst>
+          </a:custGeom>
+          <a:solidFill>
+            <a:srgbClr val="107EC5"/>
+          </a:solidFill>
+          <a:ln>
+            <a:noFill/>
+          </a:ln>
+        </p:spPr>
+        <p:txBody>
+          <a:bodyPr spcFirstLastPara="1" wrap="square" lIns="91425" tIns="45700" rIns="91425" bIns="45700" anchor="t" anchorCtr="0">
+            <a:noAutofit/>
+          </a:bodyPr>
+          <a:lstStyle/>
+          <a:p>
+            <a:pPr marL="0" marR="0" lvl="0" indent="0" algn="l" rtl="0">
+              <a:spcBef>
+                <a:spcPts val="0"/>
+              </a:spcBef>
+              <a:spcAft>
+                <a:spcPts val="0"/>
+              </a:spcAft>
+              <a:buNone/>
+            </a:pPr>
+            <a:endParaRPr sz="1800">
+              <a:solidFill>
+                <a:schemeClr val="dk1"/>
+              </a:solidFill>
+              <a:latin typeface="Twentieth Century"/>
+              <a:ea typeface="Twentieth Century"/>
+              <a:cs typeface="Twentieth Century"/>
+              <a:sym typeface="Twentieth Century"/>
+            </a:endParaRPr>
+          </a:p>
+        </p:txBody>
+      </p:sp>
+      <p:sp>
+        <p:nvSpPr>
+          <p:cNvPr id="512" name="Google Shape;512;p36"/>
+          <p:cNvSpPr/>
+          <p:nvPr/>
+        </p:nvSpPr>
+        <p:spPr>
+          <a:xfrm>
+            <a:off x="6544520" y="1126737"/>
+            <a:ext cx="347200" cy="3699705"/>
+          </a:xfrm>
+          <a:custGeom>
+            <a:avLst/>
+            <a:gdLst/>
+            <a:ahLst/>
+            <a:cxnLst/>
+            <a:rect l="l" t="t" r="r" b="b"/>
+            <a:pathLst>
+              <a:path w="209" h="2358" extrusionOk="0">
+                <a:moveTo>
+                  <a:pt x="209" y="2246"/>
+                </a:moveTo>
+                <a:lnTo>
+                  <a:pt x="0" y="2358"/>
+                </a:lnTo>
+                <a:lnTo>
+                  <a:pt x="0" y="111"/>
+                </a:lnTo>
+                <a:lnTo>
+                  <a:pt x="209" y="0"/>
+                </a:lnTo>
+                <a:lnTo>
+                  <a:pt x="209" y="2246"/>
+                </a:lnTo>
+                <a:close/>
+              </a:path>
+            </a:pathLst>
+          </a:custGeom>
+          <a:solidFill>
+            <a:srgbClr val="0A5483"/>
+          </a:solidFill>
+          <a:ln>
+            <a:noFill/>
+          </a:ln>
+        </p:spPr>
+        <p:txBody>
+          <a:bodyPr spcFirstLastPara="1" wrap="square" lIns="91425" tIns="45700" rIns="91425" bIns="45700" anchor="t" anchorCtr="0">
+            <a:noAutofit/>
+          </a:bodyPr>
+          <a:lstStyle/>
+          <a:p>
+            <a:pPr marL="0" marR="0" lvl="0" indent="0" algn="l" rtl="0">
+              <a:spcBef>
+                <a:spcPts val="0"/>
+              </a:spcBef>
+              <a:spcAft>
+                <a:spcPts val="0"/>
+              </a:spcAft>
+              <a:buNone/>
+            </a:pPr>
+            <a:endParaRPr sz="1800">
+              <a:solidFill>
+                <a:schemeClr val="dk1"/>
+              </a:solidFill>
+              <a:latin typeface="Twentieth Century"/>
+              <a:ea typeface="Twentieth Century"/>
+              <a:cs typeface="Twentieth Century"/>
+              <a:sym typeface="Twentieth Century"/>
+            </a:endParaRPr>
+          </a:p>
+        </p:txBody>
+      </p:sp>
+      <p:pic>
+        <p:nvPicPr>
+          <p:cNvPr id="513" name="Google Shape;513;p36" descr="A picture containing room&#10;&#10;Description automatically generated"/>
+          <p:cNvPicPr preferRelativeResize="0">
+            <a:picLocks noGrp="1"/>
+          </p:cNvPicPr>
+          <p:nvPr>
+            <p:ph type="body" idx="1"/>
+          </p:nvPr>
+        </p:nvPicPr>
+        <p:blipFill rotWithShape="1">
+          <a:blip r:embed="rId3">
+            <a:alphaModFix/>
+          </a:blip>
+          <a:srcRect l="9668" r="13" b="14"/>
+          <a:stretch/>
+        </p:blipFill>
+        <p:spPr>
+          <a:xfrm>
+            <a:off x="1258859" y="1120046"/>
+            <a:ext cx="5635819" cy="3509504"/>
+          </a:xfrm>
+          <a:prstGeom prst="rect">
+            <a:avLst/>
+          </a:prstGeom>
+          <a:noFill/>
+          <a:ln>
+            <a:noFill/>
+          </a:ln>
+        </p:spPr>
+      </p:pic>
+    </p:spTree>
+  </p:cSld>
+  <p:clrMapOvr>
+    <a:masterClrMapping/>
+  </p:clrMapOvr>
+</p:sld>
+</file>
+
+<file path=ppt/slides/slide8.xml><?xml version="1.0" encoding="utf-8"?>
+<p:sld xmlns:a="http://schemas.openxmlformats.org/drawingml/2006/main" xmlns:r="http://schemas.openxmlformats.org/officeDocument/2006/relationships" xmlns:p="http://schemas.openxmlformats.org/presentationml/2006/main">
+  <p:cSld>
+    <p:spTree>
+      <p:nvGrpSpPr>
+        <p:cNvPr id="1" name="Shape 517"/>
+        <p:cNvGrpSpPr/>
+        <p:nvPr/>
+      </p:nvGrpSpPr>
+      <p:grpSpPr>
+        <a:xfrm>
+          <a:off x="0" y="0"/>
+          <a:ext cx="0" cy="0"/>
+          <a:chOff x="0" y="0"/>
+          <a:chExt cx="0" cy="0"/>
+        </a:xfrm>
+      </p:grpSpPr>
+      <p:sp>
+        <p:nvSpPr>
+          <p:cNvPr id="518" name="Google Shape;518;p37"/>
+          <p:cNvSpPr/>
+          <p:nvPr/>
+        </p:nvSpPr>
+        <p:spPr>
+          <a:xfrm>
+            <a:off x="0" y="1"/>
+            <a:ext cx="12191999" cy="6858000"/>
+          </a:xfrm>
+          <a:prstGeom prst="rect">
+            <a:avLst/>
+          </a:prstGeom>
+          <a:gradFill>
+            <a:gsLst>
+              <a:gs pos="0">
+                <a:schemeClr val="lt1"/>
+              </a:gs>
+              <a:gs pos="100000">
+                <a:srgbClr val="B7B7B7"/>
+              </a:gs>
+            </a:gsLst>
+            <a:lin ang="5400000" scaled="0"/>
+          </a:gradFill>
+          <a:ln>
+            <a:noFill/>
+          </a:ln>
+        </p:spPr>
+        <p:txBody>
+          <a:bodyPr spcFirstLastPara="1" wrap="square" lIns="91425" tIns="45700" rIns="91425" bIns="45700" anchor="ctr" anchorCtr="0">
+            <a:noAutofit/>
+          </a:bodyPr>
+          <a:lstStyle/>
+          <a:p>
+            <a:pPr marL="0" marR="0" lvl="0" indent="0" algn="ctr" rtl="0">
+              <a:spcBef>
+                <a:spcPts val="0"/>
+              </a:spcBef>
+              <a:spcAft>
+                <a:spcPts val="0"/>
+              </a:spcAft>
+              <a:buNone/>
+            </a:pPr>
+            <a:endParaRPr sz="1800">
+              <a:solidFill>
+                <a:schemeClr val="lt1"/>
+              </a:solidFill>
+              <a:latin typeface="Twentieth Century"/>
+              <a:ea typeface="Twentieth Century"/>
+              <a:cs typeface="Twentieth Century"/>
+              <a:sym typeface="Twentieth Century"/>
+            </a:endParaRPr>
+          </a:p>
+        </p:txBody>
+      </p:sp>
+      <p:sp>
+        <p:nvSpPr>
+          <p:cNvPr id="519" name="Google Shape;519;p37"/>
+          <p:cNvSpPr/>
+          <p:nvPr/>
+        </p:nvSpPr>
+        <p:spPr>
+          <a:xfrm>
+            <a:off x="0" y="0"/>
+            <a:ext cx="4013876" cy="6858000"/>
+          </a:xfrm>
+          <a:prstGeom prst="rect">
+            <a:avLst/>
+          </a:prstGeom>
+          <a:gradFill>
+            <a:gsLst>
+              <a:gs pos="0">
+                <a:srgbClr val="636363"/>
+              </a:gs>
+              <a:gs pos="100000">
+                <a:schemeClr val="dk1"/>
+              </a:gs>
+            </a:gsLst>
+            <a:lin ang="5400000" scaled="0"/>
+          </a:gradFill>
+          <a:ln>
+            <a:noFill/>
+          </a:ln>
+          <a:effectLst>
+            <a:outerShdw blurRad="88900" dist="25400" algn="l" rotWithShape="0">
+              <a:srgbClr val="000000">
+                <a:alpha val="40000"/>
+              </a:srgbClr>
+            </a:outerShdw>
+          </a:effectLst>
+        </p:spPr>
+        <p:txBody>
+          <a:bodyPr spcFirstLastPara="1" wrap="square" lIns="91425" tIns="45700" rIns="91425" bIns="45700" anchor="ctr" anchorCtr="0">
+            <a:noAutofit/>
+          </a:bodyPr>
+          <a:lstStyle/>
+          <a:p>
+            <a:pPr marL="0" marR="0" lvl="0" indent="0" algn="ctr" rtl="0">
+              <a:spcBef>
+                <a:spcPts val="0"/>
+              </a:spcBef>
+              <a:spcAft>
+                <a:spcPts val="0"/>
+              </a:spcAft>
+              <a:buNone/>
+            </a:pPr>
+            <a:endParaRPr sz="1800">
+              <a:solidFill>
+                <a:schemeClr val="lt1"/>
+              </a:solidFill>
+              <a:latin typeface="Twentieth Century"/>
+              <a:ea typeface="Twentieth Century"/>
+              <a:cs typeface="Twentieth Century"/>
+              <a:sym typeface="Twentieth Century"/>
+            </a:endParaRPr>
+          </a:p>
+        </p:txBody>
+      </p:sp>
+      <p:pic>
+        <p:nvPicPr>
+          <p:cNvPr id="520" name="Google Shape;520;p37"/>
+          <p:cNvPicPr preferRelativeResize="0"/>
+          <p:nvPr/>
+        </p:nvPicPr>
+        <p:blipFill rotWithShape="1">
+          <a:blip r:embed="rId3">
+            <a:alphaModFix/>
+          </a:blip>
+          <a:srcRect r="77037" b="73004"/>
+          <a:stretch/>
+        </p:blipFill>
+        <p:spPr>
+          <a:xfrm>
+            <a:off x="1" y="-2"/>
+            <a:ext cx="3321978" cy="2196792"/>
+          </a:xfrm>
+          <a:prstGeom prst="rect">
+            <a:avLst/>
+          </a:prstGeom>
+          <a:noFill/>
+          <a:ln>
+            <a:noFill/>
+          </a:ln>
+        </p:spPr>
+      </p:pic>
+      <p:sp>
+        <p:nvSpPr>
+          <p:cNvPr id="521" name="Google Shape;521;p37"/>
+          <p:cNvSpPr txBox="1">
+            <a:spLocks noGrp="1"/>
+          </p:cNvSpPr>
+          <p:nvPr>
+            <p:ph type="title"/>
+          </p:nvPr>
+        </p:nvSpPr>
+        <p:spPr>
+          <a:xfrm>
+            <a:off x="959896" y="960814"/>
+            <a:ext cx="2732249" cy="4912936"/>
+          </a:xfrm>
+          <a:prstGeom prst="rect">
+            <a:avLst/>
+          </a:prstGeom>
+          <a:noFill/>
+          <a:ln>
+            <a:noFill/>
+          </a:ln>
+        </p:spPr>
+        <p:txBody>
+          <a:bodyPr spcFirstLastPara="1" wrap="square" lIns="91425" tIns="45700" rIns="91425" bIns="45700" anchor="b" anchorCtr="0">
+            <a:normAutofit/>
+          </a:bodyPr>
+          <a:lstStyle/>
+          <a:p>
+            <a:pPr marL="0" lvl="0" indent="0" algn="r" rtl="0">
+              <a:lnSpc>
+                <a:spcPct val="90000"/>
+              </a:lnSpc>
+              <a:spcBef>
+                <a:spcPts val="0"/>
+              </a:spcBef>
+              <a:spcAft>
+                <a:spcPts val="0"/>
+              </a:spcAft>
+              <a:buClr>
+                <a:schemeClr val="lt1"/>
+              </a:buClr>
+              <a:buSzPts val="4000"/>
+              <a:buFont typeface="Twentieth Century"/>
+              <a:buNone/>
+            </a:pPr>
+            <a:r>
+              <a:rPr lang="en-IE" sz="4000">
+                <a:solidFill>
+                  <a:schemeClr val="lt1"/>
+                </a:solidFill>
+              </a:rPr>
+              <a:t>TEST CASES</a:t>
+            </a:r>
+            <a:endParaRPr/>
+          </a:p>
+        </p:txBody>
+      </p:sp>
+      <p:sp>
+        <p:nvSpPr>
+          <p:cNvPr id="522" name="Google Shape;522;p37"/>
+          <p:cNvSpPr txBox="1">
+            <a:spLocks noGrp="1"/>
+          </p:cNvSpPr>
+          <p:nvPr>
+            <p:ph type="body" idx="1"/>
+          </p:nvPr>
+        </p:nvSpPr>
+        <p:spPr>
+          <a:xfrm>
+            <a:off x="4979078" y="960814"/>
+            <a:ext cx="6247722" cy="4830385"/>
+          </a:xfrm>
+          <a:prstGeom prst="rect">
+            <a:avLst/>
+          </a:prstGeom>
+          <a:noFill/>
+          <a:ln>
+            <a:noFill/>
+          </a:ln>
+        </p:spPr>
+        <p:txBody>
+          <a:bodyPr spcFirstLastPara="1" wrap="square" lIns="91425" tIns="45700" rIns="91425" bIns="45700" anchor="ctr" anchorCtr="0">
+            <a:normAutofit/>
+          </a:bodyPr>
+          <a:lstStyle/>
+          <a:p>
+            <a:pPr indent="-342900">
+              <a:lnSpc>
+                <a:spcPct val="110000"/>
+              </a:lnSpc>
+              <a:spcBef>
+                <a:spcPts val="0"/>
+              </a:spcBef>
+              <a:spcAft>
+                <a:spcPts val="0"/>
+              </a:spcAft>
+              <a:buSzPts val="1700"/>
+            </a:pPr>
+            <a:r>
+              <a:rPr lang="en-GB" dirty="0">
+                <a:solidFill>
+                  <a:schemeClr val="bg1"/>
+                </a:solidFill>
+              </a:rPr>
+              <a:t>A test case is a template used to create tests for software</a:t>
+            </a:r>
+          </a:p>
+          <a:p>
+            <a:pPr indent="-342900">
+              <a:lnSpc>
+                <a:spcPct val="110000"/>
+              </a:lnSpc>
+              <a:spcBef>
+                <a:spcPts val="1000"/>
+              </a:spcBef>
+              <a:spcAft>
+                <a:spcPts val="0"/>
+              </a:spcAft>
+              <a:buSzPts val="1700"/>
+            </a:pPr>
+            <a:r>
+              <a:rPr lang="en-GB" b="1" dirty="0">
+                <a:solidFill>
+                  <a:schemeClr val="bg1"/>
+                </a:solidFill>
+              </a:rPr>
+              <a:t>A test case usually contains at least:</a:t>
+            </a:r>
+          </a:p>
+          <a:p>
+            <a:pPr lvl="1" indent="-342900">
+              <a:lnSpc>
+                <a:spcPct val="110000"/>
+              </a:lnSpc>
+              <a:spcBef>
+                <a:spcPts val="1000"/>
+              </a:spcBef>
+              <a:spcAft>
+                <a:spcPts val="0"/>
+              </a:spcAft>
+              <a:buSzPts val="1700"/>
+            </a:pPr>
+            <a:r>
+              <a:rPr lang="en-GB" b="1" dirty="0">
+                <a:solidFill>
+                  <a:schemeClr val="bg1"/>
+                </a:solidFill>
+              </a:rPr>
+              <a:t>Title:</a:t>
+            </a:r>
+            <a:r>
+              <a:rPr lang="en-GB" dirty="0">
+                <a:solidFill>
+                  <a:schemeClr val="bg1"/>
+                </a:solidFill>
+              </a:rPr>
+              <a:t> the title of the test case- keep it short. </a:t>
+            </a:r>
+            <a:endParaRPr lang="en-GB" sz="2600" dirty="0">
+              <a:solidFill>
+                <a:schemeClr val="bg1"/>
+              </a:solidFill>
+            </a:endParaRPr>
+          </a:p>
+          <a:p>
+            <a:pPr lvl="1" indent="-342900">
+              <a:lnSpc>
+                <a:spcPct val="110000"/>
+              </a:lnSpc>
+              <a:spcBef>
+                <a:spcPts val="1000"/>
+              </a:spcBef>
+              <a:spcAft>
+                <a:spcPts val="0"/>
+              </a:spcAft>
+              <a:buSzPts val="1700"/>
+            </a:pPr>
+            <a:r>
+              <a:rPr lang="en-GB" b="1" dirty="0">
+                <a:solidFill>
+                  <a:schemeClr val="bg1"/>
+                </a:solidFill>
+              </a:rPr>
+              <a:t>Description:</a:t>
+            </a:r>
+            <a:r>
+              <a:rPr lang="en-GB" dirty="0">
+                <a:solidFill>
+                  <a:schemeClr val="bg1"/>
+                </a:solidFill>
+              </a:rPr>
+              <a:t> a description of the test - make this more detailed.</a:t>
+            </a:r>
+            <a:endParaRPr lang="en-GB" sz="2600" dirty="0">
+              <a:solidFill>
+                <a:schemeClr val="bg1"/>
+              </a:solidFill>
+            </a:endParaRPr>
+          </a:p>
+          <a:p>
+            <a:pPr lvl="1" indent="-342900">
+              <a:lnSpc>
+                <a:spcPct val="110000"/>
+              </a:lnSpc>
+              <a:spcBef>
+                <a:spcPts val="1000"/>
+              </a:spcBef>
+              <a:spcAft>
+                <a:spcPts val="0"/>
+              </a:spcAft>
+              <a:buSzPts val="1700"/>
+            </a:pPr>
+            <a:r>
+              <a:rPr lang="en-GB" b="1" dirty="0">
+                <a:solidFill>
+                  <a:schemeClr val="bg1"/>
+                </a:solidFill>
+              </a:rPr>
+              <a:t>Test data:</a:t>
+            </a:r>
+            <a:r>
+              <a:rPr lang="en-GB" dirty="0">
+                <a:solidFill>
+                  <a:schemeClr val="bg1"/>
+                </a:solidFill>
+              </a:rPr>
+              <a:t> any data that you need to complete the test.</a:t>
+            </a:r>
+            <a:endParaRPr lang="en-GB" sz="2600" dirty="0">
+              <a:solidFill>
+                <a:schemeClr val="bg1"/>
+              </a:solidFill>
+            </a:endParaRPr>
+          </a:p>
+          <a:p>
+            <a:pPr lvl="1" indent="-342900">
+              <a:lnSpc>
+                <a:spcPct val="110000"/>
+              </a:lnSpc>
+              <a:spcBef>
+                <a:spcPts val="1000"/>
+              </a:spcBef>
+              <a:spcAft>
+                <a:spcPts val="0"/>
+              </a:spcAft>
+              <a:buSzPts val="1700"/>
+            </a:pPr>
+            <a:r>
+              <a:rPr lang="en-GB" b="1" dirty="0">
+                <a:solidFill>
+                  <a:schemeClr val="bg1"/>
+                </a:solidFill>
+              </a:rPr>
+              <a:t>Test steps:</a:t>
+            </a:r>
+            <a:r>
+              <a:rPr lang="en-GB" dirty="0">
+                <a:solidFill>
+                  <a:schemeClr val="bg1"/>
+                </a:solidFill>
+              </a:rPr>
+              <a:t> clear and concise instructions on how to perform the test.</a:t>
+            </a:r>
+          </a:p>
+          <a:p>
+            <a:pPr lvl="1" indent="-342900">
+              <a:lnSpc>
+                <a:spcPct val="110000"/>
+              </a:lnSpc>
+              <a:spcBef>
+                <a:spcPts val="1000"/>
+              </a:spcBef>
+              <a:spcAft>
+                <a:spcPts val="0"/>
+              </a:spcAft>
+              <a:buSzPts val="1700"/>
+            </a:pPr>
+            <a:r>
+              <a:rPr lang="en-GB" b="1" dirty="0">
+                <a:solidFill>
+                  <a:schemeClr val="bg1"/>
+                </a:solidFill>
+              </a:rPr>
+              <a:t>Expected result:</a:t>
+            </a:r>
+            <a:r>
+              <a:rPr lang="en-GB" dirty="0">
+                <a:solidFill>
+                  <a:schemeClr val="bg1"/>
+                </a:solidFill>
+              </a:rPr>
+              <a:t> the result you expect to obtain.</a:t>
+            </a:r>
+          </a:p>
+          <a:p>
+            <a:pPr lvl="1" indent="-342900">
+              <a:lnSpc>
+                <a:spcPct val="110000"/>
+              </a:lnSpc>
+              <a:spcBef>
+                <a:spcPts val="1000"/>
+              </a:spcBef>
+              <a:spcAft>
+                <a:spcPts val="0"/>
+              </a:spcAft>
+              <a:buSzPts val="1700"/>
+            </a:pPr>
+            <a:r>
+              <a:rPr lang="en-GB" b="1" dirty="0">
+                <a:solidFill>
+                  <a:schemeClr val="bg1"/>
+                </a:solidFill>
+              </a:rPr>
+              <a:t>Actual result:</a:t>
+            </a:r>
+            <a:r>
+              <a:rPr lang="en-GB" dirty="0">
+                <a:solidFill>
+                  <a:schemeClr val="bg1"/>
+                </a:solidFill>
+              </a:rPr>
+              <a:t> the actual result that you obtained</a:t>
+            </a:r>
+            <a:r>
+              <a:rPr lang="en-GB" b="1" dirty="0">
+                <a:solidFill>
+                  <a:schemeClr val="bg1"/>
+                </a:solidFill>
+              </a:rPr>
+              <a:t>.</a:t>
+            </a:r>
+            <a:endParaRPr lang="en-GB" sz="2600" dirty="0">
+              <a:solidFill>
+                <a:schemeClr val="bg1"/>
+              </a:solidFill>
+            </a:endParaRPr>
+          </a:p>
+        </p:txBody>
+      </p:sp>
+    </p:spTree>
+  </p:cSld>
+  <p:clrMapOvr>
+    <a:masterClrMapping/>
+  </p:clrMapOvr>
+</p:sld>
+</file>
+
+<file path=ppt/slides/slide9.xml><?xml version="1.0" encoding="utf-8"?>
+<p:sld xmlns:a="http://schemas.openxmlformats.org/drawingml/2006/main" xmlns:r="http://schemas.openxmlformats.org/officeDocument/2006/relationships" xmlns:p="http://schemas.openxmlformats.org/presentationml/2006/main">
+  <p:cSld>
+    <p:spTree>
+      <p:nvGrpSpPr>
+        <p:cNvPr id="1" name="Shape 526"/>
+        <p:cNvGrpSpPr/>
+        <p:nvPr/>
+      </p:nvGrpSpPr>
+      <p:grpSpPr>
+        <a:xfrm>
+          <a:off x="0" y="0"/>
+          <a:ext cx="0" cy="0"/>
+          <a:chOff x="0" y="0"/>
+          <a:chExt cx="0" cy="0"/>
+        </a:xfrm>
+      </p:grpSpPr>
+      <p:sp>
+        <p:nvSpPr>
+          <p:cNvPr id="527" name="Google Shape;527;p38"/>
+          <p:cNvSpPr txBox="1">
+            <a:spLocks noGrp="1"/>
+          </p:cNvSpPr>
+          <p:nvPr>
+            <p:ph type="title"/>
+          </p:nvPr>
+        </p:nvSpPr>
+        <p:spPr>
+          <a:xfrm>
+            <a:off x="913775" y="618517"/>
+            <a:ext cx="10364451" cy="429233"/>
+          </a:xfrm>
+          <a:prstGeom prst="rect">
+            <a:avLst/>
+          </a:prstGeom>
+          <a:noFill/>
+          <a:ln>
+            <a:noFill/>
+          </a:ln>
+        </p:spPr>
+        <p:txBody>
+          <a:bodyPr spcFirstLastPara="1" wrap="square" lIns="91425" tIns="45700" rIns="91425" bIns="45700" anchor="ctr" anchorCtr="0">
+            <a:normAutofit fontScale="90000"/>
+          </a:bodyPr>
+          <a:lstStyle/>
+          <a:p>
+            <a:pPr marL="0" lvl="0" indent="0" algn="ctr" rtl="0">
+              <a:lnSpc>
+                <a:spcPct val="90000"/>
+              </a:lnSpc>
+              <a:spcBef>
+                <a:spcPts val="0"/>
+              </a:spcBef>
+              <a:spcAft>
+                <a:spcPts val="0"/>
+              </a:spcAft>
+              <a:buClr>
+                <a:schemeClr val="dk1"/>
+              </a:buClr>
+              <a:buSzPct val="100000"/>
+              <a:buFont typeface="Twentieth Century"/>
+              <a:buNone/>
+            </a:pPr>
+            <a:r>
+              <a:rPr lang="en-IE"/>
+              <a:t>TEST CASES</a:t>
+            </a:r>
+          </a:p>
+        </p:txBody>
+      </p:sp>
+      <p:sp>
+        <p:nvSpPr>
+          <p:cNvPr id="528" name="Google Shape;528;p38"/>
+          <p:cNvSpPr txBox="1">
+            <a:spLocks noGrp="1"/>
+          </p:cNvSpPr>
+          <p:nvPr>
+            <p:ph type="body" idx="1"/>
+          </p:nvPr>
+        </p:nvSpPr>
+        <p:spPr>
+          <a:xfrm>
+            <a:off x="838200" y="1323398"/>
+            <a:ext cx="10515600" cy="5537633"/>
+          </a:xfrm>
+          <a:prstGeom prst="rect">
+            <a:avLst/>
+          </a:prstGeom>
+          <a:noFill/>
+          <a:ln>
+            <a:noFill/>
+          </a:ln>
+        </p:spPr>
+        <p:txBody>
+          <a:bodyPr spcFirstLastPara="1" wrap="square" lIns="91425" tIns="45700" rIns="91425" bIns="45700" anchor="t" anchorCtr="0">
+            <a:normAutofit fontScale="92500" lnSpcReduction="20000"/>
+          </a:bodyPr>
+          <a:lstStyle/>
+          <a:p>
+            <a:pPr marL="0" lvl="0" indent="0" algn="ctr" rtl="0">
+              <a:lnSpc>
+                <a:spcPct val="120000"/>
+              </a:lnSpc>
+              <a:spcBef>
+                <a:spcPts val="0"/>
+              </a:spcBef>
+              <a:spcAft>
+                <a:spcPts val="0"/>
+              </a:spcAft>
+              <a:buSzPct val="100000"/>
+              <a:buNone/>
+            </a:pPr>
+            <a:r>
+              <a:rPr lang="en-GB" dirty="0"/>
+              <a:t>EXAMPLE OF A TEST CASE – TEST FAILS</a:t>
+            </a:r>
+            <a:endParaRPr lang="en-GB" sz="2000" b="1" dirty="0"/>
+          </a:p>
+          <a:p>
+            <a:pPr marL="0" lvl="0" indent="0" algn="l" rtl="0">
+              <a:lnSpc>
+                <a:spcPct val="120000"/>
+              </a:lnSpc>
+              <a:spcBef>
+                <a:spcPts val="1000"/>
+              </a:spcBef>
+              <a:spcAft>
+                <a:spcPts val="0"/>
+              </a:spcAft>
+              <a:buSzPct val="100000"/>
+              <a:buNone/>
+            </a:pPr>
+            <a:r>
+              <a:rPr lang="en-GB" sz="2000" b="1" dirty="0" err="1"/>
+              <a:t>TItle</a:t>
+            </a:r>
+            <a:r>
+              <a:rPr lang="en-GB" sz="2000" b="1" dirty="0"/>
+              <a:t>:</a:t>
+            </a:r>
+            <a:r>
+              <a:rPr lang="en-GB" sz="2000" dirty="0"/>
+              <a:t> checking a mathematical expression</a:t>
+            </a:r>
+          </a:p>
+          <a:p>
+            <a:pPr marL="0" lvl="0" indent="0" algn="l" rtl="0">
+              <a:lnSpc>
+                <a:spcPct val="120000"/>
+              </a:lnSpc>
+              <a:spcBef>
+                <a:spcPts val="1000"/>
+              </a:spcBef>
+              <a:spcAft>
+                <a:spcPts val="0"/>
+              </a:spcAft>
+              <a:buSzPct val="100000"/>
+              <a:buNone/>
+            </a:pPr>
+            <a:r>
+              <a:rPr lang="en-GB" sz="2000" b="1" dirty="0"/>
+              <a:t>Description:</a:t>
+            </a:r>
+            <a:r>
+              <a:rPr lang="en-GB" sz="2000" dirty="0"/>
+              <a:t> using a certain set of test data, checking that the mathematical expression: </a:t>
+            </a:r>
+          </a:p>
+          <a:p>
+            <a:pPr marL="0" lvl="0" indent="0" algn="l" rtl="0">
+              <a:lnSpc>
+                <a:spcPct val="120000"/>
+              </a:lnSpc>
+              <a:spcBef>
+                <a:spcPts val="1000"/>
+              </a:spcBef>
+              <a:spcAft>
+                <a:spcPts val="0"/>
+              </a:spcAft>
+              <a:buSzPct val="100000"/>
+              <a:buNone/>
+            </a:pPr>
+            <a:r>
+              <a:rPr lang="en-GB" sz="2000" b="1" dirty="0">
+                <a:highlight>
+                  <a:srgbClr val="000080"/>
+                </a:highlight>
+              </a:rPr>
+              <a:t>188 + 68 * 1 + 3</a:t>
+            </a:r>
+            <a:r>
+              <a:rPr lang="en-GB" sz="2000" dirty="0">
+                <a:highlight>
+                  <a:srgbClr val="000080"/>
+                </a:highlight>
+              </a:rPr>
+              <a:t> </a:t>
+            </a:r>
+            <a:r>
+              <a:rPr lang="en-GB" sz="2000" dirty="0"/>
+              <a:t>Code logic is correct and returns the correct answer.</a:t>
+            </a:r>
+          </a:p>
+          <a:p>
+            <a:pPr marL="0" lvl="0" indent="0" algn="l" rtl="0">
+              <a:lnSpc>
+                <a:spcPct val="120000"/>
+              </a:lnSpc>
+              <a:spcBef>
+                <a:spcPts val="1000"/>
+              </a:spcBef>
+              <a:spcAft>
+                <a:spcPts val="0"/>
+              </a:spcAft>
+              <a:buSzPct val="100000"/>
+              <a:buNone/>
+            </a:pPr>
+            <a:r>
+              <a:rPr lang="en-GB" sz="2000" b="1" dirty="0"/>
+              <a:t>Test data</a:t>
+            </a:r>
+            <a:r>
+              <a:rPr lang="en-GB" sz="2000" dirty="0"/>
+              <a:t> – the numbers to be used in this test.</a:t>
+            </a:r>
+            <a:endParaRPr lang="en-GB" dirty="0"/>
+          </a:p>
+          <a:p>
+            <a:pPr marL="0" lvl="0" indent="0" algn="l" rtl="0">
+              <a:lnSpc>
+                <a:spcPct val="120000"/>
+              </a:lnSpc>
+              <a:spcBef>
+                <a:spcPts val="1000"/>
+              </a:spcBef>
+              <a:spcAft>
+                <a:spcPts val="0"/>
+              </a:spcAft>
+              <a:buSzPct val="100000"/>
+              <a:buNone/>
+            </a:pPr>
+            <a:endParaRPr lang="en-GB" sz="2000" b="1" dirty="0"/>
+          </a:p>
+          <a:p>
+            <a:pPr marL="0" lvl="0" indent="0" algn="l" rtl="0">
+              <a:lnSpc>
+                <a:spcPct val="120000"/>
+              </a:lnSpc>
+              <a:spcBef>
+                <a:spcPts val="1000"/>
+              </a:spcBef>
+              <a:spcAft>
+                <a:spcPts val="0"/>
+              </a:spcAft>
+              <a:buSzPct val="100000"/>
+              <a:buNone/>
+            </a:pPr>
+            <a:r>
+              <a:rPr lang="en-GB" sz="2000" b="1" dirty="0"/>
+              <a:t>TEST STEPS:</a:t>
+            </a:r>
+            <a:endParaRPr lang="en-GB" sz="2000" dirty="0"/>
+          </a:p>
+          <a:p>
+            <a:pPr marL="457200" lvl="0" indent="-457200" algn="l" rtl="0">
+              <a:lnSpc>
+                <a:spcPct val="120000"/>
+              </a:lnSpc>
+              <a:spcBef>
+                <a:spcPts val="1000"/>
+              </a:spcBef>
+              <a:spcAft>
+                <a:spcPts val="0"/>
+              </a:spcAft>
+              <a:buSzPct val="100000"/>
+              <a:buAutoNum type="arabicPeriod"/>
+            </a:pPr>
+            <a:r>
+              <a:rPr lang="en-GB" sz="2100" dirty="0"/>
+              <a:t>Navigate to </a:t>
+            </a:r>
+            <a:r>
+              <a:rPr lang="en-GB" sz="2100" dirty="0" err="1"/>
+              <a:t>repl.It</a:t>
+            </a:r>
+            <a:r>
+              <a:rPr lang="en-GB" sz="2100" dirty="0"/>
+              <a:t> and create a print() function.</a:t>
+            </a:r>
+            <a:endParaRPr lang="en-GB" sz="2800" dirty="0"/>
+          </a:p>
+          <a:p>
+            <a:pPr marL="457200" lvl="0" indent="-457200" algn="l" rtl="0">
+              <a:lnSpc>
+                <a:spcPct val="120000"/>
+              </a:lnSpc>
+              <a:spcBef>
+                <a:spcPts val="1000"/>
+              </a:spcBef>
+              <a:spcAft>
+                <a:spcPts val="0"/>
+              </a:spcAft>
+              <a:buSzPct val="100000"/>
+              <a:buAutoNum type="arabicPeriod"/>
+            </a:pPr>
+            <a:r>
+              <a:rPr lang="en-GB" sz="2100" dirty="0"/>
+              <a:t>Inside the print function put in the mathematical expression: 188 + 68 * 1 + 3</a:t>
+            </a:r>
+            <a:endParaRPr lang="en-GB" sz="2800" dirty="0"/>
+          </a:p>
+          <a:p>
+            <a:pPr marL="457200" lvl="0" indent="-457200" algn="l" rtl="0">
+              <a:lnSpc>
+                <a:spcPct val="120000"/>
+              </a:lnSpc>
+              <a:spcBef>
+                <a:spcPts val="1000"/>
+              </a:spcBef>
+              <a:spcAft>
+                <a:spcPts val="0"/>
+              </a:spcAft>
+              <a:buSzPct val="100000"/>
+              <a:buAutoNum type="arabicPeriod"/>
+            </a:pPr>
+            <a:r>
+              <a:rPr lang="en-GB" sz="2100" dirty="0"/>
+              <a:t>Click on the run button to run the program.</a:t>
+            </a:r>
+            <a:endParaRPr lang="en-GB" sz="2800" dirty="0"/>
+          </a:p>
+          <a:p>
+            <a:pPr marL="457200" lvl="0" indent="-457200" algn="l" rtl="0">
+              <a:lnSpc>
+                <a:spcPct val="120000"/>
+              </a:lnSpc>
+              <a:spcBef>
+                <a:spcPts val="1000"/>
+              </a:spcBef>
+              <a:spcAft>
+                <a:spcPts val="0"/>
+              </a:spcAft>
+              <a:buSzPct val="100000"/>
+              <a:buFont typeface="Arial"/>
+              <a:buAutoNum type="arabicPeriod"/>
+            </a:pPr>
+            <a:r>
+              <a:rPr lang="en-GB" sz="2100" dirty="0"/>
+              <a:t>Record your result.</a:t>
+            </a:r>
+            <a:endParaRPr lang="en-GB" sz="2800" dirty="0"/>
+          </a:p>
+          <a:p>
+            <a:pPr marL="0" lvl="0" indent="0" algn="l" rtl="0">
+              <a:lnSpc>
+                <a:spcPct val="120000"/>
+              </a:lnSpc>
+              <a:spcBef>
+                <a:spcPts val="1000"/>
+              </a:spcBef>
+              <a:spcAft>
+                <a:spcPts val="0"/>
+              </a:spcAft>
+              <a:buSzPct val="100000"/>
+              <a:buNone/>
+            </a:pPr>
+            <a:r>
+              <a:rPr lang="en-GB" sz="2000" b="1" dirty="0"/>
+              <a:t>EXPECTED RESULT:</a:t>
+            </a:r>
+            <a:r>
+              <a:rPr lang="en-GB" sz="2000" dirty="0"/>
+              <a:t> </a:t>
+            </a:r>
+            <a:r>
+              <a:rPr lang="en-GB" sz="2000" dirty="0">
+                <a:solidFill>
+                  <a:srgbClr val="00B050"/>
+                </a:solidFill>
+              </a:rPr>
+              <a:t>1024</a:t>
+            </a:r>
+            <a:endParaRPr lang="en-GB" dirty="0"/>
+          </a:p>
+          <a:p>
+            <a:pPr marL="0" lvl="0" indent="0" algn="l" rtl="0">
+              <a:lnSpc>
+                <a:spcPct val="120000"/>
+              </a:lnSpc>
+              <a:spcBef>
+                <a:spcPts val="1000"/>
+              </a:spcBef>
+              <a:spcAft>
+                <a:spcPts val="0"/>
+              </a:spcAft>
+              <a:buSzPct val="100000"/>
+              <a:buNone/>
+            </a:pPr>
+            <a:r>
+              <a:rPr lang="en-GB" sz="2000" b="1" dirty="0"/>
+              <a:t>ACTUAL RESULT:</a:t>
+            </a:r>
+            <a:r>
+              <a:rPr lang="en-GB" sz="2000" dirty="0"/>
+              <a:t> </a:t>
+            </a:r>
+            <a:r>
+              <a:rPr lang="en-GB" sz="2000" dirty="0">
+                <a:solidFill>
+                  <a:srgbClr val="FF0000"/>
+                </a:solidFill>
+              </a:rPr>
+              <a:t>259</a:t>
+            </a:r>
+            <a:endParaRPr lang="en-GB" dirty="0">
+              <a:solidFill>
+                <a:srgbClr val="000000"/>
+              </a:solidFill>
+            </a:endParaRPr>
+          </a:p>
+        </p:txBody>
+      </p:sp>
+      <p:pic>
+        <p:nvPicPr>
+          <p:cNvPr id="529" name="Google Shape;529;p38" descr="Close"/>
+          <p:cNvPicPr preferRelativeResize="0"/>
+          <p:nvPr/>
+        </p:nvPicPr>
+        <p:blipFill rotWithShape="1">
+          <a:blip r:embed="rId3">
+            <a:alphaModFix/>
+          </a:blip>
+          <a:srcRect/>
+          <a:stretch/>
+        </p:blipFill>
+        <p:spPr>
+          <a:xfrm>
+            <a:off x="3936542" y="5943600"/>
+            <a:ext cx="914400" cy="914400"/>
+          </a:xfrm>
+          <a:prstGeom prst="rect">
+            <a:avLst/>
+          </a:prstGeom>
+          <a:noFill/>
+          <a:ln>
+            <a:noFill/>
+          </a:ln>
+        </p:spPr>
+      </p:pic>
+      <p:graphicFrame>
+        <p:nvGraphicFramePr>
+          <p:cNvPr id="530" name="Google Shape;530;p38"/>
+          <p:cNvGraphicFramePr/>
+          <p:nvPr>
+            <p:extLst>
+              <p:ext uri="{D42A27DB-BD31-4B8C-83A1-F6EECF244321}">
+                <p14:modId xmlns:p14="http://schemas.microsoft.com/office/powerpoint/2010/main" val="3160281455"/>
+              </p:ext>
+            </p:extLst>
+          </p:nvPr>
+        </p:nvGraphicFramePr>
+        <p:xfrm>
+          <a:off x="1509320" y="3841807"/>
+          <a:ext cx="8128000" cy="366600"/>
+        </p:xfrm>
+        <a:graphic>
+          <a:graphicData uri="http://schemas.openxmlformats.org/drawingml/2006/table">
+            <a:tbl>
+              <a:tblPr firstRow="1" bandRow="1">
+                <a:noFill/>
+              </a:tblPr>
+              <a:tblGrid>
+                <a:gridCol w="2032000">
+                  <a:extLst>
+                    <a:ext uri="{9D8B030D-6E8A-4147-A177-3AD203B41FA5}">
+                      <a16:colId xmlns:a16="http://schemas.microsoft.com/office/drawing/2014/main" val="20000"/>
+                    </a:ext>
+                  </a:extLst>
+                </a:gridCol>
+                <a:gridCol w="2032000">
+                  <a:extLst>
+                    <a:ext uri="{9D8B030D-6E8A-4147-A177-3AD203B41FA5}">
+                      <a16:colId xmlns:a16="http://schemas.microsoft.com/office/drawing/2014/main" val="20001"/>
+                    </a:ext>
+                  </a:extLst>
+                </a:gridCol>
+                <a:gridCol w="2032000">
+                  <a:extLst>
+                    <a:ext uri="{9D8B030D-6E8A-4147-A177-3AD203B41FA5}">
+                      <a16:colId xmlns:a16="http://schemas.microsoft.com/office/drawing/2014/main" val="20002"/>
+                    </a:ext>
+                  </a:extLst>
+                </a:gridCol>
+                <a:gridCol w="2032000">
+                  <a:extLst>
+                    <a:ext uri="{9D8B030D-6E8A-4147-A177-3AD203B41FA5}">
+                      <a16:colId xmlns:a16="http://schemas.microsoft.com/office/drawing/2014/main" val="20003"/>
+                    </a:ext>
+                  </a:extLst>
+                </a:gridCol>
+              </a:tblGrid>
+              <a:tr h="366600">
+                <a:tc>
+                  <a:txBody>
+                    <a:bodyPr/>
+                    <a:lstStyle/>
+                    <a:p>
+                      <a:pPr marL="0" marR="0" lvl="0" indent="0" algn="ctr" rtl="0">
+                        <a:spcBef>
+                          <a:spcPts val="0"/>
+                        </a:spcBef>
+                        <a:spcAft>
+                          <a:spcPts val="0"/>
+                        </a:spcAft>
+                        <a:buNone/>
+                      </a:pPr>
+                      <a:r>
+                        <a:rPr lang="en-IE" sz="1800" u="none" strike="noStrike" cap="none"/>
+                        <a:t>188</a:t>
+                      </a:r>
+                      <a:endParaRPr/>
+                    </a:p>
+                  </a:txBody>
+                  <a:tcPr marL="91450" marR="91450" marT="45725" marB="45725"/>
+                </a:tc>
+                <a:tc>
+                  <a:txBody>
+                    <a:bodyPr/>
+                    <a:lstStyle/>
+                    <a:p>
+                      <a:pPr marL="0" marR="0" lvl="0" indent="0" algn="ctr" rtl="0">
+                        <a:spcBef>
+                          <a:spcPts val="0"/>
+                        </a:spcBef>
+                        <a:spcAft>
+                          <a:spcPts val="0"/>
+                        </a:spcAft>
+                        <a:buNone/>
+                      </a:pPr>
+                      <a:r>
+                        <a:rPr lang="en-IE" sz="1800" u="none" strike="noStrike" cap="none"/>
+                        <a:t>68</a:t>
+                      </a:r>
+                      <a:endParaRPr/>
+                    </a:p>
+                  </a:txBody>
+                  <a:tcPr marL="91450" marR="91450" marT="45725" marB="45725"/>
+                </a:tc>
+                <a:tc>
+                  <a:txBody>
+                    <a:bodyPr/>
+                    <a:lstStyle/>
+                    <a:p>
+                      <a:pPr marL="0" marR="0" lvl="0" indent="0" algn="ctr" rtl="0">
+                        <a:spcBef>
+                          <a:spcPts val="0"/>
+                        </a:spcBef>
+                        <a:spcAft>
+                          <a:spcPts val="0"/>
+                        </a:spcAft>
+                        <a:buNone/>
+                      </a:pPr>
+                      <a:r>
+                        <a:rPr lang="en-IE" sz="1800" u="none" strike="noStrike" cap="none"/>
+                        <a:t>1</a:t>
+                      </a:r>
+                      <a:endParaRPr/>
+                    </a:p>
+                  </a:txBody>
+                  <a:tcPr marL="91450" marR="91450" marT="45725" marB="45725"/>
+                </a:tc>
+                <a:tc>
+                  <a:txBody>
+                    <a:bodyPr/>
+                    <a:lstStyle/>
+                    <a:p>
+                      <a:pPr marL="0" marR="0" lvl="0" indent="0" algn="ctr" rtl="0">
+                        <a:spcBef>
+                          <a:spcPts val="0"/>
+                        </a:spcBef>
+                        <a:spcAft>
+                          <a:spcPts val="0"/>
+                        </a:spcAft>
+                        <a:buNone/>
+                      </a:pPr>
+                      <a:r>
+                        <a:rPr lang="en-IE" sz="1800" u="none" strike="noStrike" cap="none" dirty="0"/>
+                        <a:t>3</a:t>
+                      </a:r>
+                      <a:endParaRPr dirty="0"/>
+                    </a:p>
+                  </a:txBody>
+                  <a:tcPr marL="91450" marR="91450" marT="45725" marB="45725"/>
+                </a:tc>
+                <a:extLst>
+                  <a:ext uri="{0D108BD9-81ED-4DB2-BD59-A6C34878D82A}">
+                    <a16:rowId xmlns:a16="http://schemas.microsoft.com/office/drawing/2014/main" val="10000"/>
+                  </a:ext>
+                </a:extLst>
+              </a:tr>
+            </a:tbl>
+          </a:graphicData>
+        </a:graphic>
+      </p:graphicFrame>
+    </p:spTree>
+  </p:cSld>
+  <p:clrMapOvr>
+    <a:masterClrMapping/>
+  </p:clrMapOvr>
+</p:sld>
+</file>
+
 <file path=ppt/theme/theme1.xml><?xml version="1.0" encoding="utf-8"?>
 <a:theme xmlns:a="http://schemas.openxmlformats.org/drawingml/2006/main" name="Slate">
   <a:themeElements>
